--- a/SEP592_팀프로젝트자료B조/Documents/SEP592_데이타사이언스_최종발표_B조_COVID19_증상(정대욱_홍상표_조성민).pptx
+++ b/SEP592_팀프로젝트자료B조/Documents/SEP592_데이타사이언스_최종발표_B조_COVID19_증상(정대욱_홍상표_조성민).pptx
@@ -1062,7 +1062,7 @@
             <a:pPr rtl="0"/>
             <a:fld id="{4391C4EE-2AED-40C6-A831-F6EB9B360240}" type="datetime1">
               <a:rPr lang="ko-KR" altLang="en-US" smtClean="0"/>
-              <a:t>2020. 6. 24.</a:t>
+              <a:t>2020. 6. 25.</a:t>
             </a:fld>
             <a:endParaRPr lang="en-US"/>
           </a:p>
@@ -1232,7 +1232,7 @@
             <a:pPr rtl="0"/>
             <a:fld id="{12078E7B-A6E3-4F90-88B5-479D11B75433}" type="datetime1">
               <a:rPr lang="ko-KR" altLang="en-US" smtClean="0"/>
-              <a:t>2020. 6. 24.</a:t>
+              <a:t>2020. 6. 25.</a:t>
             </a:fld>
             <a:endParaRPr lang="en-US"/>
           </a:p>
@@ -2362,7 +2362,7 @@
           <a:p>
             <a:fld id="{0083EC3D-47E3-4D28-BD42-E64EB1B25696}" type="datetime1">
               <a:rPr lang="ko-KR" altLang="en-US" smtClean="0"/>
-              <a:t>2020. 6. 24.</a:t>
+              <a:t>2020. 6. 25.</a:t>
             </a:fld>
             <a:endParaRPr lang="en-US" dirty="0"/>
           </a:p>
@@ -3301,7 +3301,7 @@
           <a:p>
             <a:fld id="{FE75DD57-A933-4CF7-BD22-DDB2380C1618}" type="datetime1">
               <a:rPr lang="ko-KR" altLang="en-US" smtClean="0"/>
-              <a:t>2020. 6. 24.</a:t>
+              <a:t>2020. 6. 25.</a:t>
             </a:fld>
             <a:endParaRPr lang="en-US" dirty="0"/>
           </a:p>
@@ -3843,7 +3843,7 @@
           <a:p>
             <a:fld id="{83833429-AC63-412A-AA05-50A0CAB567A8}" type="datetime1">
               <a:rPr lang="ko-KR" altLang="en-US" smtClean="0"/>
-              <a:t>2020. 6. 24.</a:t>
+              <a:t>2020. 6. 25.</a:t>
             </a:fld>
             <a:endParaRPr lang="en-US" dirty="0"/>
           </a:p>
@@ -8297,7 +8297,23 @@
                   <a:schemeClr val="bg1"/>
                 </a:solidFill>
               </a:rPr>
-              <a:t>환자 질환 순위</a:t>
+              <a:t>환자 질환 순위 </a:t>
+            </a:r>
+            <a:r>
+              <a:rPr lang="en-US" altLang="ko-KR" b="1" dirty="0">
+                <a:solidFill>
+                  <a:schemeClr val="bg1"/>
+                </a:solidFill>
+              </a:rPr>
+              <a:t>:</a:t>
+            </a:r>
+            <a:r>
+              <a:rPr lang="ko-KR" altLang="en-US" b="1">
+                <a:solidFill>
+                  <a:schemeClr val="bg1"/>
+                </a:solidFill>
+              </a:rPr>
+              <a:t> 이태리</a:t>
             </a:r>
             <a:endParaRPr lang="en-US" altLang="ko-KR" b="1" dirty="0">
               <a:solidFill>

--- a/SEP592_팀프로젝트자료B조/Documents/SEP592_데이타사이언스_최종발표_B조_COVID19_증상(정대욱_홍상표_조성민).pptx
+++ b/SEP592_팀프로젝트자료B조/Documents/SEP592_데이타사이언스_최종발표_B조_COVID19_증상(정대욱_홍상표_조성민).pptx
@@ -5,10 +5,10 @@
     <p:sldMasterId id="2147483712" r:id="rId1"/>
   </p:sldMasterIdLst>
   <p:notesMasterIdLst>
-    <p:notesMasterId r:id="rId24"/>
+    <p:notesMasterId r:id="rId25"/>
   </p:notesMasterIdLst>
   <p:handoutMasterIdLst>
-    <p:handoutMasterId r:id="rId25"/>
+    <p:handoutMasterId r:id="rId26"/>
   </p:handoutMasterIdLst>
   <p:sldIdLst>
     <p:sldId id="257" r:id="rId2"/>
@@ -17,22 +17,23 @@
     <p:sldId id="274" r:id="rId5"/>
     <p:sldId id="273" r:id="rId6"/>
     <p:sldId id="275" r:id="rId7"/>
-    <p:sldId id="276" r:id="rId8"/>
-    <p:sldId id="277" r:id="rId9"/>
-    <p:sldId id="286" r:id="rId10"/>
-    <p:sldId id="287" r:id="rId11"/>
-    <p:sldId id="288" r:id="rId12"/>
-    <p:sldId id="289" r:id="rId13"/>
-    <p:sldId id="278" r:id="rId14"/>
-    <p:sldId id="279" r:id="rId15"/>
-    <p:sldId id="290" r:id="rId16"/>
-    <p:sldId id="291" r:id="rId17"/>
-    <p:sldId id="280" r:id="rId18"/>
-    <p:sldId id="282" r:id="rId19"/>
-    <p:sldId id="283" r:id="rId20"/>
-    <p:sldId id="284" r:id="rId21"/>
-    <p:sldId id="285" r:id="rId22"/>
-    <p:sldId id="281" r:id="rId23"/>
+    <p:sldId id="294" r:id="rId8"/>
+    <p:sldId id="276" r:id="rId9"/>
+    <p:sldId id="277" r:id="rId10"/>
+    <p:sldId id="286" r:id="rId11"/>
+    <p:sldId id="287" r:id="rId12"/>
+    <p:sldId id="288" r:id="rId13"/>
+    <p:sldId id="289" r:id="rId14"/>
+    <p:sldId id="278" r:id="rId15"/>
+    <p:sldId id="279" r:id="rId16"/>
+    <p:sldId id="290" r:id="rId17"/>
+    <p:sldId id="291" r:id="rId18"/>
+    <p:sldId id="280" r:id="rId19"/>
+    <p:sldId id="282" r:id="rId20"/>
+    <p:sldId id="283" r:id="rId21"/>
+    <p:sldId id="284" r:id="rId22"/>
+    <p:sldId id="285" r:id="rId23"/>
+    <p:sldId id="292" r:id="rId24"/>
   </p:sldIdLst>
   <p:sldSz cx="12192000" cy="6858000"/>
   <p:notesSz cx="6858000" cy="9144000"/>
@@ -140,6 +141,18 @@
     </p:ext>
   </p:extLst>
 </p:presentation>
+</file>
+
+<file path=ppt/commentAuthors.xml><?xml version="1.0" encoding="utf-8"?>
+<p:cmAuthorLst xmlns:a="http://schemas.openxmlformats.org/drawingml/2006/main" xmlns:r="http://schemas.openxmlformats.org/officeDocument/2006/relationships" xmlns:p="http://schemas.openxmlformats.org/presentationml/2006/main">
+  <p:cmAuthor id="1" name="Mark Sp (Sang Pyo Hong ) [Marketplace Settlements &amp; Promotions]" initials="MS(PH)[S&amp;P" lastIdx="4" clrIdx="0">
+    <p:extLst>
+      <p:ext uri="{19B8F6BF-5375-455C-9EA6-DF929625EA0E}">
+        <p15:presenceInfo xmlns:p15="http://schemas.microsoft.com/office/powerpoint/2012/main" userId="S::hspmuse@coupang.com::12b0ce10-d55c-42bd-933e-28c99503a715" providerId="AD"/>
+      </p:ext>
+    </p:extLst>
+  </p:cmAuthor>
+</p:cmAuthorLst>
 </file>
 
 <file path=ppt/revisionInfo.xml><?xml version="1.0" encoding="utf-8"?>
@@ -976,6 +989,51 @@
     </c:ext>
   </c:extLst>
 </c:chartSpace>
+</file>
+
+<file path=ppt/comments/comment1.xml><?xml version="1.0" encoding="utf-8"?>
+<p:cmLst xmlns:a="http://schemas.openxmlformats.org/drawingml/2006/main" xmlns:r="http://schemas.openxmlformats.org/officeDocument/2006/relationships" xmlns:p="http://schemas.openxmlformats.org/presentationml/2006/main">
+  <p:cm authorId="1" dt="2020-06-25T13:15:31.485" idx="3">
+    <p:pos x="10" y="10"/>
+    <p:text/>
+    <p:extLst>
+      <p:ext uri="{C676402C-5697-4E1C-873F-D02D1690AC5C}">
+        <p15:threadingInfo xmlns:p15="http://schemas.microsoft.com/office/powerpoint/2012/main" timeZoneBias="-540"/>
+      </p:ext>
+    </p:extLst>
+  </p:cm>
+</p:cmLst>
+</file>
+
+<file path=ppt/comments/comment2.xml><?xml version="1.0" encoding="utf-8"?>
+<p:cmLst xmlns:a="http://schemas.openxmlformats.org/drawingml/2006/main" xmlns:r="http://schemas.openxmlformats.org/officeDocument/2006/relationships" xmlns:p="http://schemas.openxmlformats.org/presentationml/2006/main">
+  <p:cm authorId="1" dt="2020-06-25T13:38:26.922" idx="4">
+    <p:pos x="10" y="10"/>
+    <p:text>460개증상 항목 중 빈도수 높은 것을 이용하여 분석.</p:text>
+    <p:extLst>
+      <p:ext uri="{C676402C-5697-4E1C-873F-D02D1690AC5C}">
+        <p15:threadingInfo xmlns:p15="http://schemas.microsoft.com/office/powerpoint/2012/main" timeZoneBias="-540"/>
+      </p:ext>
+    </p:extLst>
+  </p:cm>
+</p:cmLst>
+</file>
+
+<file path=ppt/comments/comment3.xml><?xml version="1.0" encoding="utf-8"?>
+<p:cmLst xmlns:a="http://schemas.openxmlformats.org/drawingml/2006/main" xmlns:r="http://schemas.openxmlformats.org/officeDocument/2006/relationships" xmlns:p="http://schemas.openxmlformats.org/presentationml/2006/main">
+  <p:cm authorId="1" dt="2020-06-25T13:13:03.391" idx="2">
+    <p:pos x="146" y="146"/>
+    <p:text>자세이상, 서동, 떨림
+변실금, 건망증, 지남력장애, 성격의변화
+설사, 심부전, 복부통증
+물집, 괴사, 저혈압, 빈상출혈</p:text>
+    <p:extLst>
+      <p:ext uri="{C676402C-5697-4E1C-873F-D02D1690AC5C}">
+        <p15:threadingInfo xmlns:p15="http://schemas.microsoft.com/office/powerpoint/2012/main" timeZoneBias="-540"/>
+      </p:ext>
+    </p:extLst>
+  </p:cm>
+</p:cmLst>
 </file>
 
 <file path=ppt/handoutMasters/handoutMaster1.xml><?xml version="1.0" encoding="utf-8"?>
@@ -6342,7 +6400,7 @@
                   <a:schemeClr val="bg1"/>
                 </a:solidFill>
               </a:rPr>
-              <a:t>환자 질환 순위 </a:t>
+              <a:t>환자 질병 순위 </a:t>
             </a:r>
             <a:r>
               <a:rPr lang="en-US" altLang="ko-KR" b="1" dirty="0">
@@ -6358,7 +6416,7 @@
                   <a:schemeClr val="bg1"/>
                 </a:solidFill>
               </a:rPr>
-              <a:t> 독일</a:t>
+              <a:t> 프랑스</a:t>
             </a:r>
             <a:endParaRPr lang="en-US" altLang="ko-KR" b="1" dirty="0">
               <a:solidFill>
@@ -6547,7 +6605,1962 @@
           <p:nvPr>
             <p:extLst>
               <p:ext uri="{D42A27DB-BD31-4B8C-83A1-F6EECF244321}">
-                <p14:modId xmlns:p14="http://schemas.microsoft.com/office/powerpoint/2010/main" val="3438168754"/>
+                <p14:modId xmlns:p14="http://schemas.microsoft.com/office/powerpoint/2010/main" val="167893913"/>
+              </p:ext>
+            </p:extLst>
+          </p:nvPr>
+        </p:nvGraphicFramePr>
+        <p:xfrm>
+          <a:off x="4403031" y="1017892"/>
+          <a:ext cx="7298296" cy="4822216"/>
+        </p:xfrm>
+        <a:graphic>
+          <a:graphicData uri="http://schemas.openxmlformats.org/drawingml/2006/table">
+            <a:tbl>
+              <a:tblPr/>
+              <a:tblGrid>
+                <a:gridCol w="3399947">
+                  <a:extLst>
+                    <a:ext uri="{9D8B030D-6E8A-4147-A177-3AD203B41FA5}">
+                      <a16:colId xmlns:a16="http://schemas.microsoft.com/office/drawing/2014/main" val="1308708511"/>
+                    </a:ext>
+                  </a:extLst>
+                </a:gridCol>
+                <a:gridCol w="651641">
+                  <a:extLst>
+                    <a:ext uri="{9D8B030D-6E8A-4147-A177-3AD203B41FA5}">
+                      <a16:colId xmlns:a16="http://schemas.microsoft.com/office/drawing/2014/main" val="1075972581"/>
+                    </a:ext>
+                  </a:extLst>
+                </a:gridCol>
+                <a:gridCol w="3246708">
+                  <a:extLst>
+                    <a:ext uri="{9D8B030D-6E8A-4147-A177-3AD203B41FA5}">
+                      <a16:colId xmlns:a16="http://schemas.microsoft.com/office/drawing/2014/main" val="263711610"/>
+                    </a:ext>
+                  </a:extLst>
+                </a:gridCol>
+              </a:tblGrid>
+              <a:tr h="462646">
+                <a:tc>
+                  <a:txBody>
+                    <a:bodyPr/>
+                    <a:lstStyle/>
+                    <a:p>
+                      <a:pPr marL="0" marR="0" indent="0" algn="just" fontAlgn="base" latinLnBrk="1">
+                        <a:lnSpc>
+                          <a:spcPct val="160000"/>
+                        </a:lnSpc>
+                        <a:spcBef>
+                          <a:spcPts val="0"/>
+                        </a:spcBef>
+                        <a:spcAft>
+                          <a:spcPts val="0"/>
+                        </a:spcAft>
+                      </a:pPr>
+                      <a:r>
+                        <a:rPr lang="en-US" sz="1300" b="1" kern="0" spc="0" dirty="0" err="1">
+                          <a:solidFill>
+                            <a:schemeClr val="tx1">
+                              <a:lumMod val="65000"/>
+                              <a:lumOff val="35000"/>
+                            </a:schemeClr>
+                          </a:solidFill>
+                          <a:effectLst/>
+                          <a:latin typeface="맑은 고딕" panose="020B0503020000020004" pitchFamily="50" charset="-127"/>
+                          <a:ea typeface="맑은 고딕" panose="020B0503020000020004" pitchFamily="50" charset="-127"/>
+                        </a:rPr>
+                        <a:t>KoICD</a:t>
+                      </a:r>
+                      <a:r>
+                        <a:rPr lang="en-US" sz="1300" b="1" kern="0" spc="0" dirty="0">
+                          <a:solidFill>
+                            <a:schemeClr val="tx1">
+                              <a:lumMod val="65000"/>
+                              <a:lumOff val="35000"/>
+                            </a:schemeClr>
+                          </a:solidFill>
+                          <a:effectLst/>
+                          <a:latin typeface="맑은 고딕" panose="020B0503020000020004" pitchFamily="50" charset="-127"/>
+                          <a:ea typeface="맑은 고딕" panose="020B0503020000020004" pitchFamily="50" charset="-127"/>
+                        </a:rPr>
+                        <a:t> </a:t>
+                      </a:r>
+                      <a:r>
+                        <a:rPr lang="ko-KR" altLang="en-US" sz="1300" b="1" kern="0" spc="0" dirty="0">
+                          <a:solidFill>
+                            <a:schemeClr val="tx1">
+                              <a:lumMod val="65000"/>
+                              <a:lumOff val="35000"/>
+                            </a:schemeClr>
+                          </a:solidFill>
+                          <a:effectLst/>
+                          <a:latin typeface="맑은 고딕" panose="020B0503020000020004" pitchFamily="50" charset="-127"/>
+                          <a:ea typeface="맑은 고딕" panose="020B0503020000020004" pitchFamily="50" charset="-127"/>
+                        </a:rPr>
+                        <a:t>중분류 기준</a:t>
+                      </a:r>
+                    </a:p>
+                  </a:txBody>
+                  <a:tcPr marL="87851" marR="87851" marT="43925" marB="43925" anchor="ctr">
+                    <a:lnL>
+                      <a:noFill/>
+                    </a:lnL>
+                    <a:lnR w="3175" cap="flat" cmpd="sng" algn="ctr">
+                      <a:solidFill>
+                        <a:srgbClr val="000000"/>
+                      </a:solidFill>
+                      <a:prstDash val="solid"/>
+                      <a:round/>
+                      <a:headEnd type="none" w="med" len="med"/>
+                      <a:tailEnd type="none" w="med" len="med"/>
+                    </a:lnR>
+                    <a:lnT w="3175" cap="flat" cmpd="sng" algn="ctr">
+                      <a:solidFill>
+                        <a:srgbClr val="000000"/>
+                      </a:solidFill>
+                      <a:prstDash val="solid"/>
+                      <a:round/>
+                      <a:headEnd type="none" w="med" len="med"/>
+                      <a:tailEnd type="none" w="med" len="med"/>
+                    </a:lnT>
+                    <a:lnB w="3175" cap="flat" cmpd="sng" algn="ctr">
+                      <a:solidFill>
+                        <a:srgbClr val="000000"/>
+                      </a:solidFill>
+                      <a:prstDash val="solid"/>
+                      <a:round/>
+                      <a:headEnd type="none" w="med" len="med"/>
+                      <a:tailEnd type="none" w="med" len="med"/>
+                    </a:lnB>
+                    <a:solidFill>
+                      <a:schemeClr val="accent3">
+                        <a:lumMod val="40000"/>
+                        <a:lumOff val="60000"/>
+                      </a:schemeClr>
+                    </a:solidFill>
+                  </a:tcPr>
+                </a:tc>
+                <a:tc>
+                  <a:txBody>
+                    <a:bodyPr/>
+                    <a:lstStyle/>
+                    <a:p>
+                      <a:pPr marL="0" marR="0" indent="0" algn="just" fontAlgn="base" latinLnBrk="1">
+                        <a:lnSpc>
+                          <a:spcPct val="160000"/>
+                        </a:lnSpc>
+                        <a:spcBef>
+                          <a:spcPts val="0"/>
+                        </a:spcBef>
+                        <a:spcAft>
+                          <a:spcPts val="0"/>
+                        </a:spcAft>
+                      </a:pPr>
+                      <a:r>
+                        <a:rPr lang="ko-KR" altLang="en-US" sz="1000" b="1" kern="0" spc="0" dirty="0">
+                          <a:solidFill>
+                            <a:schemeClr val="tx1">
+                              <a:lumMod val="65000"/>
+                              <a:lumOff val="35000"/>
+                            </a:schemeClr>
+                          </a:solidFill>
+                          <a:effectLst/>
+                          <a:latin typeface="맑은 고딕" panose="020B0503020000020004" pitchFamily="50" charset="-127"/>
+                          <a:ea typeface="맑은 고딕" panose="020B0503020000020004" pitchFamily="50" charset="-127"/>
+                        </a:rPr>
+                        <a:t>인원</a:t>
+                      </a:r>
+                    </a:p>
+                  </a:txBody>
+                  <a:tcPr marL="87851" marR="87851" marT="43925" marB="43925" anchor="ctr">
+                    <a:lnL w="3175" cap="flat" cmpd="sng" algn="ctr">
+                      <a:solidFill>
+                        <a:srgbClr val="000000"/>
+                      </a:solidFill>
+                      <a:prstDash val="solid"/>
+                      <a:round/>
+                      <a:headEnd type="none" w="med" len="med"/>
+                      <a:tailEnd type="none" w="med" len="med"/>
+                    </a:lnL>
+                    <a:lnR w="3175" cap="flat" cmpd="sng" algn="ctr">
+                      <a:solidFill>
+                        <a:srgbClr val="000000"/>
+                      </a:solidFill>
+                      <a:prstDash val="solid"/>
+                      <a:round/>
+                      <a:headEnd type="none" w="med" len="med"/>
+                      <a:tailEnd type="none" w="med" len="med"/>
+                    </a:lnR>
+                    <a:lnT w="3175" cap="flat" cmpd="sng" algn="ctr">
+                      <a:solidFill>
+                        <a:srgbClr val="000000"/>
+                      </a:solidFill>
+                      <a:prstDash val="solid"/>
+                      <a:round/>
+                      <a:headEnd type="none" w="med" len="med"/>
+                      <a:tailEnd type="none" w="med" len="med"/>
+                    </a:lnT>
+                    <a:lnB w="3175" cap="flat" cmpd="sng" algn="ctr">
+                      <a:solidFill>
+                        <a:srgbClr val="000000"/>
+                      </a:solidFill>
+                      <a:prstDash val="solid"/>
+                      <a:round/>
+                      <a:headEnd type="none" w="med" len="med"/>
+                      <a:tailEnd type="none" w="med" len="med"/>
+                    </a:lnB>
+                    <a:solidFill>
+                      <a:schemeClr val="accent3">
+                        <a:lumMod val="40000"/>
+                        <a:lumOff val="60000"/>
+                      </a:schemeClr>
+                    </a:solidFill>
+                  </a:tcPr>
+                </a:tc>
+                <a:tc rowSpan="11">
+                  <a:txBody>
+                    <a:bodyPr/>
+                    <a:lstStyle/>
+                    <a:p>
+                      <a:pPr marL="0" marR="0" indent="0" algn="just" fontAlgn="base" latinLnBrk="1">
+                        <a:lnSpc>
+                          <a:spcPct val="160000"/>
+                        </a:lnSpc>
+                        <a:spcBef>
+                          <a:spcPts val="0"/>
+                        </a:spcBef>
+                        <a:spcAft>
+                          <a:spcPts val="0"/>
+                        </a:spcAft>
+                      </a:pPr>
+                      <a:endParaRPr lang="ko-KR" altLang="en-US" sz="1000" b="1" kern="0" spc="0" dirty="0">
+                        <a:solidFill>
+                          <a:schemeClr val="tx1">
+                            <a:lumMod val="65000"/>
+                            <a:lumOff val="35000"/>
+                          </a:schemeClr>
+                        </a:solidFill>
+                        <a:effectLst/>
+                        <a:latin typeface="맑은 고딕" panose="020B0503020000020004" pitchFamily="50" charset="-127"/>
+                        <a:ea typeface="맑은 고딕" panose="020B0503020000020004" pitchFamily="50" charset="-127"/>
+                      </a:endParaRPr>
+                    </a:p>
+                  </a:txBody>
+                  <a:tcPr marL="87851" marR="87851" marT="43925" marB="43925" anchor="ctr">
+                    <a:lnL w="3175" cap="flat" cmpd="sng" algn="ctr">
+                      <a:solidFill>
+                        <a:srgbClr val="000000"/>
+                      </a:solidFill>
+                      <a:prstDash val="solid"/>
+                      <a:round/>
+                      <a:headEnd type="none" w="med" len="med"/>
+                      <a:tailEnd type="none" w="med" len="med"/>
+                    </a:lnL>
+                    <a:lnR>
+                      <a:noFill/>
+                    </a:lnR>
+                    <a:lnT w="3175" cap="flat" cmpd="sng" algn="ctr">
+                      <a:solidFill>
+                        <a:srgbClr val="000000"/>
+                      </a:solidFill>
+                      <a:prstDash val="solid"/>
+                      <a:round/>
+                      <a:headEnd type="none" w="med" len="med"/>
+                      <a:tailEnd type="none" w="med" len="med"/>
+                    </a:lnT>
+                    <a:lnB w="3175" cap="flat" cmpd="sng" algn="ctr">
+                      <a:solidFill>
+                        <a:srgbClr val="000000"/>
+                      </a:solidFill>
+                      <a:prstDash val="solid"/>
+                      <a:round/>
+                      <a:headEnd type="none" w="med" len="med"/>
+                      <a:tailEnd type="none" w="med" len="med"/>
+                    </a:lnB>
+                  </a:tcPr>
+                </a:tc>
+                <a:extLst>
+                  <a:ext uri="{0D108BD9-81ED-4DB2-BD59-A6C34878D82A}">
+                    <a16:rowId xmlns:a16="http://schemas.microsoft.com/office/drawing/2014/main" val="3095405925"/>
+                  </a:ext>
+                </a:extLst>
+              </a:tr>
+              <a:tr h="323066">
+                <a:tc>
+                  <a:txBody>
+                    <a:bodyPr/>
+                    <a:lstStyle/>
+                    <a:p>
+                      <a:pPr algn="l" fontAlgn="ctr"/>
+                      <a:r>
+                        <a:rPr lang="ko-KR" altLang="en-US" sz="1300" b="1" i="0" u="none" strike="noStrike" dirty="0">
+                          <a:solidFill>
+                            <a:srgbClr val="000000"/>
+                          </a:solidFill>
+                          <a:effectLst/>
+                          <a:latin typeface="Malgun Gothic" panose="020B0503020000020004" pitchFamily="34" charset="-127"/>
+                          <a:ea typeface="Malgun Gothic" panose="020B0503020000020004" pitchFamily="34" charset="-127"/>
+                        </a:rPr>
+                        <a:t>인플루엔자 및 폐렴</a:t>
+                      </a:r>
+                    </a:p>
+                  </a:txBody>
+                  <a:tcPr marL="9525" marR="9525" marT="9525" marB="0" anchor="ctr">
+                    <a:lnL>
+                      <a:noFill/>
+                    </a:lnL>
+                    <a:lnR w="3175" cap="flat" cmpd="sng" algn="ctr">
+                      <a:solidFill>
+                        <a:srgbClr val="000000"/>
+                      </a:solidFill>
+                      <a:prstDash val="solid"/>
+                      <a:round/>
+                      <a:headEnd type="none" w="med" len="med"/>
+                      <a:tailEnd type="none" w="med" len="med"/>
+                    </a:lnR>
+                    <a:lnT w="3175" cap="flat" cmpd="sng" algn="ctr">
+                      <a:solidFill>
+                        <a:srgbClr val="000000"/>
+                      </a:solidFill>
+                      <a:prstDash val="solid"/>
+                      <a:round/>
+                      <a:headEnd type="none" w="med" len="med"/>
+                      <a:tailEnd type="none" w="med" len="med"/>
+                    </a:lnT>
+                    <a:lnB w="3175" cap="flat" cmpd="sng" algn="ctr">
+                      <a:solidFill>
+                        <a:srgbClr val="000000"/>
+                      </a:solidFill>
+                      <a:prstDash val="solid"/>
+                      <a:round/>
+                      <a:headEnd type="none" w="med" len="med"/>
+                      <a:tailEnd type="none" w="med" len="med"/>
+                    </a:lnB>
+                  </a:tcPr>
+                </a:tc>
+                <a:tc>
+                  <a:txBody>
+                    <a:bodyPr/>
+                    <a:lstStyle/>
+                    <a:p>
+                      <a:pPr algn="r" fontAlgn="ctr"/>
+                      <a:r>
+                        <a:rPr lang="en-US" altLang="ko-KR" sz="1300" b="1" i="0" u="none" strike="noStrike">
+                          <a:solidFill>
+                            <a:srgbClr val="000000"/>
+                          </a:solidFill>
+                          <a:effectLst/>
+                          <a:latin typeface="Malgun Gothic" panose="020B0503020000020004" pitchFamily="34" charset="-127"/>
+                          <a:ea typeface="Malgun Gothic" panose="020B0503020000020004" pitchFamily="34" charset="-127"/>
+                        </a:rPr>
+                        <a:t>1742</a:t>
+                      </a:r>
+                    </a:p>
+                  </a:txBody>
+                  <a:tcPr marL="9525" marR="9525" marT="9525" marB="0" anchor="ctr">
+                    <a:lnL w="3175" cap="flat" cmpd="sng" algn="ctr">
+                      <a:solidFill>
+                        <a:srgbClr val="000000"/>
+                      </a:solidFill>
+                      <a:prstDash val="solid"/>
+                      <a:round/>
+                      <a:headEnd type="none" w="med" len="med"/>
+                      <a:tailEnd type="none" w="med" len="med"/>
+                    </a:lnL>
+                    <a:lnR w="3175" cap="flat" cmpd="sng" algn="ctr">
+                      <a:solidFill>
+                        <a:srgbClr val="000000"/>
+                      </a:solidFill>
+                      <a:prstDash val="solid"/>
+                      <a:round/>
+                      <a:headEnd type="none" w="med" len="med"/>
+                      <a:tailEnd type="none" w="med" len="med"/>
+                    </a:lnR>
+                    <a:lnT w="3175" cap="flat" cmpd="sng" algn="ctr">
+                      <a:solidFill>
+                        <a:srgbClr val="000000"/>
+                      </a:solidFill>
+                      <a:prstDash val="solid"/>
+                      <a:round/>
+                      <a:headEnd type="none" w="med" len="med"/>
+                      <a:tailEnd type="none" w="med" len="med"/>
+                    </a:lnT>
+                    <a:lnB w="3175" cap="flat" cmpd="sng" algn="ctr">
+                      <a:solidFill>
+                        <a:srgbClr val="000000"/>
+                      </a:solidFill>
+                      <a:prstDash val="solid"/>
+                      <a:round/>
+                      <a:headEnd type="none" w="med" len="med"/>
+                      <a:tailEnd type="none" w="med" len="med"/>
+                    </a:lnB>
+                  </a:tcPr>
+                </a:tc>
+                <a:tc vMerge="1">
+                  <a:txBody>
+                    <a:bodyPr/>
+                    <a:lstStyle/>
+                    <a:p>
+                      <a:pPr marL="0" marR="0" indent="0" algn="just" fontAlgn="base" latinLnBrk="1">
+                        <a:lnSpc>
+                          <a:spcPct val="160000"/>
+                        </a:lnSpc>
+                        <a:spcBef>
+                          <a:spcPts val="0"/>
+                        </a:spcBef>
+                        <a:spcAft>
+                          <a:spcPts val="0"/>
+                        </a:spcAft>
+                      </a:pPr>
+                      <a:endParaRPr lang="ko-KR" altLang="en-US" sz="1000" kern="0" spc="0" dirty="0">
+                        <a:solidFill>
+                          <a:srgbClr val="000000"/>
+                        </a:solidFill>
+                        <a:effectLst/>
+                        <a:latin typeface="함초롬바탕" panose="02030604000101010101" pitchFamily="18" charset="-127"/>
+                      </a:endParaRPr>
+                    </a:p>
+                  </a:txBody>
+                  <a:tcPr marL="87851" marR="87851" marT="43925" marB="43925" anchor="ctr">
+                    <a:lnL w="3175" cap="flat" cmpd="sng" algn="ctr">
+                      <a:solidFill>
+                        <a:srgbClr val="000000"/>
+                      </a:solidFill>
+                      <a:prstDash val="solid"/>
+                      <a:round/>
+                      <a:headEnd type="none" w="med" len="med"/>
+                      <a:tailEnd type="none" w="med" len="med"/>
+                    </a:lnL>
+                    <a:lnR>
+                      <a:noFill/>
+                    </a:lnR>
+                    <a:lnT w="3175" cap="flat" cmpd="sng" algn="ctr">
+                      <a:solidFill>
+                        <a:srgbClr val="000000"/>
+                      </a:solidFill>
+                      <a:prstDash val="solid"/>
+                      <a:round/>
+                      <a:headEnd type="none" w="med" len="med"/>
+                      <a:tailEnd type="none" w="med" len="med"/>
+                    </a:lnT>
+                    <a:lnB w="3175" cap="flat" cmpd="sng" algn="ctr">
+                      <a:solidFill>
+                        <a:srgbClr val="000000"/>
+                      </a:solidFill>
+                      <a:prstDash val="solid"/>
+                      <a:round/>
+                      <a:headEnd type="none" w="med" len="med"/>
+                      <a:tailEnd type="none" w="med" len="med"/>
+                    </a:lnB>
+                  </a:tcPr>
+                </a:tc>
+                <a:extLst>
+                  <a:ext uri="{0D108BD9-81ED-4DB2-BD59-A6C34878D82A}">
+                    <a16:rowId xmlns:a16="http://schemas.microsoft.com/office/drawing/2014/main" val="4185777644"/>
+                  </a:ext>
+                </a:extLst>
+              </a:tr>
+              <a:tr h="441159">
+                <a:tc>
+                  <a:txBody>
+                    <a:bodyPr/>
+                    <a:lstStyle/>
+                    <a:p>
+                      <a:pPr algn="l" fontAlgn="ctr"/>
+                      <a:r>
+                        <a:rPr lang="ko-KR" altLang="en-US" sz="1300" b="1" i="0" u="none" strike="noStrike">
+                          <a:solidFill>
+                            <a:srgbClr val="000000"/>
+                          </a:solidFill>
+                          <a:effectLst/>
+                          <a:latin typeface="Malgun Gothic" panose="020B0503020000020004" pitchFamily="34" charset="-127"/>
+                          <a:ea typeface="Malgun Gothic" panose="020B0503020000020004" pitchFamily="34" charset="-127"/>
+                        </a:rPr>
+                        <a:t>전염성 질환과 관련되어 잠재적인 건강위험이 있는 사람</a:t>
+                      </a:r>
+                    </a:p>
+                  </a:txBody>
+                  <a:tcPr marL="9525" marR="9525" marT="9525" marB="0" anchor="ctr">
+                    <a:lnL>
+                      <a:noFill/>
+                    </a:lnL>
+                    <a:lnR w="3175" cap="flat" cmpd="sng" algn="ctr">
+                      <a:solidFill>
+                        <a:srgbClr val="000000"/>
+                      </a:solidFill>
+                      <a:prstDash val="solid"/>
+                      <a:round/>
+                      <a:headEnd type="none" w="med" len="med"/>
+                      <a:tailEnd type="none" w="med" len="med"/>
+                    </a:lnR>
+                    <a:lnT w="3175" cap="flat" cmpd="sng" algn="ctr">
+                      <a:solidFill>
+                        <a:srgbClr val="000000"/>
+                      </a:solidFill>
+                      <a:prstDash val="solid"/>
+                      <a:round/>
+                      <a:headEnd type="none" w="med" len="med"/>
+                      <a:tailEnd type="none" w="med" len="med"/>
+                    </a:lnT>
+                    <a:lnB w="3175" cap="flat" cmpd="sng" algn="ctr">
+                      <a:solidFill>
+                        <a:srgbClr val="000000"/>
+                      </a:solidFill>
+                      <a:prstDash val="solid"/>
+                      <a:round/>
+                      <a:headEnd type="none" w="med" len="med"/>
+                      <a:tailEnd type="none" w="med" len="med"/>
+                    </a:lnB>
+                  </a:tcPr>
+                </a:tc>
+                <a:tc>
+                  <a:txBody>
+                    <a:bodyPr/>
+                    <a:lstStyle/>
+                    <a:p>
+                      <a:pPr algn="r" fontAlgn="ctr"/>
+                      <a:r>
+                        <a:rPr lang="en-US" altLang="ko-KR" sz="1300" b="1" i="0" u="none" strike="noStrike">
+                          <a:solidFill>
+                            <a:srgbClr val="000000"/>
+                          </a:solidFill>
+                          <a:effectLst/>
+                          <a:latin typeface="Malgun Gothic" panose="020B0503020000020004" pitchFamily="34" charset="-127"/>
+                          <a:ea typeface="Malgun Gothic" panose="020B0503020000020004" pitchFamily="34" charset="-127"/>
+                        </a:rPr>
+                        <a:t>1282</a:t>
+                      </a:r>
+                    </a:p>
+                  </a:txBody>
+                  <a:tcPr marL="9525" marR="9525" marT="9525" marB="0" anchor="ctr">
+                    <a:lnL w="3175" cap="flat" cmpd="sng" algn="ctr">
+                      <a:solidFill>
+                        <a:srgbClr val="000000"/>
+                      </a:solidFill>
+                      <a:prstDash val="solid"/>
+                      <a:round/>
+                      <a:headEnd type="none" w="med" len="med"/>
+                      <a:tailEnd type="none" w="med" len="med"/>
+                    </a:lnL>
+                    <a:lnR w="3175" cap="flat" cmpd="sng" algn="ctr">
+                      <a:solidFill>
+                        <a:srgbClr val="000000"/>
+                      </a:solidFill>
+                      <a:prstDash val="solid"/>
+                      <a:round/>
+                      <a:headEnd type="none" w="med" len="med"/>
+                      <a:tailEnd type="none" w="med" len="med"/>
+                    </a:lnR>
+                    <a:lnT w="3175" cap="flat" cmpd="sng" algn="ctr">
+                      <a:solidFill>
+                        <a:srgbClr val="000000"/>
+                      </a:solidFill>
+                      <a:prstDash val="solid"/>
+                      <a:round/>
+                      <a:headEnd type="none" w="med" len="med"/>
+                      <a:tailEnd type="none" w="med" len="med"/>
+                    </a:lnT>
+                    <a:lnB w="3175" cap="flat" cmpd="sng" algn="ctr">
+                      <a:solidFill>
+                        <a:srgbClr val="000000"/>
+                      </a:solidFill>
+                      <a:prstDash val="solid"/>
+                      <a:round/>
+                      <a:headEnd type="none" w="med" len="med"/>
+                      <a:tailEnd type="none" w="med" len="med"/>
+                    </a:lnB>
+                  </a:tcPr>
+                </a:tc>
+                <a:tc vMerge="1">
+                  <a:txBody>
+                    <a:bodyPr/>
+                    <a:lstStyle/>
+                    <a:p>
+                      <a:pPr latinLnBrk="1"/>
+                      <a:endParaRPr lang="ko-KR" altLang="en-US"/>
+                    </a:p>
+                  </a:txBody>
+                  <a:tcPr/>
+                </a:tc>
+                <a:extLst>
+                  <a:ext uri="{0D108BD9-81ED-4DB2-BD59-A6C34878D82A}">
+                    <a16:rowId xmlns:a16="http://schemas.microsoft.com/office/drawing/2014/main" val="1415243030"/>
+                  </a:ext>
+                </a:extLst>
+              </a:tr>
+              <a:tr h="323066">
+                <a:tc>
+                  <a:txBody>
+                    <a:bodyPr/>
+                    <a:lstStyle/>
+                    <a:p>
+                      <a:pPr algn="l" fontAlgn="ctr"/>
+                      <a:r>
+                        <a:rPr lang="ko-KR" altLang="en-US" sz="1300" b="1" i="0" u="none" strike="noStrike">
+                          <a:solidFill>
+                            <a:srgbClr val="000000"/>
+                          </a:solidFill>
+                          <a:effectLst/>
+                          <a:latin typeface="Malgun Gothic" panose="020B0503020000020004" pitchFamily="34" charset="-127"/>
+                          <a:ea typeface="Malgun Gothic" panose="020B0503020000020004" pitchFamily="34" charset="-127"/>
+                        </a:rPr>
+                        <a:t>전신증상 및 징후</a:t>
+                      </a:r>
+                    </a:p>
+                  </a:txBody>
+                  <a:tcPr marL="9525" marR="9525" marT="9525" marB="0" anchor="ctr">
+                    <a:lnL>
+                      <a:noFill/>
+                    </a:lnL>
+                    <a:lnR w="3175" cap="flat" cmpd="sng" algn="ctr">
+                      <a:solidFill>
+                        <a:srgbClr val="000000"/>
+                      </a:solidFill>
+                      <a:prstDash val="solid"/>
+                      <a:round/>
+                      <a:headEnd type="none" w="med" len="med"/>
+                      <a:tailEnd type="none" w="med" len="med"/>
+                    </a:lnR>
+                    <a:lnT w="3175" cap="flat" cmpd="sng" algn="ctr">
+                      <a:solidFill>
+                        <a:srgbClr val="000000"/>
+                      </a:solidFill>
+                      <a:prstDash val="solid"/>
+                      <a:round/>
+                      <a:headEnd type="none" w="med" len="med"/>
+                      <a:tailEnd type="none" w="med" len="med"/>
+                    </a:lnT>
+                    <a:lnB w="3175" cap="flat" cmpd="sng" algn="ctr">
+                      <a:solidFill>
+                        <a:srgbClr val="000000"/>
+                      </a:solidFill>
+                      <a:prstDash val="solid"/>
+                      <a:round/>
+                      <a:headEnd type="none" w="med" len="med"/>
+                      <a:tailEnd type="none" w="med" len="med"/>
+                    </a:lnB>
+                  </a:tcPr>
+                </a:tc>
+                <a:tc>
+                  <a:txBody>
+                    <a:bodyPr/>
+                    <a:lstStyle/>
+                    <a:p>
+                      <a:pPr algn="r" fontAlgn="ctr"/>
+                      <a:r>
+                        <a:rPr lang="en-US" altLang="ko-KR" sz="1300" b="1" i="0" u="none" strike="noStrike">
+                          <a:solidFill>
+                            <a:srgbClr val="000000"/>
+                          </a:solidFill>
+                          <a:effectLst/>
+                          <a:latin typeface="Malgun Gothic" panose="020B0503020000020004" pitchFamily="34" charset="-127"/>
+                          <a:ea typeface="Malgun Gothic" panose="020B0503020000020004" pitchFamily="34" charset="-127"/>
+                        </a:rPr>
+                        <a:t>1116</a:t>
+                      </a:r>
+                    </a:p>
+                  </a:txBody>
+                  <a:tcPr marL="9525" marR="9525" marT="9525" marB="0" anchor="ctr">
+                    <a:lnL w="3175" cap="flat" cmpd="sng" algn="ctr">
+                      <a:solidFill>
+                        <a:srgbClr val="000000"/>
+                      </a:solidFill>
+                      <a:prstDash val="solid"/>
+                      <a:round/>
+                      <a:headEnd type="none" w="med" len="med"/>
+                      <a:tailEnd type="none" w="med" len="med"/>
+                    </a:lnL>
+                    <a:lnR w="3175" cap="flat" cmpd="sng" algn="ctr">
+                      <a:solidFill>
+                        <a:srgbClr val="000000"/>
+                      </a:solidFill>
+                      <a:prstDash val="solid"/>
+                      <a:round/>
+                      <a:headEnd type="none" w="med" len="med"/>
+                      <a:tailEnd type="none" w="med" len="med"/>
+                    </a:lnR>
+                    <a:lnT w="3175" cap="flat" cmpd="sng" algn="ctr">
+                      <a:solidFill>
+                        <a:srgbClr val="000000"/>
+                      </a:solidFill>
+                      <a:prstDash val="solid"/>
+                      <a:round/>
+                      <a:headEnd type="none" w="med" len="med"/>
+                      <a:tailEnd type="none" w="med" len="med"/>
+                    </a:lnT>
+                    <a:lnB w="3175" cap="flat" cmpd="sng" algn="ctr">
+                      <a:solidFill>
+                        <a:srgbClr val="000000"/>
+                      </a:solidFill>
+                      <a:prstDash val="solid"/>
+                      <a:round/>
+                      <a:headEnd type="none" w="med" len="med"/>
+                      <a:tailEnd type="none" w="med" len="med"/>
+                    </a:lnB>
+                  </a:tcPr>
+                </a:tc>
+                <a:tc vMerge="1">
+                  <a:txBody>
+                    <a:bodyPr/>
+                    <a:lstStyle/>
+                    <a:p>
+                      <a:pPr latinLnBrk="1"/>
+                      <a:endParaRPr lang="ko-KR" altLang="en-US"/>
+                    </a:p>
+                  </a:txBody>
+                  <a:tcPr/>
+                </a:tc>
+                <a:extLst>
+                  <a:ext uri="{0D108BD9-81ED-4DB2-BD59-A6C34878D82A}">
+                    <a16:rowId xmlns:a16="http://schemas.microsoft.com/office/drawing/2014/main" val="1557844078"/>
+                  </a:ext>
+                </a:extLst>
+              </a:tr>
+              <a:tr h="323066">
+                <a:tc>
+                  <a:txBody>
+                    <a:bodyPr/>
+                    <a:lstStyle/>
+                    <a:p>
+                      <a:pPr algn="l" fontAlgn="ctr"/>
+                      <a:r>
+                        <a:rPr lang="ko-KR" altLang="en-US" sz="1300" b="1" i="0" u="none" strike="noStrike">
+                          <a:solidFill>
+                            <a:srgbClr val="000000"/>
+                          </a:solidFill>
+                          <a:effectLst/>
+                          <a:latin typeface="Malgun Gothic" panose="020B0503020000020004" pitchFamily="34" charset="-127"/>
+                          <a:ea typeface="Malgun Gothic" panose="020B0503020000020004" pitchFamily="34" charset="-127"/>
+                        </a:rPr>
+                        <a:t>순환계통 및 호흡계통의 증상 및 징후</a:t>
+                      </a:r>
+                    </a:p>
+                  </a:txBody>
+                  <a:tcPr marL="9525" marR="9525" marT="9525" marB="0" anchor="ctr">
+                    <a:lnL>
+                      <a:noFill/>
+                    </a:lnL>
+                    <a:lnR w="3175" cap="flat" cmpd="sng" algn="ctr">
+                      <a:solidFill>
+                        <a:srgbClr val="000000"/>
+                      </a:solidFill>
+                      <a:prstDash val="solid"/>
+                      <a:round/>
+                      <a:headEnd type="none" w="med" len="med"/>
+                      <a:tailEnd type="none" w="med" len="med"/>
+                    </a:lnR>
+                    <a:lnT w="3175" cap="flat" cmpd="sng" algn="ctr">
+                      <a:solidFill>
+                        <a:srgbClr val="000000"/>
+                      </a:solidFill>
+                      <a:prstDash val="solid"/>
+                      <a:round/>
+                      <a:headEnd type="none" w="med" len="med"/>
+                      <a:tailEnd type="none" w="med" len="med"/>
+                    </a:lnT>
+                    <a:lnB w="3175" cap="flat" cmpd="sng" algn="ctr">
+                      <a:solidFill>
+                        <a:srgbClr val="000000"/>
+                      </a:solidFill>
+                      <a:prstDash val="solid"/>
+                      <a:round/>
+                      <a:headEnd type="none" w="med" len="med"/>
+                      <a:tailEnd type="none" w="med" len="med"/>
+                    </a:lnB>
+                  </a:tcPr>
+                </a:tc>
+                <a:tc>
+                  <a:txBody>
+                    <a:bodyPr/>
+                    <a:lstStyle/>
+                    <a:p>
+                      <a:pPr algn="r" fontAlgn="ctr"/>
+                      <a:r>
+                        <a:rPr lang="en-US" altLang="ko-KR" sz="1300" b="1" i="0" u="none" strike="noStrike">
+                          <a:solidFill>
+                            <a:srgbClr val="000000"/>
+                          </a:solidFill>
+                          <a:effectLst/>
+                          <a:latin typeface="Malgun Gothic" panose="020B0503020000020004" pitchFamily="34" charset="-127"/>
+                          <a:ea typeface="Malgun Gothic" panose="020B0503020000020004" pitchFamily="34" charset="-127"/>
+                        </a:rPr>
+                        <a:t>648</a:t>
+                      </a:r>
+                    </a:p>
+                  </a:txBody>
+                  <a:tcPr marL="9525" marR="9525" marT="9525" marB="0" anchor="ctr">
+                    <a:lnL w="3175" cap="flat" cmpd="sng" algn="ctr">
+                      <a:solidFill>
+                        <a:srgbClr val="000000"/>
+                      </a:solidFill>
+                      <a:prstDash val="solid"/>
+                      <a:round/>
+                      <a:headEnd type="none" w="med" len="med"/>
+                      <a:tailEnd type="none" w="med" len="med"/>
+                    </a:lnL>
+                    <a:lnR w="3175" cap="flat" cmpd="sng" algn="ctr">
+                      <a:solidFill>
+                        <a:srgbClr val="000000"/>
+                      </a:solidFill>
+                      <a:prstDash val="solid"/>
+                      <a:round/>
+                      <a:headEnd type="none" w="med" len="med"/>
+                      <a:tailEnd type="none" w="med" len="med"/>
+                    </a:lnR>
+                    <a:lnT w="3175" cap="flat" cmpd="sng" algn="ctr">
+                      <a:solidFill>
+                        <a:srgbClr val="000000"/>
+                      </a:solidFill>
+                      <a:prstDash val="solid"/>
+                      <a:round/>
+                      <a:headEnd type="none" w="med" len="med"/>
+                      <a:tailEnd type="none" w="med" len="med"/>
+                    </a:lnT>
+                    <a:lnB w="3175" cap="flat" cmpd="sng" algn="ctr">
+                      <a:solidFill>
+                        <a:srgbClr val="000000"/>
+                      </a:solidFill>
+                      <a:prstDash val="solid"/>
+                      <a:round/>
+                      <a:headEnd type="none" w="med" len="med"/>
+                      <a:tailEnd type="none" w="med" len="med"/>
+                    </a:lnB>
+                  </a:tcPr>
+                </a:tc>
+                <a:tc vMerge="1">
+                  <a:txBody>
+                    <a:bodyPr/>
+                    <a:lstStyle/>
+                    <a:p>
+                      <a:pPr latinLnBrk="1"/>
+                      <a:endParaRPr lang="ko-KR" altLang="en-US"/>
+                    </a:p>
+                  </a:txBody>
+                  <a:tcPr/>
+                </a:tc>
+                <a:extLst>
+                  <a:ext uri="{0D108BD9-81ED-4DB2-BD59-A6C34878D82A}">
+                    <a16:rowId xmlns:a16="http://schemas.microsoft.com/office/drawing/2014/main" val="2351746596"/>
+                  </a:ext>
+                </a:extLst>
+              </a:tr>
+              <a:tr h="587669">
+                <a:tc>
+                  <a:txBody>
+                    <a:bodyPr/>
+                    <a:lstStyle/>
+                    <a:p>
+                      <a:pPr algn="l" fontAlgn="ctr"/>
+                      <a:r>
+                        <a:rPr lang="ko-KR" altLang="en-US" sz="1300" b="1" i="0" u="none" strike="noStrike">
+                          <a:solidFill>
+                            <a:srgbClr val="000000"/>
+                          </a:solidFill>
+                          <a:effectLst/>
+                          <a:latin typeface="Malgun Gothic" panose="020B0503020000020004" pitchFamily="34" charset="-127"/>
+                          <a:ea typeface="Malgun Gothic" panose="020B0503020000020004" pitchFamily="34" charset="-127"/>
+                        </a:rPr>
+                        <a:t>호흡계통의 기타 질환</a:t>
+                      </a:r>
+                    </a:p>
+                  </a:txBody>
+                  <a:tcPr marL="9525" marR="9525" marT="9525" marB="0" anchor="ctr">
+                    <a:lnL>
+                      <a:noFill/>
+                    </a:lnL>
+                    <a:lnR w="3175" cap="flat" cmpd="sng" algn="ctr">
+                      <a:solidFill>
+                        <a:srgbClr val="000000"/>
+                      </a:solidFill>
+                      <a:prstDash val="solid"/>
+                      <a:round/>
+                      <a:headEnd type="none" w="med" len="med"/>
+                      <a:tailEnd type="none" w="med" len="med"/>
+                    </a:lnR>
+                    <a:lnT w="3175" cap="flat" cmpd="sng" algn="ctr">
+                      <a:solidFill>
+                        <a:srgbClr val="000000"/>
+                      </a:solidFill>
+                      <a:prstDash val="solid"/>
+                      <a:round/>
+                      <a:headEnd type="none" w="med" len="med"/>
+                      <a:tailEnd type="none" w="med" len="med"/>
+                    </a:lnT>
+                    <a:lnB w="3175" cap="flat" cmpd="sng" algn="ctr">
+                      <a:solidFill>
+                        <a:srgbClr val="000000"/>
+                      </a:solidFill>
+                      <a:prstDash val="solid"/>
+                      <a:round/>
+                      <a:headEnd type="none" w="med" len="med"/>
+                      <a:tailEnd type="none" w="med" len="med"/>
+                    </a:lnB>
+                  </a:tcPr>
+                </a:tc>
+                <a:tc>
+                  <a:txBody>
+                    <a:bodyPr/>
+                    <a:lstStyle/>
+                    <a:p>
+                      <a:pPr algn="r" fontAlgn="ctr"/>
+                      <a:r>
+                        <a:rPr lang="en-US" altLang="ko-KR" sz="1300" b="1" i="0" u="none" strike="noStrike">
+                          <a:solidFill>
+                            <a:srgbClr val="000000"/>
+                          </a:solidFill>
+                          <a:effectLst/>
+                          <a:latin typeface="Malgun Gothic" panose="020B0503020000020004" pitchFamily="34" charset="-127"/>
+                          <a:ea typeface="Malgun Gothic" panose="020B0503020000020004" pitchFamily="34" charset="-127"/>
+                        </a:rPr>
+                        <a:t>645</a:t>
+                      </a:r>
+                    </a:p>
+                  </a:txBody>
+                  <a:tcPr marL="9525" marR="9525" marT="9525" marB="0" anchor="ctr">
+                    <a:lnL w="3175" cap="flat" cmpd="sng" algn="ctr">
+                      <a:solidFill>
+                        <a:srgbClr val="000000"/>
+                      </a:solidFill>
+                      <a:prstDash val="solid"/>
+                      <a:round/>
+                      <a:headEnd type="none" w="med" len="med"/>
+                      <a:tailEnd type="none" w="med" len="med"/>
+                    </a:lnL>
+                    <a:lnR w="3175" cap="flat" cmpd="sng" algn="ctr">
+                      <a:solidFill>
+                        <a:srgbClr val="000000"/>
+                      </a:solidFill>
+                      <a:prstDash val="solid"/>
+                      <a:round/>
+                      <a:headEnd type="none" w="med" len="med"/>
+                      <a:tailEnd type="none" w="med" len="med"/>
+                    </a:lnR>
+                    <a:lnT w="3175" cap="flat" cmpd="sng" algn="ctr">
+                      <a:solidFill>
+                        <a:srgbClr val="000000"/>
+                      </a:solidFill>
+                      <a:prstDash val="solid"/>
+                      <a:round/>
+                      <a:headEnd type="none" w="med" len="med"/>
+                      <a:tailEnd type="none" w="med" len="med"/>
+                    </a:lnT>
+                    <a:lnB w="3175" cap="flat" cmpd="sng" algn="ctr">
+                      <a:solidFill>
+                        <a:srgbClr val="000000"/>
+                      </a:solidFill>
+                      <a:prstDash val="solid"/>
+                      <a:round/>
+                      <a:headEnd type="none" w="med" len="med"/>
+                      <a:tailEnd type="none" w="med" len="med"/>
+                    </a:lnB>
+                  </a:tcPr>
+                </a:tc>
+                <a:tc vMerge="1">
+                  <a:txBody>
+                    <a:bodyPr/>
+                    <a:lstStyle/>
+                    <a:p>
+                      <a:pPr latinLnBrk="1"/>
+                      <a:endParaRPr lang="ko-KR" altLang="en-US"/>
+                    </a:p>
+                  </a:txBody>
+                  <a:tcPr/>
+                </a:tc>
+                <a:extLst>
+                  <a:ext uri="{0D108BD9-81ED-4DB2-BD59-A6C34878D82A}">
+                    <a16:rowId xmlns:a16="http://schemas.microsoft.com/office/drawing/2014/main" val="1554460467"/>
+                  </a:ext>
+                </a:extLst>
+              </a:tr>
+              <a:tr h="587669">
+                <a:tc>
+                  <a:txBody>
+                    <a:bodyPr/>
+                    <a:lstStyle/>
+                    <a:p>
+                      <a:pPr algn="l" fontAlgn="ctr"/>
+                      <a:r>
+                        <a:rPr lang="ko-KR" altLang="en-US" sz="1300" b="1" i="0" u="none" strike="noStrike">
+                          <a:solidFill>
+                            <a:srgbClr val="000000"/>
+                          </a:solidFill>
+                          <a:effectLst/>
+                          <a:latin typeface="Malgun Gothic" panose="020B0503020000020004" pitchFamily="34" charset="-127"/>
+                          <a:ea typeface="Malgun Gothic" panose="020B0503020000020004" pitchFamily="34" charset="-127"/>
+                        </a:rPr>
+                        <a:t>고혈압성 질환</a:t>
+                      </a:r>
+                    </a:p>
+                  </a:txBody>
+                  <a:tcPr marL="9525" marR="9525" marT="9525" marB="0" anchor="ctr">
+                    <a:lnL>
+                      <a:noFill/>
+                    </a:lnL>
+                    <a:lnR w="3175" cap="flat" cmpd="sng" algn="ctr">
+                      <a:solidFill>
+                        <a:srgbClr val="000000"/>
+                      </a:solidFill>
+                      <a:prstDash val="solid"/>
+                      <a:round/>
+                      <a:headEnd type="none" w="med" len="med"/>
+                      <a:tailEnd type="none" w="med" len="med"/>
+                    </a:lnR>
+                    <a:lnT w="3175" cap="flat" cmpd="sng" algn="ctr">
+                      <a:solidFill>
+                        <a:srgbClr val="000000"/>
+                      </a:solidFill>
+                      <a:prstDash val="solid"/>
+                      <a:round/>
+                      <a:headEnd type="none" w="med" len="med"/>
+                      <a:tailEnd type="none" w="med" len="med"/>
+                    </a:lnT>
+                    <a:lnB w="3175" cap="flat" cmpd="sng" algn="ctr">
+                      <a:solidFill>
+                        <a:srgbClr val="000000"/>
+                      </a:solidFill>
+                      <a:prstDash val="solid"/>
+                      <a:round/>
+                      <a:headEnd type="none" w="med" len="med"/>
+                      <a:tailEnd type="none" w="med" len="med"/>
+                    </a:lnB>
+                  </a:tcPr>
+                </a:tc>
+                <a:tc>
+                  <a:txBody>
+                    <a:bodyPr/>
+                    <a:lstStyle/>
+                    <a:p>
+                      <a:pPr algn="r" fontAlgn="ctr"/>
+                      <a:r>
+                        <a:rPr lang="en-US" altLang="ko-KR" sz="1300" b="1" i="0" u="none" strike="noStrike">
+                          <a:solidFill>
+                            <a:srgbClr val="000000"/>
+                          </a:solidFill>
+                          <a:effectLst/>
+                          <a:latin typeface="Malgun Gothic" panose="020B0503020000020004" pitchFamily="34" charset="-127"/>
+                          <a:ea typeface="Malgun Gothic" panose="020B0503020000020004" pitchFamily="34" charset="-127"/>
+                        </a:rPr>
+                        <a:t>607</a:t>
+                      </a:r>
+                    </a:p>
+                  </a:txBody>
+                  <a:tcPr marL="9525" marR="9525" marT="9525" marB="0" anchor="ctr">
+                    <a:lnL w="3175" cap="flat" cmpd="sng" algn="ctr">
+                      <a:solidFill>
+                        <a:srgbClr val="000000"/>
+                      </a:solidFill>
+                      <a:prstDash val="solid"/>
+                      <a:round/>
+                      <a:headEnd type="none" w="med" len="med"/>
+                      <a:tailEnd type="none" w="med" len="med"/>
+                    </a:lnL>
+                    <a:lnR w="3175" cap="flat" cmpd="sng" algn="ctr">
+                      <a:solidFill>
+                        <a:srgbClr val="000000"/>
+                      </a:solidFill>
+                      <a:prstDash val="solid"/>
+                      <a:round/>
+                      <a:headEnd type="none" w="med" len="med"/>
+                      <a:tailEnd type="none" w="med" len="med"/>
+                    </a:lnR>
+                    <a:lnT w="3175" cap="flat" cmpd="sng" algn="ctr">
+                      <a:solidFill>
+                        <a:srgbClr val="000000"/>
+                      </a:solidFill>
+                      <a:prstDash val="solid"/>
+                      <a:round/>
+                      <a:headEnd type="none" w="med" len="med"/>
+                      <a:tailEnd type="none" w="med" len="med"/>
+                    </a:lnT>
+                    <a:lnB w="3175" cap="flat" cmpd="sng" algn="ctr">
+                      <a:solidFill>
+                        <a:srgbClr val="000000"/>
+                      </a:solidFill>
+                      <a:prstDash val="solid"/>
+                      <a:round/>
+                      <a:headEnd type="none" w="med" len="med"/>
+                      <a:tailEnd type="none" w="med" len="med"/>
+                    </a:lnB>
+                  </a:tcPr>
+                </a:tc>
+                <a:tc vMerge="1">
+                  <a:txBody>
+                    <a:bodyPr/>
+                    <a:lstStyle/>
+                    <a:p>
+                      <a:pPr latinLnBrk="1"/>
+                      <a:endParaRPr lang="ko-KR" altLang="en-US"/>
+                    </a:p>
+                  </a:txBody>
+                  <a:tcPr/>
+                </a:tc>
+                <a:extLst>
+                  <a:ext uri="{0D108BD9-81ED-4DB2-BD59-A6C34878D82A}">
+                    <a16:rowId xmlns:a16="http://schemas.microsoft.com/office/drawing/2014/main" val="288738142"/>
+                  </a:ext>
+                </a:extLst>
+              </a:tr>
+              <a:tr h="323066">
+                <a:tc>
+                  <a:txBody>
+                    <a:bodyPr/>
+                    <a:lstStyle/>
+                    <a:p>
+                      <a:pPr algn="l" fontAlgn="ctr"/>
+                      <a:r>
+                        <a:rPr lang="ko-KR" altLang="en-US" sz="1300" b="1" i="0" u="none" strike="noStrike">
+                          <a:solidFill>
+                            <a:srgbClr val="000000"/>
+                          </a:solidFill>
+                          <a:effectLst/>
+                          <a:latin typeface="Malgun Gothic" panose="020B0503020000020004" pitchFamily="34" charset="-127"/>
+                          <a:ea typeface="Malgun Gothic" panose="020B0503020000020004" pitchFamily="34" charset="-127"/>
+                        </a:rPr>
+                        <a:t>기타 상황에서 보건서비스와 접하고 있는 사람</a:t>
+                      </a:r>
+                    </a:p>
+                  </a:txBody>
+                  <a:tcPr marL="9525" marR="9525" marT="9525" marB="0" anchor="ctr">
+                    <a:lnL>
+                      <a:noFill/>
+                    </a:lnL>
+                    <a:lnR w="3175" cap="flat" cmpd="sng" algn="ctr">
+                      <a:solidFill>
+                        <a:srgbClr val="000000"/>
+                      </a:solidFill>
+                      <a:prstDash val="solid"/>
+                      <a:round/>
+                      <a:headEnd type="none" w="med" len="med"/>
+                      <a:tailEnd type="none" w="med" len="med"/>
+                    </a:lnR>
+                    <a:lnT w="3175" cap="flat" cmpd="sng" algn="ctr">
+                      <a:solidFill>
+                        <a:srgbClr val="000000"/>
+                      </a:solidFill>
+                      <a:prstDash val="solid"/>
+                      <a:round/>
+                      <a:headEnd type="none" w="med" len="med"/>
+                      <a:tailEnd type="none" w="med" len="med"/>
+                    </a:lnT>
+                    <a:lnB w="3175" cap="flat" cmpd="sng" algn="ctr">
+                      <a:solidFill>
+                        <a:srgbClr val="000000"/>
+                      </a:solidFill>
+                      <a:prstDash val="solid"/>
+                      <a:round/>
+                      <a:headEnd type="none" w="med" len="med"/>
+                      <a:tailEnd type="none" w="med" len="med"/>
+                    </a:lnB>
+                  </a:tcPr>
+                </a:tc>
+                <a:tc>
+                  <a:txBody>
+                    <a:bodyPr/>
+                    <a:lstStyle/>
+                    <a:p>
+                      <a:pPr algn="r" fontAlgn="ctr"/>
+                      <a:r>
+                        <a:rPr lang="en-US" altLang="ko-KR" sz="1300" b="1" i="0" u="none" strike="noStrike">
+                          <a:solidFill>
+                            <a:srgbClr val="000000"/>
+                          </a:solidFill>
+                          <a:effectLst/>
+                          <a:latin typeface="Malgun Gothic" panose="020B0503020000020004" pitchFamily="34" charset="-127"/>
+                          <a:ea typeface="Malgun Gothic" panose="020B0503020000020004" pitchFamily="34" charset="-127"/>
+                        </a:rPr>
+                        <a:t>481</a:t>
+                      </a:r>
+                    </a:p>
+                  </a:txBody>
+                  <a:tcPr marL="9525" marR="9525" marT="9525" marB="0" anchor="ctr">
+                    <a:lnL w="3175" cap="flat" cmpd="sng" algn="ctr">
+                      <a:solidFill>
+                        <a:srgbClr val="000000"/>
+                      </a:solidFill>
+                      <a:prstDash val="solid"/>
+                      <a:round/>
+                      <a:headEnd type="none" w="med" len="med"/>
+                      <a:tailEnd type="none" w="med" len="med"/>
+                    </a:lnL>
+                    <a:lnR w="3175" cap="flat" cmpd="sng" algn="ctr">
+                      <a:solidFill>
+                        <a:srgbClr val="000000"/>
+                      </a:solidFill>
+                      <a:prstDash val="solid"/>
+                      <a:round/>
+                      <a:headEnd type="none" w="med" len="med"/>
+                      <a:tailEnd type="none" w="med" len="med"/>
+                    </a:lnR>
+                    <a:lnT w="3175" cap="flat" cmpd="sng" algn="ctr">
+                      <a:solidFill>
+                        <a:srgbClr val="000000"/>
+                      </a:solidFill>
+                      <a:prstDash val="solid"/>
+                      <a:round/>
+                      <a:headEnd type="none" w="med" len="med"/>
+                      <a:tailEnd type="none" w="med" len="med"/>
+                    </a:lnT>
+                    <a:lnB w="3175" cap="flat" cmpd="sng" algn="ctr">
+                      <a:solidFill>
+                        <a:srgbClr val="000000"/>
+                      </a:solidFill>
+                      <a:prstDash val="solid"/>
+                      <a:round/>
+                      <a:headEnd type="none" w="med" len="med"/>
+                      <a:tailEnd type="none" w="med" len="med"/>
+                    </a:lnB>
+                  </a:tcPr>
+                </a:tc>
+                <a:tc vMerge="1">
+                  <a:txBody>
+                    <a:bodyPr/>
+                    <a:lstStyle/>
+                    <a:p>
+                      <a:pPr latinLnBrk="1"/>
+                      <a:endParaRPr lang="ko-KR" altLang="en-US"/>
+                    </a:p>
+                  </a:txBody>
+                  <a:tcPr/>
+                </a:tc>
+                <a:extLst>
+                  <a:ext uri="{0D108BD9-81ED-4DB2-BD59-A6C34878D82A}">
+                    <a16:rowId xmlns:a16="http://schemas.microsoft.com/office/drawing/2014/main" val="2782222298"/>
+                  </a:ext>
+                </a:extLst>
+              </a:tr>
+              <a:tr h="323066">
+                <a:tc>
+                  <a:txBody>
+                    <a:bodyPr/>
+                    <a:lstStyle/>
+                    <a:p>
+                      <a:pPr algn="l" fontAlgn="ctr"/>
+                      <a:r>
+                        <a:rPr lang="ko-KR" altLang="en-US" sz="1300" b="1" i="0" u="none" strike="noStrike">
+                          <a:solidFill>
+                            <a:srgbClr val="000000"/>
+                          </a:solidFill>
+                          <a:effectLst/>
+                          <a:latin typeface="Malgun Gothic" panose="020B0503020000020004" pitchFamily="34" charset="-127"/>
+                          <a:ea typeface="Malgun Gothic" panose="020B0503020000020004" pitchFamily="34" charset="-127"/>
+                        </a:rPr>
+                        <a:t>당뇨병</a:t>
+                      </a:r>
+                    </a:p>
+                  </a:txBody>
+                  <a:tcPr marL="9525" marR="9525" marT="9525" marB="0" anchor="ctr">
+                    <a:lnL>
+                      <a:noFill/>
+                    </a:lnL>
+                    <a:lnR w="3175" cap="flat" cmpd="sng" algn="ctr">
+                      <a:solidFill>
+                        <a:srgbClr val="000000"/>
+                      </a:solidFill>
+                      <a:prstDash val="solid"/>
+                      <a:round/>
+                      <a:headEnd type="none" w="med" len="med"/>
+                      <a:tailEnd type="none" w="med" len="med"/>
+                    </a:lnR>
+                    <a:lnT w="3175" cap="flat" cmpd="sng" algn="ctr">
+                      <a:solidFill>
+                        <a:srgbClr val="000000"/>
+                      </a:solidFill>
+                      <a:prstDash val="solid"/>
+                      <a:round/>
+                      <a:headEnd type="none" w="med" len="med"/>
+                      <a:tailEnd type="none" w="med" len="med"/>
+                    </a:lnT>
+                    <a:lnB w="3175" cap="flat" cmpd="sng" algn="ctr">
+                      <a:solidFill>
+                        <a:srgbClr val="000000"/>
+                      </a:solidFill>
+                      <a:prstDash val="solid"/>
+                      <a:round/>
+                      <a:headEnd type="none" w="med" len="med"/>
+                      <a:tailEnd type="none" w="med" len="med"/>
+                    </a:lnB>
+                  </a:tcPr>
+                </a:tc>
+                <a:tc>
+                  <a:txBody>
+                    <a:bodyPr/>
+                    <a:lstStyle/>
+                    <a:p>
+                      <a:pPr algn="r" fontAlgn="ctr"/>
+                      <a:r>
+                        <a:rPr lang="en-US" altLang="ko-KR" sz="1300" b="1" i="0" u="none" strike="noStrike">
+                          <a:solidFill>
+                            <a:srgbClr val="000000"/>
+                          </a:solidFill>
+                          <a:effectLst/>
+                          <a:latin typeface="Malgun Gothic" panose="020B0503020000020004" pitchFamily="34" charset="-127"/>
+                          <a:ea typeface="Malgun Gothic" panose="020B0503020000020004" pitchFamily="34" charset="-127"/>
+                        </a:rPr>
+                        <a:t>472</a:t>
+                      </a:r>
+                    </a:p>
+                  </a:txBody>
+                  <a:tcPr marL="9525" marR="9525" marT="9525" marB="0" anchor="ctr">
+                    <a:lnL w="3175" cap="flat" cmpd="sng" algn="ctr">
+                      <a:solidFill>
+                        <a:srgbClr val="000000"/>
+                      </a:solidFill>
+                      <a:prstDash val="solid"/>
+                      <a:round/>
+                      <a:headEnd type="none" w="med" len="med"/>
+                      <a:tailEnd type="none" w="med" len="med"/>
+                    </a:lnL>
+                    <a:lnR w="3175" cap="flat" cmpd="sng" algn="ctr">
+                      <a:solidFill>
+                        <a:srgbClr val="000000"/>
+                      </a:solidFill>
+                      <a:prstDash val="solid"/>
+                      <a:round/>
+                      <a:headEnd type="none" w="med" len="med"/>
+                      <a:tailEnd type="none" w="med" len="med"/>
+                    </a:lnR>
+                    <a:lnT w="3175" cap="flat" cmpd="sng" algn="ctr">
+                      <a:solidFill>
+                        <a:srgbClr val="000000"/>
+                      </a:solidFill>
+                      <a:prstDash val="solid"/>
+                      <a:round/>
+                      <a:headEnd type="none" w="med" len="med"/>
+                      <a:tailEnd type="none" w="med" len="med"/>
+                    </a:lnT>
+                    <a:lnB w="3175" cap="flat" cmpd="sng" algn="ctr">
+                      <a:solidFill>
+                        <a:srgbClr val="000000"/>
+                      </a:solidFill>
+                      <a:prstDash val="solid"/>
+                      <a:round/>
+                      <a:headEnd type="none" w="med" len="med"/>
+                      <a:tailEnd type="none" w="med" len="med"/>
+                    </a:lnB>
+                  </a:tcPr>
+                </a:tc>
+                <a:tc vMerge="1">
+                  <a:txBody>
+                    <a:bodyPr/>
+                    <a:lstStyle/>
+                    <a:p>
+                      <a:pPr latinLnBrk="1"/>
+                      <a:endParaRPr lang="ko-KR" altLang="en-US"/>
+                    </a:p>
+                  </a:txBody>
+                  <a:tcPr/>
+                </a:tc>
+                <a:extLst>
+                  <a:ext uri="{0D108BD9-81ED-4DB2-BD59-A6C34878D82A}">
+                    <a16:rowId xmlns:a16="http://schemas.microsoft.com/office/drawing/2014/main" val="2742559538"/>
+                  </a:ext>
+                </a:extLst>
+              </a:tr>
+              <a:tr h="441159">
+                <a:tc>
+                  <a:txBody>
+                    <a:bodyPr/>
+                    <a:lstStyle/>
+                    <a:p>
+                      <a:pPr algn="l" fontAlgn="ctr"/>
+                      <a:r>
+                        <a:rPr lang="ko-KR" altLang="en-US" sz="1300" b="1" i="0" u="none" strike="noStrike">
+                          <a:solidFill>
+                            <a:srgbClr val="000000"/>
+                          </a:solidFill>
+                          <a:effectLst/>
+                          <a:latin typeface="Malgun Gothic" panose="020B0503020000020004" pitchFamily="34" charset="-127"/>
+                          <a:ea typeface="Malgun Gothic" panose="020B0503020000020004" pitchFamily="34" charset="-127"/>
+                        </a:rPr>
+                        <a:t>특정 처치 및 건강관리를 위하여 보건서비스와 접하고 있는 사람</a:t>
+                      </a:r>
+                    </a:p>
+                  </a:txBody>
+                  <a:tcPr marL="9525" marR="9525" marT="9525" marB="0" anchor="ctr">
+                    <a:lnL>
+                      <a:noFill/>
+                    </a:lnL>
+                    <a:lnR w="3175" cap="flat" cmpd="sng" algn="ctr">
+                      <a:solidFill>
+                        <a:srgbClr val="000000"/>
+                      </a:solidFill>
+                      <a:prstDash val="solid"/>
+                      <a:round/>
+                      <a:headEnd type="none" w="med" len="med"/>
+                      <a:tailEnd type="none" w="med" len="med"/>
+                    </a:lnR>
+                    <a:lnT w="3175" cap="flat" cmpd="sng" algn="ctr">
+                      <a:solidFill>
+                        <a:srgbClr val="000000"/>
+                      </a:solidFill>
+                      <a:prstDash val="solid"/>
+                      <a:round/>
+                      <a:headEnd type="none" w="med" len="med"/>
+                      <a:tailEnd type="none" w="med" len="med"/>
+                    </a:lnT>
+                    <a:lnB w="3175" cap="flat" cmpd="sng" algn="ctr">
+                      <a:solidFill>
+                        <a:srgbClr val="000000"/>
+                      </a:solidFill>
+                      <a:prstDash val="solid"/>
+                      <a:round/>
+                      <a:headEnd type="none" w="med" len="med"/>
+                      <a:tailEnd type="none" w="med" len="med"/>
+                    </a:lnB>
+                  </a:tcPr>
+                </a:tc>
+                <a:tc>
+                  <a:txBody>
+                    <a:bodyPr/>
+                    <a:lstStyle/>
+                    <a:p>
+                      <a:pPr algn="r" fontAlgn="ctr"/>
+                      <a:r>
+                        <a:rPr lang="en-US" altLang="ko-KR" sz="1300" b="1" i="0" u="none" strike="noStrike">
+                          <a:solidFill>
+                            <a:srgbClr val="000000"/>
+                          </a:solidFill>
+                          <a:effectLst/>
+                          <a:latin typeface="Malgun Gothic" panose="020B0503020000020004" pitchFamily="34" charset="-127"/>
+                          <a:ea typeface="Malgun Gothic" panose="020B0503020000020004" pitchFamily="34" charset="-127"/>
+                        </a:rPr>
+                        <a:t>450</a:t>
+                      </a:r>
+                    </a:p>
+                  </a:txBody>
+                  <a:tcPr marL="9525" marR="9525" marT="9525" marB="0" anchor="ctr">
+                    <a:lnL w="3175" cap="flat" cmpd="sng" algn="ctr">
+                      <a:solidFill>
+                        <a:srgbClr val="000000"/>
+                      </a:solidFill>
+                      <a:prstDash val="solid"/>
+                      <a:round/>
+                      <a:headEnd type="none" w="med" len="med"/>
+                      <a:tailEnd type="none" w="med" len="med"/>
+                    </a:lnL>
+                    <a:lnR w="3175" cap="flat" cmpd="sng" algn="ctr">
+                      <a:solidFill>
+                        <a:srgbClr val="000000"/>
+                      </a:solidFill>
+                      <a:prstDash val="solid"/>
+                      <a:round/>
+                      <a:headEnd type="none" w="med" len="med"/>
+                      <a:tailEnd type="none" w="med" len="med"/>
+                    </a:lnR>
+                    <a:lnT w="3175" cap="flat" cmpd="sng" algn="ctr">
+                      <a:solidFill>
+                        <a:srgbClr val="000000"/>
+                      </a:solidFill>
+                      <a:prstDash val="solid"/>
+                      <a:round/>
+                      <a:headEnd type="none" w="med" len="med"/>
+                      <a:tailEnd type="none" w="med" len="med"/>
+                    </a:lnT>
+                    <a:lnB w="3175" cap="flat" cmpd="sng" algn="ctr">
+                      <a:solidFill>
+                        <a:srgbClr val="000000"/>
+                      </a:solidFill>
+                      <a:prstDash val="solid"/>
+                      <a:round/>
+                      <a:headEnd type="none" w="med" len="med"/>
+                      <a:tailEnd type="none" w="med" len="med"/>
+                    </a:lnB>
+                  </a:tcPr>
+                </a:tc>
+                <a:tc vMerge="1">
+                  <a:txBody>
+                    <a:bodyPr/>
+                    <a:lstStyle/>
+                    <a:p>
+                      <a:pPr latinLnBrk="1"/>
+                      <a:endParaRPr lang="ko-KR" altLang="en-US"/>
+                    </a:p>
+                  </a:txBody>
+                  <a:tcPr/>
+                </a:tc>
+                <a:extLst>
+                  <a:ext uri="{0D108BD9-81ED-4DB2-BD59-A6C34878D82A}">
+                    <a16:rowId xmlns:a16="http://schemas.microsoft.com/office/drawing/2014/main" val="2071500485"/>
+                  </a:ext>
+                </a:extLst>
+              </a:tr>
+              <a:tr h="441159">
+                <a:tc>
+                  <a:txBody>
+                    <a:bodyPr/>
+                    <a:lstStyle/>
+                    <a:p>
+                      <a:pPr algn="l" fontAlgn="ctr"/>
+                      <a:r>
+                        <a:rPr lang="ko-KR" altLang="en-US" sz="1300" b="1" i="0" u="none" strike="noStrike">
+                          <a:solidFill>
+                            <a:srgbClr val="000000"/>
+                          </a:solidFill>
+                          <a:effectLst/>
+                          <a:latin typeface="Malgun Gothic" panose="020B0503020000020004" pitchFamily="34" charset="-127"/>
+                          <a:ea typeface="Malgun Gothic" panose="020B0503020000020004" pitchFamily="34" charset="-127"/>
+                        </a:rPr>
+                        <a:t>가족 및 개인 기왕력과 건강상태에 영향을 주는 특정 병태에 관련된 잠재적 건강위험을 가진 사람</a:t>
+                      </a:r>
+                    </a:p>
+                  </a:txBody>
+                  <a:tcPr marL="9525" marR="9525" marT="9525" marB="0" anchor="ctr">
+                    <a:lnL>
+                      <a:noFill/>
+                    </a:lnL>
+                    <a:lnR w="3175" cap="flat" cmpd="sng" algn="ctr">
+                      <a:solidFill>
+                        <a:srgbClr val="000000"/>
+                      </a:solidFill>
+                      <a:prstDash val="solid"/>
+                      <a:round/>
+                      <a:headEnd type="none" w="med" len="med"/>
+                      <a:tailEnd type="none" w="med" len="med"/>
+                    </a:lnR>
+                    <a:lnT w="3175" cap="flat" cmpd="sng" algn="ctr">
+                      <a:solidFill>
+                        <a:srgbClr val="000000"/>
+                      </a:solidFill>
+                      <a:prstDash val="solid"/>
+                      <a:round/>
+                      <a:headEnd type="none" w="med" len="med"/>
+                      <a:tailEnd type="none" w="med" len="med"/>
+                    </a:lnT>
+                    <a:lnB w="3175" cap="flat" cmpd="sng" algn="ctr">
+                      <a:solidFill>
+                        <a:srgbClr val="000000"/>
+                      </a:solidFill>
+                      <a:prstDash val="solid"/>
+                      <a:round/>
+                      <a:headEnd type="none" w="med" len="med"/>
+                      <a:tailEnd type="none" w="med" len="med"/>
+                    </a:lnB>
+                  </a:tcPr>
+                </a:tc>
+                <a:tc>
+                  <a:txBody>
+                    <a:bodyPr/>
+                    <a:lstStyle/>
+                    <a:p>
+                      <a:pPr algn="r" fontAlgn="ctr"/>
+                      <a:r>
+                        <a:rPr lang="en-US" altLang="ko-KR" sz="1300" b="1" i="0" u="none" strike="noStrike" dirty="0">
+                          <a:solidFill>
+                            <a:srgbClr val="000000"/>
+                          </a:solidFill>
+                          <a:effectLst/>
+                          <a:latin typeface="Malgun Gothic" panose="020B0503020000020004" pitchFamily="34" charset="-127"/>
+                          <a:ea typeface="Malgun Gothic" panose="020B0503020000020004" pitchFamily="34" charset="-127"/>
+                        </a:rPr>
+                        <a:t>415</a:t>
+                      </a:r>
+                    </a:p>
+                  </a:txBody>
+                  <a:tcPr marL="9525" marR="9525" marT="9525" marB="0" anchor="ctr">
+                    <a:lnL w="3175" cap="flat" cmpd="sng" algn="ctr">
+                      <a:solidFill>
+                        <a:srgbClr val="000000"/>
+                      </a:solidFill>
+                      <a:prstDash val="solid"/>
+                      <a:round/>
+                      <a:headEnd type="none" w="med" len="med"/>
+                      <a:tailEnd type="none" w="med" len="med"/>
+                    </a:lnL>
+                    <a:lnR w="3175" cap="flat" cmpd="sng" algn="ctr">
+                      <a:solidFill>
+                        <a:srgbClr val="000000"/>
+                      </a:solidFill>
+                      <a:prstDash val="solid"/>
+                      <a:round/>
+                      <a:headEnd type="none" w="med" len="med"/>
+                      <a:tailEnd type="none" w="med" len="med"/>
+                    </a:lnR>
+                    <a:lnT w="3175" cap="flat" cmpd="sng" algn="ctr">
+                      <a:solidFill>
+                        <a:srgbClr val="000000"/>
+                      </a:solidFill>
+                      <a:prstDash val="solid"/>
+                      <a:round/>
+                      <a:headEnd type="none" w="med" len="med"/>
+                      <a:tailEnd type="none" w="med" len="med"/>
+                    </a:lnT>
+                    <a:lnB w="3175" cap="flat" cmpd="sng" algn="ctr">
+                      <a:solidFill>
+                        <a:srgbClr val="000000"/>
+                      </a:solidFill>
+                      <a:prstDash val="solid"/>
+                      <a:round/>
+                      <a:headEnd type="none" w="med" len="med"/>
+                      <a:tailEnd type="none" w="med" len="med"/>
+                    </a:lnB>
+                  </a:tcPr>
+                </a:tc>
+                <a:tc vMerge="1">
+                  <a:txBody>
+                    <a:bodyPr/>
+                    <a:lstStyle/>
+                    <a:p>
+                      <a:pPr latinLnBrk="1"/>
+                      <a:endParaRPr lang="ko-KR" altLang="en-US"/>
+                    </a:p>
+                  </a:txBody>
+                  <a:tcPr/>
+                </a:tc>
+                <a:extLst>
+                  <a:ext uri="{0D108BD9-81ED-4DB2-BD59-A6C34878D82A}">
+                    <a16:rowId xmlns:a16="http://schemas.microsoft.com/office/drawing/2014/main" val="3135143391"/>
+                  </a:ext>
+                </a:extLst>
+              </a:tr>
+            </a:tbl>
+          </a:graphicData>
+        </a:graphic>
+      </p:graphicFrame>
+      <p:graphicFrame>
+        <p:nvGraphicFramePr>
+          <p:cNvPr id="9" name="차트 8">
+            <a:extLst>
+              <a:ext uri="{FF2B5EF4-FFF2-40B4-BE49-F238E27FC236}">
+                <a16:creationId xmlns:a16="http://schemas.microsoft.com/office/drawing/2014/main" id="{00000000-0008-0000-0000-000002000000}"/>
+              </a:ext>
+            </a:extLst>
+          </p:cNvPr>
+          <p:cNvGraphicFramePr>
+            <a:graphicFrameLocks/>
+          </p:cNvGraphicFramePr>
+          <p:nvPr>
+            <p:extLst>
+              <p:ext uri="{D42A27DB-BD31-4B8C-83A1-F6EECF244321}">
+                <p14:modId xmlns:p14="http://schemas.microsoft.com/office/powerpoint/2010/main" val="832822300"/>
+              </p:ext>
+            </p:extLst>
+          </p:nvPr>
+        </p:nvGraphicFramePr>
+        <p:xfrm>
+          <a:off x="8577469" y="941652"/>
+          <a:ext cx="3332645" cy="4822216"/>
+        </p:xfrm>
+        <a:graphic>
+          <a:graphicData uri="http://schemas.openxmlformats.org/drawingml/2006/chart">
+            <c:chart xmlns:c="http://schemas.openxmlformats.org/drawingml/2006/chart" xmlns:r="http://schemas.openxmlformats.org/officeDocument/2006/relationships" r:id="rId2"/>
+          </a:graphicData>
+        </a:graphic>
+      </p:graphicFrame>
+    </p:spTree>
+    <p:extLst>
+      <p:ext uri="{BB962C8B-B14F-4D97-AF65-F5344CB8AC3E}">
+        <p14:creationId xmlns:p14="http://schemas.microsoft.com/office/powerpoint/2010/main" val="32217074"/>
+      </p:ext>
+    </p:extLst>
+  </p:cSld>
+  <p:clrMapOvr>
+    <a:masterClrMapping/>
+  </p:clrMapOvr>
+</p:sld>
+</file>
+
+<file path=ppt/slides/slide11.xml><?xml version="1.0" encoding="utf-8"?>
+<p:sld xmlns:a="http://schemas.openxmlformats.org/drawingml/2006/main" xmlns:r="http://schemas.openxmlformats.org/officeDocument/2006/relationships" xmlns:p="http://schemas.openxmlformats.org/presentationml/2006/main">
+  <p:cSld>
+    <p:spTree>
+      <p:nvGrpSpPr>
+        <p:cNvPr id="1" name=""/>
+        <p:cNvGrpSpPr/>
+        <p:nvPr/>
+      </p:nvGrpSpPr>
+      <p:grpSpPr>
+        <a:xfrm>
+          <a:off x="0" y="0"/>
+          <a:ext cx="0" cy="0"/>
+          <a:chOff x="0" y="0"/>
+          <a:chExt cx="0" cy="0"/>
+        </a:xfrm>
+      </p:grpSpPr>
+      <p:sp>
+        <p:nvSpPr>
+          <p:cNvPr id="5" name="제목 4">
+            <a:extLst>
+              <a:ext uri="{FF2B5EF4-FFF2-40B4-BE49-F238E27FC236}">
+                <a16:creationId xmlns:a16="http://schemas.microsoft.com/office/drawing/2014/main" id="{C90CD5D6-7C79-42E3-85C3-B793DA10ACEA}"/>
+              </a:ext>
+            </a:extLst>
+          </p:cNvPr>
+          <p:cNvSpPr>
+            <a:spLocks noGrp="1"/>
+          </p:cNvSpPr>
+          <p:nvPr>
+            <p:ph type="title"/>
+          </p:nvPr>
+        </p:nvSpPr>
+        <p:spPr/>
+        <p:txBody>
+          <a:bodyPr>
+            <a:normAutofit/>
+          </a:bodyPr>
+          <a:lstStyle/>
+          <a:p>
+            <a:r>
+              <a:rPr lang="ko-KR" altLang="en-US" dirty="0"/>
+              <a:t>분석 결과</a:t>
+            </a:r>
+            <a:br>
+              <a:rPr lang="en-US" altLang="ko-KR" dirty="0"/>
+            </a:br>
+            <a:r>
+              <a:rPr lang="en-US" altLang="ko-KR" dirty="0"/>
+              <a:t>Visualization</a:t>
+            </a:r>
+            <a:br>
+              <a:rPr lang="en-US" altLang="ko-KR" dirty="0"/>
+            </a:br>
+            <a:r>
+              <a:rPr lang="en-US" altLang="ko-KR" dirty="0"/>
+              <a:t> </a:t>
+            </a:r>
+            <a:br>
+              <a:rPr lang="en-US" altLang="ko-KR" b="1" dirty="0"/>
+            </a:br>
+            <a:endParaRPr lang="ko-KR" altLang="en-US" dirty="0"/>
+          </a:p>
+        </p:txBody>
+      </p:sp>
+      <p:sp>
+        <p:nvSpPr>
+          <p:cNvPr id="7" name="텍스트 개체 틀 6">
+            <a:extLst>
+              <a:ext uri="{FF2B5EF4-FFF2-40B4-BE49-F238E27FC236}">
+                <a16:creationId xmlns:a16="http://schemas.microsoft.com/office/drawing/2014/main" id="{4396C7AC-FDE3-45F7-B3F0-503F79EC6FA0}"/>
+              </a:ext>
+            </a:extLst>
+          </p:cNvPr>
+          <p:cNvSpPr>
+            <a:spLocks noGrp="1"/>
+          </p:cNvSpPr>
+          <p:nvPr>
+            <p:ph type="body" sz="half" idx="2"/>
+          </p:nvPr>
+        </p:nvSpPr>
+        <p:spPr/>
+        <p:txBody>
+          <a:bodyPr/>
+          <a:lstStyle/>
+          <a:p>
+            <a:pPr marL="342900" indent="-342900">
+              <a:buAutoNum type="arabicPeriod"/>
+            </a:pPr>
+            <a:r>
+              <a:rPr lang="ko-KR" altLang="en-US" b="1" dirty="0">
+                <a:solidFill>
+                  <a:schemeClr val="bg1"/>
+                </a:solidFill>
+              </a:rPr>
+              <a:t>환자 질병 순위 </a:t>
+            </a:r>
+            <a:r>
+              <a:rPr lang="en-US" altLang="ko-KR" b="1" dirty="0">
+                <a:solidFill>
+                  <a:schemeClr val="bg1"/>
+                </a:solidFill>
+              </a:rPr>
+              <a:t>:</a:t>
+            </a:r>
+            <a:r>
+              <a:rPr lang="ko-KR" altLang="en-US" b="1" dirty="0">
+                <a:solidFill>
+                  <a:schemeClr val="bg1"/>
+                </a:solidFill>
+              </a:rPr>
+              <a:t> 독일</a:t>
+            </a:r>
+            <a:endParaRPr lang="en-US" altLang="ko-KR" b="1" dirty="0">
+              <a:solidFill>
+                <a:schemeClr val="bg1"/>
+              </a:solidFill>
+            </a:endParaRPr>
+          </a:p>
+          <a:p>
+            <a:pPr marL="342900" indent="-342900">
+              <a:buAutoNum type="arabicPeriod"/>
+            </a:pPr>
+            <a:r>
+              <a:rPr lang="en-US" altLang="ko-KR" b="1" dirty="0">
+                <a:solidFill>
+                  <a:schemeClr val="bg2">
+                    <a:lumMod val="75000"/>
+                  </a:schemeClr>
+                </a:solidFill>
+              </a:rPr>
+              <a:t>COVID</a:t>
+            </a:r>
+            <a:r>
+              <a:rPr lang="ko-KR" altLang="en-US" b="1" dirty="0">
+                <a:solidFill>
+                  <a:schemeClr val="bg2">
+                    <a:lumMod val="75000"/>
+                  </a:schemeClr>
+                </a:solidFill>
+              </a:rPr>
+              <a:t> 증상 </a:t>
+            </a:r>
+            <a:r>
+              <a:rPr lang="en-US" altLang="ko-KR" b="1" dirty="0">
+                <a:solidFill>
+                  <a:schemeClr val="bg2">
+                    <a:lumMod val="75000"/>
+                  </a:schemeClr>
+                </a:solidFill>
+              </a:rPr>
+              <a:t>20</a:t>
+            </a:r>
+            <a:r>
+              <a:rPr lang="ko-KR" altLang="en-US" b="1" dirty="0">
+                <a:solidFill>
+                  <a:schemeClr val="bg2">
+                    <a:lumMod val="75000"/>
+                  </a:schemeClr>
+                </a:solidFill>
+              </a:rPr>
+              <a:t>순위</a:t>
+            </a:r>
+            <a:endParaRPr lang="en-US" altLang="ko-KR" b="1" dirty="0">
+              <a:solidFill>
+                <a:schemeClr val="bg2">
+                  <a:lumMod val="75000"/>
+                </a:schemeClr>
+              </a:solidFill>
+            </a:endParaRPr>
+          </a:p>
+          <a:p>
+            <a:pPr marL="342900" indent="-342900">
+              <a:buAutoNum type="arabicPeriod"/>
+            </a:pPr>
+            <a:r>
+              <a:rPr lang="en-US" altLang="ko-KR" b="1" dirty="0">
+                <a:solidFill>
+                  <a:schemeClr val="bg2">
+                    <a:lumMod val="75000"/>
+                  </a:schemeClr>
+                </a:solidFill>
+              </a:rPr>
+              <a:t>Visualization</a:t>
+            </a:r>
+          </a:p>
+          <a:p>
+            <a:pPr marL="800100" lvl="1" indent="-342900">
+              <a:buFont typeface="Arial" panose="020B0604020202020204" pitchFamily="34" charset="0"/>
+              <a:buChar char="•"/>
+            </a:pPr>
+            <a:r>
+              <a:rPr lang="en-US" altLang="ko-KR" sz="1600" b="1" dirty="0" err="1">
+                <a:solidFill>
+                  <a:schemeClr val="bg2">
+                    <a:lumMod val="75000"/>
+                  </a:schemeClr>
+                </a:solidFill>
+              </a:rPr>
+              <a:t>WordCount</a:t>
+            </a:r>
+            <a:endParaRPr lang="en-US" altLang="ko-KR" sz="1600" b="1" dirty="0">
+              <a:solidFill>
+                <a:schemeClr val="bg2">
+                  <a:lumMod val="75000"/>
+                </a:schemeClr>
+              </a:solidFill>
+            </a:endParaRPr>
+          </a:p>
+          <a:p>
+            <a:pPr marL="800100" lvl="1" indent="-342900">
+              <a:buFont typeface="Arial" panose="020B0604020202020204" pitchFamily="34" charset="0"/>
+              <a:buChar char="•"/>
+            </a:pPr>
+            <a:r>
+              <a:rPr lang="ko-KR" altLang="en-US" sz="1600" b="1" dirty="0">
+                <a:solidFill>
+                  <a:schemeClr val="bg2">
+                    <a:lumMod val="75000"/>
+                  </a:schemeClr>
+                </a:solidFill>
+              </a:rPr>
+              <a:t>증상 빈도</a:t>
+            </a:r>
+            <a:endParaRPr lang="en-US" altLang="ko-KR" sz="1600" b="1" dirty="0">
+              <a:solidFill>
+                <a:schemeClr val="bg2">
+                  <a:lumMod val="75000"/>
+                </a:schemeClr>
+              </a:solidFill>
+            </a:endParaRPr>
+          </a:p>
+          <a:p>
+            <a:pPr marL="800100" lvl="1" indent="-342900">
+              <a:buFont typeface="Arial" panose="020B0604020202020204" pitchFamily="34" charset="0"/>
+              <a:buChar char="•"/>
+            </a:pPr>
+            <a:r>
+              <a:rPr lang="ko-KR" altLang="en-US" sz="1600" b="1" dirty="0">
+                <a:solidFill>
+                  <a:schemeClr val="bg2">
+                    <a:lumMod val="75000"/>
+                  </a:schemeClr>
+                </a:solidFill>
+              </a:rPr>
+              <a:t>증상 연관도</a:t>
+            </a:r>
+          </a:p>
+        </p:txBody>
+      </p:sp>
+      <p:sp>
+        <p:nvSpPr>
+          <p:cNvPr id="6" name="슬라이드 번호 개체 틀 5">
+            <a:extLst>
+              <a:ext uri="{FF2B5EF4-FFF2-40B4-BE49-F238E27FC236}">
+                <a16:creationId xmlns:a16="http://schemas.microsoft.com/office/drawing/2014/main" id="{07715230-E573-4CE3-BA61-7C131AF19F7C}"/>
+              </a:ext>
+            </a:extLst>
+          </p:cNvPr>
+          <p:cNvSpPr>
+            <a:spLocks noGrp="1"/>
+          </p:cNvSpPr>
+          <p:nvPr>
+            <p:ph type="sldNum" sz="quarter" idx="4"/>
+          </p:nvPr>
+        </p:nvSpPr>
+        <p:spPr>
+          <a:xfrm>
+            <a:off x="10558300" y="6456916"/>
+            <a:ext cx="1052510" cy="365125"/>
+          </a:xfrm>
+        </p:spPr>
+        <p:txBody>
+          <a:bodyPr/>
+          <a:lstStyle/>
+          <a:p>
+            <a:fld id="{3A98EE3D-8CD1-4C3F-BD1C-C98C9596463C}" type="slidenum">
+              <a:rPr lang="en-US" smtClean="0"/>
+              <a:pPr/>
+              <a:t>11</a:t>
+            </a:fld>
+            <a:endParaRPr lang="en-US" dirty="0"/>
+          </a:p>
+        </p:txBody>
+      </p:sp>
+      <p:graphicFrame>
+        <p:nvGraphicFramePr>
+          <p:cNvPr id="2" name="표 1">
+            <a:extLst>
+              <a:ext uri="{FF2B5EF4-FFF2-40B4-BE49-F238E27FC236}">
+                <a16:creationId xmlns:a16="http://schemas.microsoft.com/office/drawing/2014/main" id="{0AD9DE5D-B0A2-4EBC-A6CE-B8C1D44ADB97}"/>
+              </a:ext>
+            </a:extLst>
+          </p:cNvPr>
+          <p:cNvGraphicFramePr>
+            <a:graphicFrameLocks noGrp="1"/>
+          </p:cNvGraphicFramePr>
+          <p:nvPr>
+            <p:extLst>
+              <p:ext uri="{D42A27DB-BD31-4B8C-83A1-F6EECF244321}">
+                <p14:modId xmlns:p14="http://schemas.microsoft.com/office/powerpoint/2010/main" val="2872013840"/>
               </p:ext>
             </p:extLst>
           </p:nvPr>
@@ -6637,10 +8650,24 @@
                             </a:schemeClr>
                           </a:solidFill>
                           <a:effectLst/>
+                          <a:latin typeface="맑은 고딕" panose="020B0503020000020004" pitchFamily="50" charset="-127"/>
+                          <a:ea typeface="맑은 고딕" panose="020B0503020000020004" pitchFamily="50" charset="-127"/>
+                        </a:rPr>
+                        <a:t>중분류</a:t>
+                      </a:r>
+                      <a:r>
+                        <a:rPr lang="ko-KR" altLang="en-US" sz="1300" b="1" kern="0" spc="0" dirty="0">
+                          <a:solidFill>
+                            <a:schemeClr val="tx1">
+                              <a:lumMod val="65000"/>
+                              <a:lumOff val="35000"/>
+                            </a:schemeClr>
+                          </a:solidFill>
+                          <a:effectLst/>
                           <a:latin typeface="Malgun Gothic" panose="020B0503020000020004" pitchFamily="34" charset="-127"/>
                           <a:ea typeface="Malgun Gothic" panose="020B0503020000020004" pitchFamily="34" charset="-127"/>
                         </a:rPr>
-                        <a:t>대분류 기준</a:t>
+                        <a:t> 기준</a:t>
                       </a:r>
                     </a:p>
                   </a:txBody>
@@ -6836,7 +8863,7 @@
                     <a:p>
                       <a:pPr algn="l" fontAlgn="ctr"/>
                       <a:r>
-                        <a:rPr lang="ko-KR" altLang="en-US" sz="1300" b="1" i="0" u="none" strike="noStrike">
+                        <a:rPr lang="ko-KR" altLang="en-US" sz="1300" b="1" i="0" u="none" strike="noStrike" dirty="0">
                           <a:solidFill>
                             <a:srgbClr val="000000"/>
                           </a:solidFill>
@@ -6844,8 +8871,49 @@
                           <a:latin typeface="Malgun Gothic" panose="020B0503020000020004" pitchFamily="34" charset="-127"/>
                           <a:ea typeface="Malgun Gothic" panose="020B0503020000020004" pitchFamily="34" charset="-127"/>
                         </a:rPr>
-                        <a:t>병인이 불확실한 신종질환의 임시적 지정이나 응급사용</a:t>
-                      </a:r>
+                        <a:t>병인이 불확실한 </a:t>
+                      </a:r>
+                      <a:r>
+                        <a:rPr lang="ko-KR" altLang="en-US" sz="1300" b="1" i="0" u="none" strike="noStrike" dirty="0" err="1">
+                          <a:solidFill>
+                            <a:srgbClr val="000000"/>
+                          </a:solidFill>
+                          <a:effectLst/>
+                          <a:latin typeface="Malgun Gothic" panose="020B0503020000020004" pitchFamily="34" charset="-127"/>
+                          <a:ea typeface="Malgun Gothic" panose="020B0503020000020004" pitchFamily="34" charset="-127"/>
+                        </a:rPr>
+                        <a:t>신종질환의</a:t>
+                      </a:r>
+                      <a:r>
+                        <a:rPr lang="ko-KR" altLang="en-US" sz="1300" b="1" i="0" u="none" strike="noStrike" dirty="0">
+                          <a:solidFill>
+                            <a:srgbClr val="000000"/>
+                          </a:solidFill>
+                          <a:effectLst/>
+                          <a:latin typeface="Malgun Gothic" panose="020B0503020000020004" pitchFamily="34" charset="-127"/>
+                          <a:ea typeface="Malgun Gothic" panose="020B0503020000020004" pitchFamily="34" charset="-127"/>
+                        </a:rPr>
+                        <a:t> 임시적 지정이나 </a:t>
+                      </a:r>
+                      <a:r>
+                        <a:rPr lang="ko-KR" altLang="en-US" sz="1300" b="1" i="0" u="none" strike="noStrike" dirty="0" err="1">
+                          <a:solidFill>
+                            <a:srgbClr val="000000"/>
+                          </a:solidFill>
+                          <a:effectLst/>
+                          <a:latin typeface="Malgun Gothic" panose="020B0503020000020004" pitchFamily="34" charset="-127"/>
+                          <a:ea typeface="Malgun Gothic" panose="020B0503020000020004" pitchFamily="34" charset="-127"/>
+                        </a:rPr>
+                        <a:t>응급사용</a:t>
+                      </a:r>
+                      <a:endParaRPr lang="ko-KR" altLang="en-US" sz="1300" b="1" i="0" u="none" strike="noStrike" dirty="0">
+                        <a:solidFill>
+                          <a:srgbClr val="000000"/>
+                        </a:solidFill>
+                        <a:effectLst/>
+                        <a:latin typeface="Malgun Gothic" panose="020B0503020000020004" pitchFamily="34" charset="-127"/>
+                        <a:ea typeface="Malgun Gothic" panose="020B0503020000020004" pitchFamily="34" charset="-127"/>
+                      </a:endParaRPr>
                     </a:p>
                   </a:txBody>
                   <a:tcPr marL="9525" marR="9525" marT="9525" marB="0" anchor="ctr">
@@ -8202,7 +10270,7 @@
 </p:sld>
 </file>
 
-<file path=ppt/slides/slide11.xml><?xml version="1.0" encoding="utf-8"?>
+<file path=ppt/slides/slide12.xml><?xml version="1.0" encoding="utf-8"?>
 <p:sld xmlns:a="http://schemas.openxmlformats.org/drawingml/2006/main" xmlns:r="http://schemas.openxmlformats.org/officeDocument/2006/relationships" xmlns:p="http://schemas.openxmlformats.org/presentationml/2006/main">
   <p:cSld>
     <p:spTree>
@@ -8297,7 +10365,7 @@
                   <a:schemeClr val="bg1"/>
                 </a:solidFill>
               </a:rPr>
-              <a:t>환자 질환 순위 </a:t>
+              <a:t>환자 질병 순위 </a:t>
             </a:r>
             <a:r>
               <a:rPr lang="en-US" altLang="ko-KR" b="1" dirty="0">
@@ -8308,7 +10376,7 @@
               <a:t>:</a:t>
             </a:r>
             <a:r>
-              <a:rPr lang="ko-KR" altLang="en-US" b="1">
+              <a:rPr lang="ko-KR" altLang="en-US" b="1" dirty="0">
                 <a:solidFill>
                   <a:schemeClr val="bg1"/>
                 </a:solidFill>
@@ -8481,7 +10549,7 @@
             <a:fld id="{3A98EE3D-8CD1-4C3F-BD1C-C98C9596463C}" type="slidenum">
               <a:rPr lang="en-US" smtClean="0"/>
               <a:pPr/>
-              <a:t>11</a:t>
+              <a:t>12</a:t>
             </a:fld>
             <a:endParaRPr lang="en-US" dirty="0"/>
           </a:p>
@@ -8502,7 +10570,7 @@
           <p:nvPr>
             <p:extLst>
               <p:ext uri="{D42A27DB-BD31-4B8C-83A1-F6EECF244321}">
-                <p14:modId xmlns:p14="http://schemas.microsoft.com/office/powerpoint/2010/main" val="2011929365"/>
+                <p14:modId xmlns:p14="http://schemas.microsoft.com/office/powerpoint/2010/main" val="2095404706"/>
               </p:ext>
             </p:extLst>
           </p:nvPr>
@@ -8595,7 +10663,7 @@
                           <a:latin typeface="맑은 고딕" panose="020B0503020000020004" pitchFamily="50" charset="-127"/>
                           <a:ea typeface="맑은 고딕" panose="020B0503020000020004" pitchFamily="50" charset="-127"/>
                         </a:rPr>
-                        <a:t>대분류 기준</a:t>
+                        <a:t>중분류 기준</a:t>
                       </a:r>
                     </a:p>
                   </a:txBody>
@@ -10187,7 +12255,7 @@
 </p:sld>
 </file>
 
-<file path=ppt/slides/slide12.xml><?xml version="1.0" encoding="utf-8"?>
+<file path=ppt/slides/slide13.xml><?xml version="1.0" encoding="utf-8"?>
 <p:sld xmlns:a="http://schemas.openxmlformats.org/drawingml/2006/main" xmlns:r="http://schemas.openxmlformats.org/officeDocument/2006/relationships" xmlns:p="http://schemas.openxmlformats.org/presentationml/2006/main">
   <p:cSld>
     <p:spTree>
@@ -10282,7 +12350,7 @@
                   <a:schemeClr val="bg1"/>
                 </a:solidFill>
               </a:rPr>
-              <a:t>환자 질환 순위 </a:t>
+              <a:t>환자 질병 순위 </a:t>
             </a:r>
             <a:r>
               <a:rPr lang="en-US" altLang="ko-KR" b="1" dirty="0">
@@ -10466,7 +12534,7 @@
             <a:fld id="{3A98EE3D-8CD1-4C3F-BD1C-C98C9596463C}" type="slidenum">
               <a:rPr lang="en-US" smtClean="0"/>
               <a:pPr/>
-              <a:t>12</a:t>
+              <a:t>13</a:t>
             </a:fld>
             <a:endParaRPr lang="en-US" dirty="0"/>
           </a:p>
@@ -10487,7 +12555,7 @@
           <p:nvPr>
             <p:extLst>
               <p:ext uri="{D42A27DB-BD31-4B8C-83A1-F6EECF244321}">
-                <p14:modId xmlns:p14="http://schemas.microsoft.com/office/powerpoint/2010/main" val="2666754667"/>
+                <p14:modId xmlns:p14="http://schemas.microsoft.com/office/powerpoint/2010/main" val="1818488773"/>
               </p:ext>
             </p:extLst>
           </p:nvPr>
@@ -10569,6 +12637,20 @@
                         <a:t> </a:t>
                       </a:r>
                       <a:r>
+                        <a:rPr lang="ko-KR" altLang="en-US" sz="1300" b="1" kern="0" spc="0" dirty="0">
+                          <a:solidFill>
+                            <a:schemeClr val="tx1">
+                              <a:lumMod val="65000"/>
+                              <a:lumOff val="35000"/>
+                            </a:schemeClr>
+                          </a:solidFill>
+                          <a:effectLst/>
+                          <a:latin typeface="맑은 고딕" panose="020B0503020000020004" pitchFamily="50" charset="-127"/>
+                          <a:ea typeface="맑은 고딕" panose="020B0503020000020004" pitchFamily="50" charset="-127"/>
+                        </a:rPr>
+                        <a:t>중분류</a:t>
+                      </a:r>
+                      <a:r>
                         <a:rPr lang="ko-KR" altLang="en-US" sz="1300" b="1" i="0" kern="0" spc="0" dirty="0">
                           <a:solidFill>
                             <a:schemeClr val="tx1">
@@ -10580,7 +12662,7 @@
                           <a:latin typeface="Malgun Gothic" panose="020B0503020000020004" pitchFamily="34" charset="-127"/>
                           <a:ea typeface="Malgun Gothic" panose="020B0503020000020004" pitchFamily="34" charset="-127"/>
                         </a:rPr>
-                        <a:t>대분류 기준</a:t>
+                        <a:t> 기준</a:t>
                       </a:r>
                     </a:p>
                   </a:txBody>
@@ -12205,7 +14287,7 @@
 </p:sld>
 </file>
 
-<file path=ppt/slides/slide13.xml><?xml version="1.0" encoding="utf-8"?>
+<file path=ppt/slides/slide14.xml><?xml version="1.0" encoding="utf-8"?>
 <p:sld xmlns:a="http://schemas.openxmlformats.org/drawingml/2006/main" xmlns:r="http://schemas.openxmlformats.org/officeDocument/2006/relationships" xmlns:p="http://schemas.openxmlformats.org/presentationml/2006/main">
   <p:cSld>
     <p:spTree>
@@ -12302,7 +14384,7 @@
                   </a:schemeClr>
                 </a:solidFill>
               </a:rPr>
-              <a:t>환자 질환 순위</a:t>
+              <a:t>환자 질병 순위</a:t>
             </a:r>
             <a:endParaRPr lang="en-US" altLang="ko-KR" b="1" dirty="0">
               <a:solidFill>
@@ -12462,7 +14544,7 @@
             <a:fld id="{3A98EE3D-8CD1-4C3F-BD1C-C98C9596463C}" type="slidenum">
               <a:rPr lang="en-US" smtClean="0"/>
               <a:pPr/>
-              <a:t>13</a:t>
+              <a:t>14</a:t>
             </a:fld>
             <a:endParaRPr lang="en-US" dirty="0"/>
           </a:p>
@@ -17567,7 +19649,7 @@
 </p:sld>
 </file>
 
-<file path=ppt/slides/slide14.xml><?xml version="1.0" encoding="utf-8"?>
+<file path=ppt/slides/slide15.xml><?xml version="1.0" encoding="utf-8"?>
 <p:sld xmlns:a="http://schemas.openxmlformats.org/drawingml/2006/main" xmlns:r="http://schemas.openxmlformats.org/officeDocument/2006/relationships" xmlns:p="http://schemas.openxmlformats.org/presentationml/2006/main">
   <p:cSld>
     <p:spTree>
@@ -17664,7 +19746,7 @@
                   </a:schemeClr>
                 </a:solidFill>
               </a:rPr>
-              <a:t>환자 질환 순위</a:t>
+              <a:t>환자 질병 순위</a:t>
             </a:r>
             <a:endParaRPr lang="en-US" altLang="ko-KR" b="1" dirty="0">
               <a:solidFill>
@@ -17828,7 +19910,7 @@
             <a:fld id="{3A98EE3D-8CD1-4C3F-BD1C-C98C9596463C}" type="slidenum">
               <a:rPr lang="en-US" smtClean="0"/>
               <a:pPr/>
-              <a:t>14</a:t>
+              <a:t>15</a:t>
             </a:fld>
             <a:endParaRPr lang="en-US" dirty="0"/>
           </a:p>
@@ -17930,512 +20012,6 @@
 </p:sld>
 </file>
 
-<file path=ppt/slides/slide15.xml><?xml version="1.0" encoding="utf-8"?>
-<p:sld xmlns:a="http://schemas.openxmlformats.org/drawingml/2006/main" xmlns:r="http://schemas.openxmlformats.org/officeDocument/2006/relationships" xmlns:p="http://schemas.openxmlformats.org/presentationml/2006/main">
-  <p:cSld>
-    <p:spTree>
-      <p:nvGrpSpPr>
-        <p:cNvPr id="1" name=""/>
-        <p:cNvGrpSpPr/>
-        <p:nvPr/>
-      </p:nvGrpSpPr>
-      <p:grpSpPr>
-        <a:xfrm>
-          <a:off x="0" y="0"/>
-          <a:ext cx="0" cy="0"/>
-          <a:chOff x="0" y="0"/>
-          <a:chExt cx="0" cy="0"/>
-        </a:xfrm>
-      </p:grpSpPr>
-      <p:sp>
-        <p:nvSpPr>
-          <p:cNvPr id="5" name="제목 4">
-            <a:extLst>
-              <a:ext uri="{FF2B5EF4-FFF2-40B4-BE49-F238E27FC236}">
-                <a16:creationId xmlns:a16="http://schemas.microsoft.com/office/drawing/2014/main" id="{C90CD5D6-7C79-42E3-85C3-B793DA10ACEA}"/>
-              </a:ext>
-            </a:extLst>
-          </p:cNvPr>
-          <p:cNvSpPr>
-            <a:spLocks noGrp="1"/>
-          </p:cNvSpPr>
-          <p:nvPr>
-            <p:ph type="title"/>
-          </p:nvPr>
-        </p:nvSpPr>
-        <p:spPr/>
-        <p:txBody>
-          <a:bodyPr>
-            <a:normAutofit/>
-          </a:bodyPr>
-          <a:lstStyle/>
-          <a:p>
-            <a:r>
-              <a:rPr lang="ko-KR" altLang="en-US" dirty="0"/>
-              <a:t>분석 결과</a:t>
-            </a:r>
-            <a:br>
-              <a:rPr lang="en-US" altLang="ko-KR" dirty="0"/>
-            </a:br>
-            <a:r>
-              <a:rPr lang="en-US" altLang="ko-KR" dirty="0"/>
-              <a:t>Visualization</a:t>
-            </a:r>
-            <a:br>
-              <a:rPr lang="en-US" altLang="ko-KR" dirty="0"/>
-            </a:br>
-            <a:r>
-              <a:rPr lang="en-US" altLang="ko-KR" dirty="0"/>
-              <a:t> </a:t>
-            </a:r>
-            <a:br>
-              <a:rPr lang="en-US" altLang="ko-KR" b="1" dirty="0"/>
-            </a:br>
-            <a:endParaRPr lang="ko-KR" altLang="en-US" dirty="0"/>
-          </a:p>
-        </p:txBody>
-      </p:sp>
-      <p:sp>
-        <p:nvSpPr>
-          <p:cNvPr id="7" name="텍스트 개체 틀 6">
-            <a:extLst>
-              <a:ext uri="{FF2B5EF4-FFF2-40B4-BE49-F238E27FC236}">
-                <a16:creationId xmlns:a16="http://schemas.microsoft.com/office/drawing/2014/main" id="{4396C7AC-FDE3-45F7-B3F0-503F79EC6FA0}"/>
-              </a:ext>
-            </a:extLst>
-          </p:cNvPr>
-          <p:cNvSpPr>
-            <a:spLocks noGrp="1"/>
-          </p:cNvSpPr>
-          <p:nvPr>
-            <p:ph type="body" sz="half" idx="2"/>
-          </p:nvPr>
-        </p:nvSpPr>
-        <p:spPr/>
-        <p:txBody>
-          <a:bodyPr/>
-          <a:lstStyle/>
-          <a:p>
-            <a:pPr marL="342900" indent="-342900">
-              <a:buAutoNum type="arabicPeriod"/>
-            </a:pPr>
-            <a:r>
-              <a:rPr lang="ko-KR" altLang="en-US" b="1" dirty="0">
-                <a:solidFill>
-                  <a:schemeClr val="bg2">
-                    <a:lumMod val="75000"/>
-                  </a:schemeClr>
-                </a:solidFill>
-              </a:rPr>
-              <a:t>환자 질환 순위</a:t>
-            </a:r>
-            <a:endParaRPr lang="en-US" altLang="ko-KR" b="1" dirty="0">
-              <a:solidFill>
-                <a:schemeClr val="bg2">
-                  <a:lumMod val="75000"/>
-                </a:schemeClr>
-              </a:solidFill>
-            </a:endParaRPr>
-          </a:p>
-          <a:p>
-            <a:pPr marL="342900" indent="-342900">
-              <a:buAutoNum type="arabicPeriod"/>
-            </a:pPr>
-            <a:r>
-              <a:rPr lang="en-US" altLang="ko-KR" b="1" dirty="0">
-                <a:solidFill>
-                  <a:schemeClr val="bg1"/>
-                </a:solidFill>
-              </a:rPr>
-              <a:t>COVID</a:t>
-            </a:r>
-            <a:r>
-              <a:rPr lang="ko-KR" altLang="en-US" b="1" dirty="0">
-                <a:solidFill>
-                  <a:schemeClr val="bg1"/>
-                </a:solidFill>
-              </a:rPr>
-              <a:t> 증상 </a:t>
-            </a:r>
-            <a:r>
-              <a:rPr lang="en-US" altLang="ko-KR" b="1" dirty="0">
-                <a:solidFill>
-                  <a:schemeClr val="bg1"/>
-                </a:solidFill>
-              </a:rPr>
-              <a:t>20</a:t>
-            </a:r>
-            <a:r>
-              <a:rPr lang="ko-KR" altLang="en-US" b="1" dirty="0">
-                <a:solidFill>
-                  <a:schemeClr val="bg1"/>
-                </a:solidFill>
-              </a:rPr>
-              <a:t>순위</a:t>
-            </a:r>
-            <a:endParaRPr lang="en-US" altLang="ko-KR" b="1" dirty="0">
-              <a:solidFill>
-                <a:schemeClr val="bg1"/>
-              </a:solidFill>
-            </a:endParaRPr>
-          </a:p>
-          <a:p>
-            <a:pPr marL="342900" indent="-342900">
-              <a:buAutoNum type="arabicPeriod"/>
-            </a:pPr>
-            <a:r>
-              <a:rPr lang="en-US" altLang="ko-KR" b="1" dirty="0">
-                <a:solidFill>
-                  <a:schemeClr val="bg2">
-                    <a:lumMod val="75000"/>
-                  </a:schemeClr>
-                </a:solidFill>
-              </a:rPr>
-              <a:t>Visualization</a:t>
-            </a:r>
-          </a:p>
-          <a:p>
-            <a:pPr marL="800100" lvl="1" indent="-342900">
-              <a:buFont typeface="Arial" panose="020B0604020202020204" pitchFamily="34" charset="0"/>
-              <a:buChar char="•"/>
-            </a:pPr>
-            <a:r>
-              <a:rPr lang="en-US" altLang="ko-KR" sz="1600" b="1" dirty="0" err="1">
-                <a:solidFill>
-                  <a:schemeClr val="bg2">
-                    <a:lumMod val="75000"/>
-                  </a:schemeClr>
-                </a:solidFill>
-              </a:rPr>
-              <a:t>WordCount</a:t>
-            </a:r>
-            <a:endParaRPr lang="en-US" altLang="ko-KR" sz="1600" b="1" dirty="0">
-              <a:solidFill>
-                <a:schemeClr val="bg2">
-                  <a:lumMod val="75000"/>
-                </a:schemeClr>
-              </a:solidFill>
-            </a:endParaRPr>
-          </a:p>
-          <a:p>
-            <a:pPr marL="800100" lvl="1" indent="-342900">
-              <a:buFont typeface="Arial" panose="020B0604020202020204" pitchFamily="34" charset="0"/>
-              <a:buChar char="•"/>
-            </a:pPr>
-            <a:r>
-              <a:rPr lang="ko-KR" altLang="en-US" sz="1600" b="1" dirty="0">
-                <a:solidFill>
-                  <a:schemeClr val="bg2">
-                    <a:lumMod val="75000"/>
-                  </a:schemeClr>
-                </a:solidFill>
-              </a:rPr>
-              <a:t>증상 빈도</a:t>
-            </a:r>
-            <a:endParaRPr lang="en-US" altLang="ko-KR" sz="1600" b="1" dirty="0">
-              <a:solidFill>
-                <a:schemeClr val="bg2">
-                  <a:lumMod val="75000"/>
-                </a:schemeClr>
-              </a:solidFill>
-            </a:endParaRPr>
-          </a:p>
-          <a:p>
-            <a:pPr marL="800100" lvl="1" indent="-342900">
-              <a:buFont typeface="Arial" panose="020B0604020202020204" pitchFamily="34" charset="0"/>
-              <a:buChar char="•"/>
-            </a:pPr>
-            <a:r>
-              <a:rPr lang="ko-KR" altLang="en-US" sz="1600" b="1" dirty="0">
-                <a:solidFill>
-                  <a:schemeClr val="bg2">
-                    <a:lumMod val="75000"/>
-                  </a:schemeClr>
-                </a:solidFill>
-              </a:rPr>
-              <a:t>증상 연관도</a:t>
-            </a:r>
-          </a:p>
-        </p:txBody>
-      </p:sp>
-      <p:sp>
-        <p:nvSpPr>
-          <p:cNvPr id="6" name="슬라이드 번호 개체 틀 5">
-            <a:extLst>
-              <a:ext uri="{FF2B5EF4-FFF2-40B4-BE49-F238E27FC236}">
-                <a16:creationId xmlns:a16="http://schemas.microsoft.com/office/drawing/2014/main" id="{07715230-E573-4CE3-BA61-7C131AF19F7C}"/>
-              </a:ext>
-            </a:extLst>
-          </p:cNvPr>
-          <p:cNvSpPr>
-            <a:spLocks noGrp="1"/>
-          </p:cNvSpPr>
-          <p:nvPr>
-            <p:ph type="sldNum" sz="quarter" idx="4"/>
-          </p:nvPr>
-        </p:nvSpPr>
-        <p:spPr>
-          <a:xfrm>
-            <a:off x="10558300" y="6456916"/>
-            <a:ext cx="1052510" cy="365125"/>
-          </a:xfrm>
-        </p:spPr>
-        <p:txBody>
-          <a:bodyPr/>
-          <a:lstStyle/>
-          <a:p>
-            <a:fld id="{3A98EE3D-8CD1-4C3F-BD1C-C98C9596463C}" type="slidenum">
-              <a:rPr lang="en-US" smtClean="0"/>
-              <a:pPr/>
-              <a:t>15</a:t>
-            </a:fld>
-            <a:endParaRPr lang="en-US" dirty="0"/>
-          </a:p>
-        </p:txBody>
-      </p:sp>
-      <p:sp>
-        <p:nvSpPr>
-          <p:cNvPr id="3" name="TextBox 2">
-            <a:extLst>
-              <a:ext uri="{FF2B5EF4-FFF2-40B4-BE49-F238E27FC236}">
-                <a16:creationId xmlns:a16="http://schemas.microsoft.com/office/drawing/2014/main" id="{250CFFF7-3098-E84B-9A95-537C947CFCA7}"/>
-              </a:ext>
-            </a:extLst>
-          </p:cNvPr>
-          <p:cNvSpPr txBox="1"/>
-          <p:nvPr/>
-        </p:nvSpPr>
-        <p:spPr>
-          <a:xfrm>
-            <a:off x="4568259" y="760021"/>
-            <a:ext cx="7042552" cy="3139321"/>
-          </a:xfrm>
-          <a:prstGeom prst="rect">
-            <a:avLst/>
-          </a:prstGeom>
-          <a:noFill/>
-        </p:spPr>
-        <p:txBody>
-          <a:bodyPr wrap="square" rtlCol="0">
-            <a:spAutoFit/>
-          </a:bodyPr>
-          <a:lstStyle/>
-          <a:p>
-            <a:r>
-              <a:rPr kumimoji="1" lang="ko-KR" altLang="en-US" dirty="0"/>
-              <a:t>코로나 대표 증상</a:t>
-            </a:r>
-            <a:endParaRPr kumimoji="1" lang="en-US" altLang="ko-KR" dirty="0"/>
-          </a:p>
-          <a:p>
-            <a:endParaRPr kumimoji="1" lang="en-US" altLang="ko-KR" dirty="0"/>
-          </a:p>
-          <a:p>
-            <a:r>
-              <a:rPr kumimoji="1" lang="en-US" altLang="ko-KR" dirty="0"/>
-              <a:t>1.</a:t>
-            </a:r>
-            <a:r>
-              <a:rPr kumimoji="1" lang="ko-KR" altLang="en-US" dirty="0"/>
-              <a:t> 공통 </a:t>
-            </a:r>
-            <a:br>
-              <a:rPr kumimoji="1" lang="en-US" altLang="ko-KR" dirty="0"/>
-            </a:br>
-            <a:r>
-              <a:rPr kumimoji="1" lang="ko-KR" altLang="en-US" dirty="0"/>
-              <a:t>   </a:t>
-            </a:r>
-            <a:r>
-              <a:rPr kumimoji="1" lang="en-US" altLang="ko-KR" dirty="0"/>
-              <a:t>&gt;&gt;</a:t>
-            </a:r>
-            <a:r>
-              <a:rPr kumimoji="1" lang="ko-KR" altLang="en-US" dirty="0"/>
-              <a:t> 발열</a:t>
-            </a:r>
-            <a:r>
-              <a:rPr kumimoji="1" lang="en-US" altLang="ko-KR" dirty="0"/>
-              <a:t>,</a:t>
-            </a:r>
-            <a:r>
-              <a:rPr kumimoji="1" lang="ko-KR" altLang="en-US" dirty="0"/>
-              <a:t> 마른기침</a:t>
-            </a:r>
-            <a:r>
-              <a:rPr kumimoji="1" lang="en-US" altLang="ko-KR" dirty="0"/>
-              <a:t>,</a:t>
-            </a:r>
-            <a:r>
-              <a:rPr kumimoji="1" lang="ko-KR" altLang="en-US" dirty="0"/>
-              <a:t> 피로감</a:t>
-            </a:r>
-            <a:endParaRPr kumimoji="1" lang="en-US" altLang="ko-KR" dirty="0"/>
-          </a:p>
-          <a:p>
-            <a:endParaRPr kumimoji="1" lang="en-US" altLang="ko-KR" dirty="0"/>
-          </a:p>
-          <a:p>
-            <a:r>
-              <a:rPr kumimoji="1" lang="en-US" altLang="ko-KR" dirty="0"/>
-              <a:t>2.</a:t>
-            </a:r>
-            <a:r>
-              <a:rPr kumimoji="1" lang="ko-KR" altLang="en-US" dirty="0"/>
-              <a:t> 드물지만 나타나는 현상</a:t>
-            </a:r>
-            <a:br>
-              <a:rPr kumimoji="1" lang="en-US" altLang="ko-KR" dirty="0"/>
-            </a:br>
-            <a:r>
-              <a:rPr kumimoji="1" lang="ko-KR" altLang="en-US" dirty="0"/>
-              <a:t>   </a:t>
-            </a:r>
-            <a:r>
-              <a:rPr kumimoji="1" lang="en-US" altLang="ko-KR" dirty="0"/>
-              <a:t>&gt;&gt;</a:t>
-            </a:r>
-            <a:r>
-              <a:rPr kumimoji="1" lang="ko-KR" altLang="en-US" dirty="0"/>
-              <a:t>몸살</a:t>
-            </a:r>
-            <a:r>
-              <a:rPr kumimoji="1" lang="en-US" altLang="ko-KR" dirty="0"/>
-              <a:t>,</a:t>
-            </a:r>
-            <a:r>
-              <a:rPr kumimoji="1" lang="ko-KR" altLang="en-US" dirty="0"/>
-              <a:t> </a:t>
-            </a:r>
-            <a:r>
-              <a:rPr kumimoji="1" lang="ko-KR" altLang="en-US" dirty="0" err="1"/>
-              <a:t>인후통</a:t>
-            </a:r>
-            <a:r>
-              <a:rPr kumimoji="1" lang="en-US" altLang="ko-KR" dirty="0"/>
-              <a:t>,</a:t>
-            </a:r>
-            <a:r>
-              <a:rPr kumimoji="1" lang="ko-KR" altLang="en-US" dirty="0"/>
-              <a:t> 설사</a:t>
-            </a:r>
-            <a:r>
-              <a:rPr kumimoji="1" lang="en-US" altLang="ko-KR" dirty="0"/>
-              <a:t>,</a:t>
-            </a:r>
-            <a:r>
-              <a:rPr kumimoji="1" lang="ko-KR" altLang="en-US" dirty="0"/>
-              <a:t> 결막염</a:t>
-            </a:r>
-            <a:r>
-              <a:rPr kumimoji="1" lang="en-US" altLang="ko-KR" dirty="0"/>
-              <a:t>,</a:t>
-            </a:r>
-            <a:r>
-              <a:rPr kumimoji="1" lang="ko-KR" altLang="en-US" dirty="0"/>
-              <a:t> 두통</a:t>
-            </a:r>
-            <a:r>
-              <a:rPr kumimoji="1" lang="en-US" altLang="ko-KR" dirty="0"/>
-              <a:t>,</a:t>
-            </a:r>
-            <a:r>
-              <a:rPr kumimoji="1" lang="ko-KR" altLang="en-US" dirty="0"/>
-              <a:t> 미각 또는 후각 상실</a:t>
-            </a:r>
-            <a:r>
-              <a:rPr kumimoji="1" lang="en-US" altLang="ko-KR" dirty="0"/>
-              <a:t>,</a:t>
-            </a:r>
-            <a:r>
-              <a:rPr kumimoji="1" lang="ko-KR" altLang="en-US" dirty="0"/>
-              <a:t> 피부 발진</a:t>
-            </a:r>
-            <a:r>
-              <a:rPr kumimoji="1" lang="en-US" altLang="ko-KR" dirty="0"/>
-              <a:t>,</a:t>
-            </a:r>
-            <a:r>
-              <a:rPr kumimoji="1" lang="ko-KR" altLang="en-US" dirty="0"/>
-              <a:t> 손가락 또는 발가락 변색</a:t>
-            </a:r>
-            <a:r>
-              <a:rPr kumimoji="1" lang="en-US" altLang="ko-KR" dirty="0"/>
-              <a:t>.</a:t>
-            </a:r>
-          </a:p>
-          <a:p>
-            <a:endParaRPr kumimoji="1" lang="en-US" altLang="ko-KR" dirty="0"/>
-          </a:p>
-          <a:p>
-            <a:r>
-              <a:rPr kumimoji="1" lang="en-US" altLang="ko-KR" dirty="0"/>
-              <a:t>3.</a:t>
-            </a:r>
-            <a:r>
-              <a:rPr kumimoji="1" lang="ko-KR" altLang="en-US" dirty="0"/>
-              <a:t> </a:t>
-            </a:r>
-            <a:r>
-              <a:rPr kumimoji="1" lang="ko-KR" altLang="en-US" dirty="0" err="1"/>
-              <a:t>심각한증상</a:t>
-            </a:r>
-            <a:br>
-              <a:rPr kumimoji="1" lang="en-US" altLang="ko-KR" dirty="0"/>
-            </a:br>
-            <a:r>
-              <a:rPr kumimoji="1" lang="ko-KR" altLang="en-US" dirty="0"/>
-              <a:t>   </a:t>
-            </a:r>
-            <a:r>
-              <a:rPr kumimoji="1" lang="en-US" altLang="ko-KR" dirty="0"/>
-              <a:t>&gt;&gt;</a:t>
-            </a:r>
-            <a:r>
-              <a:rPr kumimoji="1" lang="ko-KR" altLang="en-US" dirty="0"/>
-              <a:t> 호흡곤란</a:t>
-            </a:r>
-            <a:r>
-              <a:rPr kumimoji="1" lang="en-US" altLang="ko-KR" dirty="0"/>
-              <a:t>,</a:t>
-            </a:r>
-            <a:r>
-              <a:rPr kumimoji="1" lang="ko-KR" altLang="en-US" dirty="0"/>
-              <a:t> 가슴통증</a:t>
-            </a:r>
-            <a:r>
-              <a:rPr kumimoji="1" lang="en-US" altLang="ko-KR" dirty="0"/>
-              <a:t>,</a:t>
-            </a:r>
-            <a:r>
-              <a:rPr kumimoji="1" lang="ko-KR" altLang="en-US" dirty="0"/>
-              <a:t> 언어</a:t>
-            </a:r>
-            <a:r>
-              <a:rPr kumimoji="1" lang="en-US" altLang="ko-KR" dirty="0"/>
-              <a:t>/</a:t>
-            </a:r>
-            <a:r>
-              <a:rPr kumimoji="1" lang="ko-KR" altLang="en-US" dirty="0"/>
-              <a:t>운동장애</a:t>
-            </a:r>
-            <a:endParaRPr kumimoji="1" lang="en-US" altLang="ko-KR" dirty="0"/>
-          </a:p>
-        </p:txBody>
-      </p:sp>
-    </p:spTree>
-    <p:extLst>
-      <p:ext uri="{BB962C8B-B14F-4D97-AF65-F5344CB8AC3E}">
-        <p14:creationId xmlns:p14="http://schemas.microsoft.com/office/powerpoint/2010/main" val="3633692484"/>
-      </p:ext>
-    </p:extLst>
-  </p:cSld>
-  <p:clrMapOvr>
-    <a:masterClrMapping/>
-  </p:clrMapOvr>
-</p:sld>
-</file>
-
 <file path=ppt/slides/slide16.xml><?xml version="1.0" encoding="utf-8"?>
 <p:sld xmlns:a="http://schemas.openxmlformats.org/drawingml/2006/main" xmlns:r="http://schemas.openxmlformats.org/officeDocument/2006/relationships" xmlns:p="http://schemas.openxmlformats.org/presentationml/2006/main">
   <p:cSld>
@@ -18533,7 +20109,7 @@
                   </a:schemeClr>
                 </a:solidFill>
               </a:rPr>
-              <a:t>환자 질환 순위</a:t>
+              <a:t>환자 질병 순위</a:t>
             </a:r>
             <a:endParaRPr lang="en-US" altLang="ko-KR" b="1" dirty="0">
               <a:solidFill>
@@ -18694,6 +20270,512 @@
               <a:rPr lang="en-US" smtClean="0"/>
               <a:pPr/>
               <a:t>16</a:t>
+            </a:fld>
+            <a:endParaRPr lang="en-US" dirty="0"/>
+          </a:p>
+        </p:txBody>
+      </p:sp>
+      <p:sp>
+        <p:nvSpPr>
+          <p:cNvPr id="3" name="TextBox 2">
+            <a:extLst>
+              <a:ext uri="{FF2B5EF4-FFF2-40B4-BE49-F238E27FC236}">
+                <a16:creationId xmlns:a16="http://schemas.microsoft.com/office/drawing/2014/main" id="{250CFFF7-3098-E84B-9A95-537C947CFCA7}"/>
+              </a:ext>
+            </a:extLst>
+          </p:cNvPr>
+          <p:cNvSpPr txBox="1"/>
+          <p:nvPr/>
+        </p:nvSpPr>
+        <p:spPr>
+          <a:xfrm>
+            <a:off x="4568259" y="760021"/>
+            <a:ext cx="7042552" cy="3139321"/>
+          </a:xfrm>
+          <a:prstGeom prst="rect">
+            <a:avLst/>
+          </a:prstGeom>
+          <a:noFill/>
+        </p:spPr>
+        <p:txBody>
+          <a:bodyPr wrap="square" rtlCol="0">
+            <a:spAutoFit/>
+          </a:bodyPr>
+          <a:lstStyle/>
+          <a:p>
+            <a:r>
+              <a:rPr kumimoji="1" lang="ko-KR" altLang="en-US" dirty="0"/>
+              <a:t>코로나 대표 증상</a:t>
+            </a:r>
+            <a:endParaRPr kumimoji="1" lang="en-US" altLang="ko-KR" dirty="0"/>
+          </a:p>
+          <a:p>
+            <a:endParaRPr kumimoji="1" lang="en-US" altLang="ko-KR" dirty="0"/>
+          </a:p>
+          <a:p>
+            <a:r>
+              <a:rPr kumimoji="1" lang="en-US" altLang="ko-KR" dirty="0"/>
+              <a:t>1.</a:t>
+            </a:r>
+            <a:r>
+              <a:rPr kumimoji="1" lang="ko-KR" altLang="en-US" dirty="0"/>
+              <a:t> 공통 </a:t>
+            </a:r>
+            <a:br>
+              <a:rPr kumimoji="1" lang="en-US" altLang="ko-KR" dirty="0"/>
+            </a:br>
+            <a:r>
+              <a:rPr kumimoji="1" lang="ko-KR" altLang="en-US" dirty="0"/>
+              <a:t>   </a:t>
+            </a:r>
+            <a:r>
+              <a:rPr kumimoji="1" lang="en-US" altLang="ko-KR" dirty="0"/>
+              <a:t>&gt;&gt;</a:t>
+            </a:r>
+            <a:r>
+              <a:rPr kumimoji="1" lang="ko-KR" altLang="en-US" dirty="0"/>
+              <a:t> 발열</a:t>
+            </a:r>
+            <a:r>
+              <a:rPr kumimoji="1" lang="en-US" altLang="ko-KR" dirty="0"/>
+              <a:t>,</a:t>
+            </a:r>
+            <a:r>
+              <a:rPr kumimoji="1" lang="ko-KR" altLang="en-US" dirty="0"/>
+              <a:t> 마른기침</a:t>
+            </a:r>
+            <a:r>
+              <a:rPr kumimoji="1" lang="en-US" altLang="ko-KR" dirty="0"/>
+              <a:t>,</a:t>
+            </a:r>
+            <a:r>
+              <a:rPr kumimoji="1" lang="ko-KR" altLang="en-US" dirty="0"/>
+              <a:t> 피로감</a:t>
+            </a:r>
+            <a:endParaRPr kumimoji="1" lang="en-US" altLang="ko-KR" dirty="0"/>
+          </a:p>
+          <a:p>
+            <a:endParaRPr kumimoji="1" lang="en-US" altLang="ko-KR" dirty="0"/>
+          </a:p>
+          <a:p>
+            <a:r>
+              <a:rPr kumimoji="1" lang="en-US" altLang="ko-KR" dirty="0"/>
+              <a:t>2.</a:t>
+            </a:r>
+            <a:r>
+              <a:rPr kumimoji="1" lang="ko-KR" altLang="en-US" dirty="0"/>
+              <a:t> 드물지만 나타나는 현상</a:t>
+            </a:r>
+            <a:br>
+              <a:rPr kumimoji="1" lang="en-US" altLang="ko-KR" dirty="0"/>
+            </a:br>
+            <a:r>
+              <a:rPr kumimoji="1" lang="ko-KR" altLang="en-US" dirty="0"/>
+              <a:t>   </a:t>
+            </a:r>
+            <a:r>
+              <a:rPr kumimoji="1" lang="en-US" altLang="ko-KR" dirty="0"/>
+              <a:t>&gt;&gt;</a:t>
+            </a:r>
+            <a:r>
+              <a:rPr kumimoji="1" lang="ko-KR" altLang="en-US" dirty="0"/>
+              <a:t>몸살</a:t>
+            </a:r>
+            <a:r>
+              <a:rPr kumimoji="1" lang="en-US" altLang="ko-KR" dirty="0"/>
+              <a:t>,</a:t>
+            </a:r>
+            <a:r>
+              <a:rPr kumimoji="1" lang="ko-KR" altLang="en-US" dirty="0"/>
+              <a:t> </a:t>
+            </a:r>
+            <a:r>
+              <a:rPr kumimoji="1" lang="ko-KR" altLang="en-US" dirty="0" err="1"/>
+              <a:t>인후통</a:t>
+            </a:r>
+            <a:r>
+              <a:rPr kumimoji="1" lang="en-US" altLang="ko-KR" dirty="0"/>
+              <a:t>,</a:t>
+            </a:r>
+            <a:r>
+              <a:rPr kumimoji="1" lang="ko-KR" altLang="en-US" dirty="0"/>
+              <a:t> 설사</a:t>
+            </a:r>
+            <a:r>
+              <a:rPr kumimoji="1" lang="en-US" altLang="ko-KR" dirty="0"/>
+              <a:t>,</a:t>
+            </a:r>
+            <a:r>
+              <a:rPr kumimoji="1" lang="ko-KR" altLang="en-US" dirty="0"/>
+              <a:t> 결막염</a:t>
+            </a:r>
+            <a:r>
+              <a:rPr kumimoji="1" lang="en-US" altLang="ko-KR" dirty="0"/>
+              <a:t>,</a:t>
+            </a:r>
+            <a:r>
+              <a:rPr kumimoji="1" lang="ko-KR" altLang="en-US" dirty="0"/>
+              <a:t> 두통</a:t>
+            </a:r>
+            <a:r>
+              <a:rPr kumimoji="1" lang="en-US" altLang="ko-KR" dirty="0"/>
+              <a:t>,</a:t>
+            </a:r>
+            <a:r>
+              <a:rPr kumimoji="1" lang="ko-KR" altLang="en-US" dirty="0"/>
+              <a:t> 미각 또는 후각 상실</a:t>
+            </a:r>
+            <a:r>
+              <a:rPr kumimoji="1" lang="en-US" altLang="ko-KR" dirty="0"/>
+              <a:t>,</a:t>
+            </a:r>
+            <a:r>
+              <a:rPr kumimoji="1" lang="ko-KR" altLang="en-US" dirty="0"/>
+              <a:t> 피부 발진</a:t>
+            </a:r>
+            <a:r>
+              <a:rPr kumimoji="1" lang="en-US" altLang="ko-KR" dirty="0"/>
+              <a:t>,</a:t>
+            </a:r>
+            <a:r>
+              <a:rPr kumimoji="1" lang="ko-KR" altLang="en-US" dirty="0"/>
+              <a:t> 손가락 또는 발가락 변색</a:t>
+            </a:r>
+            <a:r>
+              <a:rPr kumimoji="1" lang="en-US" altLang="ko-KR" dirty="0"/>
+              <a:t>.</a:t>
+            </a:r>
+          </a:p>
+          <a:p>
+            <a:endParaRPr kumimoji="1" lang="en-US" altLang="ko-KR" dirty="0"/>
+          </a:p>
+          <a:p>
+            <a:r>
+              <a:rPr kumimoji="1" lang="en-US" altLang="ko-KR" dirty="0"/>
+              <a:t>3.</a:t>
+            </a:r>
+            <a:r>
+              <a:rPr kumimoji="1" lang="ko-KR" altLang="en-US" dirty="0"/>
+              <a:t> </a:t>
+            </a:r>
+            <a:r>
+              <a:rPr kumimoji="1" lang="ko-KR" altLang="en-US" dirty="0" err="1"/>
+              <a:t>심각한증상</a:t>
+            </a:r>
+            <a:br>
+              <a:rPr kumimoji="1" lang="en-US" altLang="ko-KR" dirty="0"/>
+            </a:br>
+            <a:r>
+              <a:rPr kumimoji="1" lang="ko-KR" altLang="en-US" dirty="0"/>
+              <a:t>   </a:t>
+            </a:r>
+            <a:r>
+              <a:rPr kumimoji="1" lang="en-US" altLang="ko-KR" dirty="0"/>
+              <a:t>&gt;&gt;</a:t>
+            </a:r>
+            <a:r>
+              <a:rPr kumimoji="1" lang="ko-KR" altLang="en-US" dirty="0"/>
+              <a:t> 호흡곤란</a:t>
+            </a:r>
+            <a:r>
+              <a:rPr kumimoji="1" lang="en-US" altLang="ko-KR" dirty="0"/>
+              <a:t>,</a:t>
+            </a:r>
+            <a:r>
+              <a:rPr kumimoji="1" lang="ko-KR" altLang="en-US" dirty="0"/>
+              <a:t> 가슴통증</a:t>
+            </a:r>
+            <a:r>
+              <a:rPr kumimoji="1" lang="en-US" altLang="ko-KR" dirty="0"/>
+              <a:t>,</a:t>
+            </a:r>
+            <a:r>
+              <a:rPr kumimoji="1" lang="ko-KR" altLang="en-US" dirty="0"/>
+              <a:t> 언어</a:t>
+            </a:r>
+            <a:r>
+              <a:rPr kumimoji="1" lang="en-US" altLang="ko-KR" dirty="0"/>
+              <a:t>/</a:t>
+            </a:r>
+            <a:r>
+              <a:rPr kumimoji="1" lang="ko-KR" altLang="en-US" dirty="0"/>
+              <a:t>운동장애</a:t>
+            </a:r>
+            <a:endParaRPr kumimoji="1" lang="en-US" altLang="ko-KR" dirty="0"/>
+          </a:p>
+        </p:txBody>
+      </p:sp>
+    </p:spTree>
+    <p:extLst>
+      <p:ext uri="{BB962C8B-B14F-4D97-AF65-F5344CB8AC3E}">
+        <p14:creationId xmlns:p14="http://schemas.microsoft.com/office/powerpoint/2010/main" val="3633692484"/>
+      </p:ext>
+    </p:extLst>
+  </p:cSld>
+  <p:clrMapOvr>
+    <a:masterClrMapping/>
+  </p:clrMapOvr>
+</p:sld>
+</file>
+
+<file path=ppt/slides/slide17.xml><?xml version="1.0" encoding="utf-8"?>
+<p:sld xmlns:a="http://schemas.openxmlformats.org/drawingml/2006/main" xmlns:r="http://schemas.openxmlformats.org/officeDocument/2006/relationships" xmlns:p="http://schemas.openxmlformats.org/presentationml/2006/main">
+  <p:cSld>
+    <p:spTree>
+      <p:nvGrpSpPr>
+        <p:cNvPr id="1" name=""/>
+        <p:cNvGrpSpPr/>
+        <p:nvPr/>
+      </p:nvGrpSpPr>
+      <p:grpSpPr>
+        <a:xfrm>
+          <a:off x="0" y="0"/>
+          <a:ext cx="0" cy="0"/>
+          <a:chOff x="0" y="0"/>
+          <a:chExt cx="0" cy="0"/>
+        </a:xfrm>
+      </p:grpSpPr>
+      <p:sp>
+        <p:nvSpPr>
+          <p:cNvPr id="5" name="제목 4">
+            <a:extLst>
+              <a:ext uri="{FF2B5EF4-FFF2-40B4-BE49-F238E27FC236}">
+                <a16:creationId xmlns:a16="http://schemas.microsoft.com/office/drawing/2014/main" id="{C90CD5D6-7C79-42E3-85C3-B793DA10ACEA}"/>
+              </a:ext>
+            </a:extLst>
+          </p:cNvPr>
+          <p:cNvSpPr>
+            <a:spLocks noGrp="1"/>
+          </p:cNvSpPr>
+          <p:nvPr>
+            <p:ph type="title"/>
+          </p:nvPr>
+        </p:nvSpPr>
+        <p:spPr/>
+        <p:txBody>
+          <a:bodyPr>
+            <a:normAutofit/>
+          </a:bodyPr>
+          <a:lstStyle/>
+          <a:p>
+            <a:r>
+              <a:rPr lang="ko-KR" altLang="en-US" dirty="0"/>
+              <a:t>분석 결과</a:t>
+            </a:r>
+            <a:br>
+              <a:rPr lang="en-US" altLang="ko-KR" dirty="0"/>
+            </a:br>
+            <a:r>
+              <a:rPr lang="en-US" altLang="ko-KR" dirty="0"/>
+              <a:t>Visualization</a:t>
+            </a:r>
+            <a:br>
+              <a:rPr lang="en-US" altLang="ko-KR" dirty="0"/>
+            </a:br>
+            <a:r>
+              <a:rPr lang="en-US" altLang="ko-KR" dirty="0"/>
+              <a:t> </a:t>
+            </a:r>
+            <a:br>
+              <a:rPr lang="en-US" altLang="ko-KR" b="1" dirty="0"/>
+            </a:br>
+            <a:endParaRPr lang="ko-KR" altLang="en-US" dirty="0"/>
+          </a:p>
+        </p:txBody>
+      </p:sp>
+      <p:sp>
+        <p:nvSpPr>
+          <p:cNvPr id="7" name="텍스트 개체 틀 6">
+            <a:extLst>
+              <a:ext uri="{FF2B5EF4-FFF2-40B4-BE49-F238E27FC236}">
+                <a16:creationId xmlns:a16="http://schemas.microsoft.com/office/drawing/2014/main" id="{4396C7AC-FDE3-45F7-B3F0-503F79EC6FA0}"/>
+              </a:ext>
+            </a:extLst>
+          </p:cNvPr>
+          <p:cNvSpPr>
+            <a:spLocks noGrp="1"/>
+          </p:cNvSpPr>
+          <p:nvPr>
+            <p:ph type="body" sz="half" idx="2"/>
+          </p:nvPr>
+        </p:nvSpPr>
+        <p:spPr/>
+        <p:txBody>
+          <a:bodyPr/>
+          <a:lstStyle/>
+          <a:p>
+            <a:pPr marL="342900" indent="-342900">
+              <a:buAutoNum type="arabicPeriod"/>
+            </a:pPr>
+            <a:r>
+              <a:rPr lang="ko-KR" altLang="en-US" b="1" dirty="0">
+                <a:solidFill>
+                  <a:schemeClr val="bg2">
+                    <a:lumMod val="75000"/>
+                  </a:schemeClr>
+                </a:solidFill>
+              </a:rPr>
+              <a:t>환자 질병 순위</a:t>
+            </a:r>
+            <a:endParaRPr lang="en-US" altLang="ko-KR" b="1" dirty="0">
+              <a:solidFill>
+                <a:schemeClr val="bg2">
+                  <a:lumMod val="75000"/>
+                </a:schemeClr>
+              </a:solidFill>
+            </a:endParaRPr>
+          </a:p>
+          <a:p>
+            <a:pPr marL="342900" indent="-342900">
+              <a:buAutoNum type="arabicPeriod"/>
+            </a:pPr>
+            <a:r>
+              <a:rPr lang="en-US" altLang="ko-KR" b="1" dirty="0">
+                <a:solidFill>
+                  <a:schemeClr val="bg1"/>
+                </a:solidFill>
+              </a:rPr>
+              <a:t>COVID</a:t>
+            </a:r>
+            <a:r>
+              <a:rPr lang="ko-KR" altLang="en-US" b="1" dirty="0">
+                <a:solidFill>
+                  <a:schemeClr val="bg1"/>
+                </a:solidFill>
+              </a:rPr>
+              <a:t> 증상 </a:t>
+            </a:r>
+            <a:r>
+              <a:rPr lang="en-US" altLang="ko-KR" b="1" dirty="0">
+                <a:solidFill>
+                  <a:schemeClr val="bg1"/>
+                </a:solidFill>
+              </a:rPr>
+              <a:t>20</a:t>
+            </a:r>
+            <a:r>
+              <a:rPr lang="ko-KR" altLang="en-US" b="1" dirty="0">
+                <a:solidFill>
+                  <a:schemeClr val="bg1"/>
+                </a:solidFill>
+              </a:rPr>
+              <a:t>순위</a:t>
+            </a:r>
+            <a:endParaRPr lang="en-US" altLang="ko-KR" b="1" dirty="0">
+              <a:solidFill>
+                <a:schemeClr val="bg1"/>
+              </a:solidFill>
+            </a:endParaRPr>
+          </a:p>
+          <a:p>
+            <a:pPr marL="342900" indent="-342900">
+              <a:buAutoNum type="arabicPeriod"/>
+            </a:pPr>
+            <a:r>
+              <a:rPr lang="en-US" altLang="ko-KR" b="1" dirty="0">
+                <a:solidFill>
+                  <a:schemeClr val="bg2">
+                    <a:lumMod val="75000"/>
+                  </a:schemeClr>
+                </a:solidFill>
+              </a:rPr>
+              <a:t>Visualization</a:t>
+            </a:r>
+          </a:p>
+          <a:p>
+            <a:pPr marL="800100" lvl="1" indent="-342900">
+              <a:buFont typeface="Arial" panose="020B0604020202020204" pitchFamily="34" charset="0"/>
+              <a:buChar char="•"/>
+            </a:pPr>
+            <a:r>
+              <a:rPr lang="en-US" altLang="ko-KR" sz="1600" b="1" dirty="0" err="1">
+                <a:solidFill>
+                  <a:schemeClr val="bg2">
+                    <a:lumMod val="75000"/>
+                  </a:schemeClr>
+                </a:solidFill>
+              </a:rPr>
+              <a:t>WordCount</a:t>
+            </a:r>
+            <a:endParaRPr lang="en-US" altLang="ko-KR" sz="1600" b="1" dirty="0">
+              <a:solidFill>
+                <a:schemeClr val="bg2">
+                  <a:lumMod val="75000"/>
+                </a:schemeClr>
+              </a:solidFill>
+            </a:endParaRPr>
+          </a:p>
+          <a:p>
+            <a:pPr marL="800100" lvl="1" indent="-342900">
+              <a:buFont typeface="Arial" panose="020B0604020202020204" pitchFamily="34" charset="0"/>
+              <a:buChar char="•"/>
+            </a:pPr>
+            <a:r>
+              <a:rPr lang="ko-KR" altLang="en-US" sz="1600" b="1" dirty="0">
+                <a:solidFill>
+                  <a:schemeClr val="bg2">
+                    <a:lumMod val="75000"/>
+                  </a:schemeClr>
+                </a:solidFill>
+              </a:rPr>
+              <a:t>증상 빈도</a:t>
+            </a:r>
+            <a:endParaRPr lang="en-US" altLang="ko-KR" sz="1600" b="1" dirty="0">
+              <a:solidFill>
+                <a:schemeClr val="bg2">
+                  <a:lumMod val="75000"/>
+                </a:schemeClr>
+              </a:solidFill>
+            </a:endParaRPr>
+          </a:p>
+          <a:p>
+            <a:pPr marL="800100" lvl="1" indent="-342900">
+              <a:buFont typeface="Arial" panose="020B0604020202020204" pitchFamily="34" charset="0"/>
+              <a:buChar char="•"/>
+            </a:pPr>
+            <a:r>
+              <a:rPr lang="ko-KR" altLang="en-US" sz="1600" b="1" dirty="0">
+                <a:solidFill>
+                  <a:schemeClr val="bg2">
+                    <a:lumMod val="75000"/>
+                  </a:schemeClr>
+                </a:solidFill>
+              </a:rPr>
+              <a:t>증상 연관도</a:t>
+            </a:r>
+          </a:p>
+        </p:txBody>
+      </p:sp>
+      <p:sp>
+        <p:nvSpPr>
+          <p:cNvPr id="6" name="슬라이드 번호 개체 틀 5">
+            <a:extLst>
+              <a:ext uri="{FF2B5EF4-FFF2-40B4-BE49-F238E27FC236}">
+                <a16:creationId xmlns:a16="http://schemas.microsoft.com/office/drawing/2014/main" id="{07715230-E573-4CE3-BA61-7C131AF19F7C}"/>
+              </a:ext>
+            </a:extLst>
+          </p:cNvPr>
+          <p:cNvSpPr>
+            <a:spLocks noGrp="1"/>
+          </p:cNvSpPr>
+          <p:nvPr>
+            <p:ph type="sldNum" sz="quarter" idx="4"/>
+          </p:nvPr>
+        </p:nvSpPr>
+        <p:spPr>
+          <a:xfrm>
+            <a:off x="10558300" y="6456916"/>
+            <a:ext cx="1052510" cy="365125"/>
+          </a:xfrm>
+        </p:spPr>
+        <p:txBody>
+          <a:bodyPr/>
+          <a:lstStyle/>
+          <a:p>
+            <a:fld id="{3A98EE3D-8CD1-4C3F-BD1C-C98C9596463C}" type="slidenum">
+              <a:rPr lang="en-US" smtClean="0"/>
+              <a:pPr/>
+              <a:t>17</a:t>
             </a:fld>
             <a:endParaRPr lang="en-US" dirty="0"/>
           </a:p>
@@ -22634,7 +24716,7 @@
 </p:sld>
 </file>
 
-<file path=ppt/slides/slide17.xml><?xml version="1.0" encoding="utf-8"?>
+<file path=ppt/slides/slide18.xml><?xml version="1.0" encoding="utf-8"?>
 <p:sld xmlns:a="http://schemas.openxmlformats.org/drawingml/2006/main" xmlns:r="http://schemas.openxmlformats.org/officeDocument/2006/relationships" xmlns:p="http://schemas.openxmlformats.org/presentationml/2006/main">
   <p:cSld>
     <p:spTree>
@@ -22731,7 +24813,7 @@
                   </a:schemeClr>
                 </a:solidFill>
               </a:rPr>
-              <a:t>환자 질환 순위</a:t>
+              <a:t>환자 질병 순위</a:t>
             </a:r>
             <a:endParaRPr lang="en-US" altLang="ko-KR" b="1" dirty="0">
               <a:solidFill>
@@ -22895,7 +24977,7 @@
             <a:fld id="{3A98EE3D-8CD1-4C3F-BD1C-C98C9596463C}" type="slidenum">
               <a:rPr lang="en-US" smtClean="0"/>
               <a:pPr/>
-              <a:t>17</a:t>
+              <a:t>18</a:t>
             </a:fld>
             <a:endParaRPr lang="en-US" dirty="0"/>
           </a:p>
@@ -22961,7 +25043,7 @@
 </p:sld>
 </file>
 
-<file path=ppt/slides/slide18.xml><?xml version="1.0" encoding="utf-8"?>
+<file path=ppt/slides/slide19.xml><?xml version="1.0" encoding="utf-8"?>
 <p:sld xmlns:a="http://schemas.openxmlformats.org/drawingml/2006/main" xmlns:r="http://schemas.openxmlformats.org/officeDocument/2006/relationships" xmlns:p="http://schemas.openxmlformats.org/presentationml/2006/main">
   <p:cSld>
     <p:spTree>
@@ -23058,7 +25140,7 @@
                   </a:schemeClr>
                 </a:solidFill>
               </a:rPr>
-              <a:t>환자 질환 순위</a:t>
+              <a:t>환자 질병 순위</a:t>
             </a:r>
             <a:endParaRPr lang="en-US" altLang="ko-KR" b="1" dirty="0">
               <a:solidFill>
@@ -23224,7 +25306,7 @@
             <a:fld id="{3A98EE3D-8CD1-4C3F-BD1C-C98C9596463C}" type="slidenum">
               <a:rPr lang="en-US" smtClean="0"/>
               <a:pPr/>
-              <a:t>18</a:t>
+              <a:t>19</a:t>
             </a:fld>
             <a:endParaRPr lang="en-US" dirty="0"/>
           </a:p>
@@ -23270,324 +25352,6 @@
     <p:extLst>
       <p:ext uri="{BB962C8B-B14F-4D97-AF65-F5344CB8AC3E}">
         <p14:creationId xmlns:p14="http://schemas.microsoft.com/office/powerpoint/2010/main" val="1747492667"/>
-      </p:ext>
-    </p:extLst>
-  </p:cSld>
-  <p:clrMapOvr>
-    <a:masterClrMapping/>
-  </p:clrMapOvr>
-</p:sld>
-</file>
-
-<file path=ppt/slides/slide19.xml><?xml version="1.0" encoding="utf-8"?>
-<p:sld xmlns:a="http://schemas.openxmlformats.org/drawingml/2006/main" xmlns:r="http://schemas.openxmlformats.org/officeDocument/2006/relationships" xmlns:p="http://schemas.openxmlformats.org/presentationml/2006/main">
-  <p:cSld>
-    <p:spTree>
-      <p:nvGrpSpPr>
-        <p:cNvPr id="1" name=""/>
-        <p:cNvGrpSpPr/>
-        <p:nvPr/>
-      </p:nvGrpSpPr>
-      <p:grpSpPr>
-        <a:xfrm>
-          <a:off x="0" y="0"/>
-          <a:ext cx="0" cy="0"/>
-          <a:chOff x="0" y="0"/>
-          <a:chExt cx="0" cy="0"/>
-        </a:xfrm>
-      </p:grpSpPr>
-      <p:sp>
-        <p:nvSpPr>
-          <p:cNvPr id="5" name="제목 4">
-            <a:extLst>
-              <a:ext uri="{FF2B5EF4-FFF2-40B4-BE49-F238E27FC236}">
-                <a16:creationId xmlns:a16="http://schemas.microsoft.com/office/drawing/2014/main" id="{C90CD5D6-7C79-42E3-85C3-B793DA10ACEA}"/>
-              </a:ext>
-            </a:extLst>
-          </p:cNvPr>
-          <p:cNvSpPr>
-            <a:spLocks noGrp="1"/>
-          </p:cNvSpPr>
-          <p:nvPr>
-            <p:ph type="title"/>
-          </p:nvPr>
-        </p:nvSpPr>
-        <p:spPr/>
-        <p:txBody>
-          <a:bodyPr>
-            <a:normAutofit/>
-          </a:bodyPr>
-          <a:lstStyle/>
-          <a:p>
-            <a:r>
-              <a:rPr lang="ko-KR" altLang="en-US" dirty="0"/>
-              <a:t>분석 결과</a:t>
-            </a:r>
-            <a:br>
-              <a:rPr lang="en-US" altLang="ko-KR" dirty="0"/>
-            </a:br>
-            <a:r>
-              <a:rPr lang="en-US" altLang="ko-KR" dirty="0"/>
-              <a:t>Visualization</a:t>
-            </a:r>
-            <a:br>
-              <a:rPr lang="en-US" altLang="ko-KR" dirty="0"/>
-            </a:br>
-            <a:r>
-              <a:rPr lang="en-US" altLang="ko-KR" dirty="0"/>
-              <a:t> </a:t>
-            </a:r>
-            <a:br>
-              <a:rPr lang="en-US" altLang="ko-KR" b="1" dirty="0"/>
-            </a:br>
-            <a:endParaRPr lang="ko-KR" altLang="en-US" dirty="0"/>
-          </a:p>
-        </p:txBody>
-      </p:sp>
-      <p:sp>
-        <p:nvSpPr>
-          <p:cNvPr id="7" name="텍스트 개체 틀 6">
-            <a:extLst>
-              <a:ext uri="{FF2B5EF4-FFF2-40B4-BE49-F238E27FC236}">
-                <a16:creationId xmlns:a16="http://schemas.microsoft.com/office/drawing/2014/main" id="{4396C7AC-FDE3-45F7-B3F0-503F79EC6FA0}"/>
-              </a:ext>
-            </a:extLst>
-          </p:cNvPr>
-          <p:cNvSpPr>
-            <a:spLocks noGrp="1"/>
-          </p:cNvSpPr>
-          <p:nvPr>
-            <p:ph type="body" sz="half" idx="2"/>
-          </p:nvPr>
-        </p:nvSpPr>
-        <p:spPr/>
-        <p:txBody>
-          <a:bodyPr/>
-          <a:lstStyle/>
-          <a:p>
-            <a:pPr marL="342900" indent="-342900">
-              <a:buAutoNum type="arabicPeriod"/>
-            </a:pPr>
-            <a:r>
-              <a:rPr lang="ko-KR" altLang="en-US" b="1" dirty="0">
-                <a:solidFill>
-                  <a:schemeClr val="bg2">
-                    <a:lumMod val="75000"/>
-                  </a:schemeClr>
-                </a:solidFill>
-              </a:rPr>
-              <a:t>환자 질환 순위</a:t>
-            </a:r>
-            <a:endParaRPr lang="en-US" altLang="ko-KR" b="1" dirty="0">
-              <a:solidFill>
-                <a:schemeClr val="bg2">
-                  <a:lumMod val="75000"/>
-                </a:schemeClr>
-              </a:solidFill>
-            </a:endParaRPr>
-          </a:p>
-          <a:p>
-            <a:pPr marL="342900" indent="-342900">
-              <a:buAutoNum type="arabicPeriod"/>
-            </a:pPr>
-            <a:r>
-              <a:rPr lang="en-US" altLang="ko-KR" b="1" dirty="0">
-                <a:solidFill>
-                  <a:schemeClr val="bg2">
-                    <a:lumMod val="75000"/>
-                  </a:schemeClr>
-                </a:solidFill>
-              </a:rPr>
-              <a:t>COVID</a:t>
-            </a:r>
-            <a:r>
-              <a:rPr lang="ko-KR" altLang="en-US" b="1" dirty="0">
-                <a:solidFill>
-                  <a:schemeClr val="bg2">
-                    <a:lumMod val="75000"/>
-                  </a:schemeClr>
-                </a:solidFill>
-              </a:rPr>
-              <a:t> 증상 </a:t>
-            </a:r>
-            <a:r>
-              <a:rPr lang="en-US" altLang="ko-KR" b="1" dirty="0">
-                <a:solidFill>
-                  <a:schemeClr val="bg2">
-                    <a:lumMod val="75000"/>
-                  </a:schemeClr>
-                </a:solidFill>
-              </a:rPr>
-              <a:t>20</a:t>
-            </a:r>
-            <a:r>
-              <a:rPr lang="ko-KR" altLang="en-US" b="1" dirty="0">
-                <a:solidFill>
-                  <a:schemeClr val="bg2">
-                    <a:lumMod val="75000"/>
-                  </a:schemeClr>
-                </a:solidFill>
-              </a:rPr>
-              <a:t>순위</a:t>
-            </a:r>
-            <a:endParaRPr lang="en-US" altLang="ko-KR" b="1" dirty="0">
-              <a:solidFill>
-                <a:schemeClr val="bg2">
-                  <a:lumMod val="75000"/>
-                </a:schemeClr>
-              </a:solidFill>
-            </a:endParaRPr>
-          </a:p>
-          <a:p>
-            <a:pPr marL="342900" indent="-342900">
-              <a:buAutoNum type="arabicPeriod"/>
-            </a:pPr>
-            <a:r>
-              <a:rPr lang="en-US" altLang="ko-KR" b="1" dirty="0">
-                <a:solidFill>
-                  <a:schemeClr val="bg1"/>
-                </a:solidFill>
-              </a:rPr>
-              <a:t>Visualization</a:t>
-            </a:r>
-          </a:p>
-          <a:p>
-            <a:pPr marL="800100" lvl="1" indent="-342900">
-              <a:buFont typeface="Arial" panose="020B0604020202020204" pitchFamily="34" charset="0"/>
-              <a:buChar char="•"/>
-            </a:pPr>
-            <a:r>
-              <a:rPr lang="en-US" altLang="ko-KR" sz="1600" b="1" dirty="0" err="1">
-                <a:solidFill>
-                  <a:schemeClr val="bg2">
-                    <a:lumMod val="75000"/>
-                  </a:schemeClr>
-                </a:solidFill>
-              </a:rPr>
-              <a:t>WordCount</a:t>
-            </a:r>
-            <a:endParaRPr lang="en-US" altLang="ko-KR" sz="1600" b="1" dirty="0">
-              <a:solidFill>
-                <a:schemeClr val="bg2">
-                  <a:lumMod val="75000"/>
-                </a:schemeClr>
-              </a:solidFill>
-            </a:endParaRPr>
-          </a:p>
-          <a:p>
-            <a:pPr marL="800100" lvl="1" indent="-342900">
-              <a:buFont typeface="Arial" panose="020B0604020202020204" pitchFamily="34" charset="0"/>
-              <a:buChar char="•"/>
-            </a:pPr>
-            <a:r>
-              <a:rPr lang="ko-KR" altLang="en-US" sz="1600" b="1" dirty="0">
-                <a:solidFill>
-                  <a:schemeClr val="bg2">
-                    <a:lumMod val="75000"/>
-                  </a:schemeClr>
-                </a:solidFill>
-              </a:rPr>
-              <a:t>증상 빈도</a:t>
-            </a:r>
-            <a:endParaRPr lang="en-US" altLang="ko-KR" sz="1600" b="1" dirty="0">
-              <a:solidFill>
-                <a:schemeClr val="bg2">
-                  <a:lumMod val="75000"/>
-                </a:schemeClr>
-              </a:solidFill>
-            </a:endParaRPr>
-          </a:p>
-          <a:p>
-            <a:pPr marL="800100" lvl="1" indent="-342900">
-              <a:buFont typeface="Arial" panose="020B0604020202020204" pitchFamily="34" charset="0"/>
-              <a:buChar char="•"/>
-            </a:pPr>
-            <a:r>
-              <a:rPr lang="ko-KR" altLang="en-US" sz="1600" b="1" dirty="0">
-                <a:solidFill>
-                  <a:schemeClr val="bg1"/>
-                </a:solidFill>
-              </a:rPr>
-              <a:t>증상 연관도</a:t>
-            </a:r>
-          </a:p>
-        </p:txBody>
-      </p:sp>
-      <p:sp>
-        <p:nvSpPr>
-          <p:cNvPr id="6" name="슬라이드 번호 개체 틀 5">
-            <a:extLst>
-              <a:ext uri="{FF2B5EF4-FFF2-40B4-BE49-F238E27FC236}">
-                <a16:creationId xmlns:a16="http://schemas.microsoft.com/office/drawing/2014/main" id="{07715230-E573-4CE3-BA61-7C131AF19F7C}"/>
-              </a:ext>
-            </a:extLst>
-          </p:cNvPr>
-          <p:cNvSpPr>
-            <a:spLocks noGrp="1"/>
-          </p:cNvSpPr>
-          <p:nvPr>
-            <p:ph type="sldNum" sz="quarter" idx="4"/>
-          </p:nvPr>
-        </p:nvSpPr>
-        <p:spPr>
-          <a:xfrm>
-            <a:off x="10558300" y="6456916"/>
-            <a:ext cx="1052510" cy="365125"/>
-          </a:xfrm>
-        </p:spPr>
-        <p:txBody>
-          <a:bodyPr/>
-          <a:lstStyle/>
-          <a:p>
-            <a:fld id="{3A98EE3D-8CD1-4C3F-BD1C-C98C9596463C}" type="slidenum">
-              <a:rPr lang="en-US" smtClean="0"/>
-              <a:pPr/>
-              <a:t>19</a:t>
-            </a:fld>
-            <a:endParaRPr lang="en-US" dirty="0"/>
-          </a:p>
-        </p:txBody>
-      </p:sp>
-      <p:pic>
-        <p:nvPicPr>
-          <p:cNvPr id="4" name="그림 3">
-            <a:extLst>
-              <a:ext uri="{FF2B5EF4-FFF2-40B4-BE49-F238E27FC236}">
-                <a16:creationId xmlns:a16="http://schemas.microsoft.com/office/drawing/2014/main" id="{59916F61-36D8-420B-AA4B-108301334233}"/>
-              </a:ext>
-            </a:extLst>
-          </p:cNvPr>
-          <p:cNvPicPr>
-            <a:picLocks noChangeAspect="1"/>
-          </p:cNvPicPr>
-          <p:nvPr/>
-        </p:nvPicPr>
-        <p:blipFill>
-          <a:blip r:embed="rId2">
-            <a:extLst>
-              <a:ext uri="{28A0092B-C50C-407E-A947-70E740481C1C}">
-                <a14:useLocalDpi xmlns:a14="http://schemas.microsoft.com/office/drawing/2010/main" val="0"/>
-              </a:ext>
-            </a:extLst>
-          </a:blip>
-          <a:stretch>
-            <a:fillRect/>
-          </a:stretch>
-        </p:blipFill>
-        <p:spPr>
-          <a:xfrm>
-            <a:off x="4937740" y="731520"/>
-            <a:ext cx="5804465" cy="5608320"/>
-          </a:xfrm>
-          <a:prstGeom prst="rect">
-            <a:avLst/>
-          </a:prstGeom>
-        </p:spPr>
-      </p:pic>
-    </p:spTree>
-    <p:extLst>
-      <p:ext uri="{BB962C8B-B14F-4D97-AF65-F5344CB8AC3E}">
-        <p14:creationId xmlns:p14="http://schemas.microsoft.com/office/powerpoint/2010/main" val="2689977667"/>
       </p:ext>
     </p:extLst>
   </p:cSld>
@@ -24014,7 +25778,7 @@
                   </a:schemeClr>
                 </a:solidFill>
               </a:rPr>
-              <a:t>환자 질환 순위</a:t>
+              <a:t>환자 질병 순위</a:t>
             </a:r>
             <a:endParaRPr lang="en-US" altLang="ko-KR" b="1" dirty="0">
               <a:solidFill>
@@ -24191,6 +25955,72 @@
           <p:cNvPr id="4" name="그림 3">
             <a:extLst>
               <a:ext uri="{FF2B5EF4-FFF2-40B4-BE49-F238E27FC236}">
+                <a16:creationId xmlns:a16="http://schemas.microsoft.com/office/drawing/2014/main" id="{59916F61-36D8-420B-AA4B-108301334233}"/>
+              </a:ext>
+            </a:extLst>
+          </p:cNvPr>
+          <p:cNvPicPr>
+            <a:picLocks noChangeAspect="1"/>
+          </p:cNvPicPr>
+          <p:nvPr/>
+        </p:nvPicPr>
+        <p:blipFill>
+          <a:blip r:embed="rId2">
+            <a:extLst>
+              <a:ext uri="{28A0092B-C50C-407E-A947-70E740481C1C}">
+                <a14:useLocalDpi xmlns:a14="http://schemas.microsoft.com/office/drawing/2010/main" val="0"/>
+              </a:ext>
+            </a:extLst>
+          </a:blip>
+          <a:stretch>
+            <a:fillRect/>
+          </a:stretch>
+        </p:blipFill>
+        <p:spPr>
+          <a:xfrm>
+            <a:off x="4754880" y="554839"/>
+            <a:ext cx="5987325" cy="5785001"/>
+          </a:xfrm>
+          <a:prstGeom prst="rect">
+            <a:avLst/>
+          </a:prstGeom>
+        </p:spPr>
+      </p:pic>
+    </p:spTree>
+    <p:extLst>
+      <p:ext uri="{BB962C8B-B14F-4D97-AF65-F5344CB8AC3E}">
+        <p14:creationId xmlns:p14="http://schemas.microsoft.com/office/powerpoint/2010/main" val="2689977667"/>
+      </p:ext>
+    </p:extLst>
+  </p:cSld>
+  <p:clrMapOvr>
+    <a:masterClrMapping/>
+  </p:clrMapOvr>
+</p:sld>
+</file>
+
+<file path=ppt/slides/slide21.xml><?xml version="1.0" encoding="utf-8"?>
+<p:sld xmlns:a="http://schemas.openxmlformats.org/drawingml/2006/main" xmlns:r="http://schemas.openxmlformats.org/officeDocument/2006/relationships" xmlns:p="http://schemas.openxmlformats.org/presentationml/2006/main">
+  <p:cSld>
+    <p:spTree>
+      <p:nvGrpSpPr>
+        <p:cNvPr id="1" name=""/>
+        <p:cNvGrpSpPr/>
+        <p:nvPr/>
+      </p:nvGrpSpPr>
+      <p:grpSpPr>
+        <a:xfrm>
+          <a:off x="0" y="0"/>
+          <a:ext cx="0" cy="0"/>
+          <a:chOff x="0" y="0"/>
+          <a:chExt cx="0" cy="0"/>
+        </a:xfrm>
+      </p:grpSpPr>
+      <p:pic>
+        <p:nvPicPr>
+          <p:cNvPr id="4" name="그림 3">
+            <a:extLst>
+              <a:ext uri="{FF2B5EF4-FFF2-40B4-BE49-F238E27FC236}">
                 <a16:creationId xmlns:a16="http://schemas.microsoft.com/office/drawing/2014/main" id="{7D1ECCCE-9F6B-4844-9D61-615512115CBD}"/>
               </a:ext>
             </a:extLst>
@@ -24214,14 +26044,266 @@
         </p:blipFill>
         <p:spPr>
           <a:xfrm>
-            <a:off x="4373880" y="643319"/>
-            <a:ext cx="6534940" cy="5571362"/>
+            <a:off x="4305728" y="585216"/>
+            <a:ext cx="6758512" cy="5761968"/>
           </a:xfrm>
           <a:prstGeom prst="rect">
             <a:avLst/>
           </a:prstGeom>
         </p:spPr>
       </p:pic>
+      <p:sp>
+        <p:nvSpPr>
+          <p:cNvPr id="5" name="제목 4">
+            <a:extLst>
+              <a:ext uri="{FF2B5EF4-FFF2-40B4-BE49-F238E27FC236}">
+                <a16:creationId xmlns:a16="http://schemas.microsoft.com/office/drawing/2014/main" id="{C90CD5D6-7C79-42E3-85C3-B793DA10ACEA}"/>
+              </a:ext>
+            </a:extLst>
+          </p:cNvPr>
+          <p:cNvSpPr>
+            <a:spLocks noGrp="1"/>
+          </p:cNvSpPr>
+          <p:nvPr>
+            <p:ph type="title"/>
+          </p:nvPr>
+        </p:nvSpPr>
+        <p:spPr/>
+        <p:txBody>
+          <a:bodyPr>
+            <a:normAutofit/>
+          </a:bodyPr>
+          <a:lstStyle/>
+          <a:p>
+            <a:r>
+              <a:rPr lang="ko-KR" altLang="en-US" dirty="0"/>
+              <a:t>분석 결과</a:t>
+            </a:r>
+            <a:br>
+              <a:rPr lang="en-US" altLang="ko-KR" dirty="0"/>
+            </a:br>
+            <a:r>
+              <a:rPr lang="en-US" altLang="ko-KR" dirty="0"/>
+              <a:t>Visualization</a:t>
+            </a:r>
+            <a:br>
+              <a:rPr lang="en-US" altLang="ko-KR" dirty="0"/>
+            </a:br>
+            <a:r>
+              <a:rPr lang="en-US" altLang="ko-KR" dirty="0"/>
+              <a:t> </a:t>
+            </a:r>
+            <a:br>
+              <a:rPr lang="en-US" altLang="ko-KR" b="1" dirty="0"/>
+            </a:br>
+            <a:endParaRPr lang="ko-KR" altLang="en-US" dirty="0"/>
+          </a:p>
+        </p:txBody>
+      </p:sp>
+      <p:sp>
+        <p:nvSpPr>
+          <p:cNvPr id="7" name="텍스트 개체 틀 6">
+            <a:extLst>
+              <a:ext uri="{FF2B5EF4-FFF2-40B4-BE49-F238E27FC236}">
+                <a16:creationId xmlns:a16="http://schemas.microsoft.com/office/drawing/2014/main" id="{4396C7AC-FDE3-45F7-B3F0-503F79EC6FA0}"/>
+              </a:ext>
+            </a:extLst>
+          </p:cNvPr>
+          <p:cNvSpPr>
+            <a:spLocks noGrp="1"/>
+          </p:cNvSpPr>
+          <p:nvPr>
+            <p:ph type="body" sz="half" idx="2"/>
+          </p:nvPr>
+        </p:nvSpPr>
+        <p:spPr/>
+        <p:txBody>
+          <a:bodyPr/>
+          <a:lstStyle/>
+          <a:p>
+            <a:pPr marL="342900" indent="-342900">
+              <a:buAutoNum type="arabicPeriod"/>
+            </a:pPr>
+            <a:r>
+              <a:rPr lang="ko-KR" altLang="en-US" b="1" dirty="0">
+                <a:solidFill>
+                  <a:schemeClr val="bg2">
+                    <a:lumMod val="75000"/>
+                  </a:schemeClr>
+                </a:solidFill>
+              </a:rPr>
+              <a:t>환자 질병 순위</a:t>
+            </a:r>
+            <a:endParaRPr lang="en-US" altLang="ko-KR" b="1" dirty="0">
+              <a:solidFill>
+                <a:schemeClr val="bg2">
+                  <a:lumMod val="75000"/>
+                </a:schemeClr>
+              </a:solidFill>
+            </a:endParaRPr>
+          </a:p>
+          <a:p>
+            <a:pPr marL="342900" indent="-342900">
+              <a:buAutoNum type="arabicPeriod"/>
+            </a:pPr>
+            <a:r>
+              <a:rPr lang="en-US" altLang="ko-KR" b="1" dirty="0">
+                <a:solidFill>
+                  <a:schemeClr val="bg2">
+                    <a:lumMod val="75000"/>
+                  </a:schemeClr>
+                </a:solidFill>
+              </a:rPr>
+              <a:t>COVID</a:t>
+            </a:r>
+            <a:r>
+              <a:rPr lang="ko-KR" altLang="en-US" b="1" dirty="0">
+                <a:solidFill>
+                  <a:schemeClr val="bg2">
+                    <a:lumMod val="75000"/>
+                  </a:schemeClr>
+                </a:solidFill>
+              </a:rPr>
+              <a:t> 증상 </a:t>
+            </a:r>
+            <a:r>
+              <a:rPr lang="en-US" altLang="ko-KR" b="1" dirty="0">
+                <a:solidFill>
+                  <a:schemeClr val="bg2">
+                    <a:lumMod val="75000"/>
+                  </a:schemeClr>
+                </a:solidFill>
+              </a:rPr>
+              <a:t>20</a:t>
+            </a:r>
+            <a:r>
+              <a:rPr lang="ko-KR" altLang="en-US" b="1" dirty="0">
+                <a:solidFill>
+                  <a:schemeClr val="bg2">
+                    <a:lumMod val="75000"/>
+                  </a:schemeClr>
+                </a:solidFill>
+              </a:rPr>
+              <a:t>순위</a:t>
+            </a:r>
+            <a:endParaRPr lang="en-US" altLang="ko-KR" b="1" dirty="0">
+              <a:solidFill>
+                <a:schemeClr val="bg2">
+                  <a:lumMod val="75000"/>
+                </a:schemeClr>
+              </a:solidFill>
+            </a:endParaRPr>
+          </a:p>
+          <a:p>
+            <a:pPr marL="342900" indent="-342900">
+              <a:buAutoNum type="arabicPeriod"/>
+            </a:pPr>
+            <a:r>
+              <a:rPr lang="en-US" altLang="ko-KR" b="1" dirty="0">
+                <a:solidFill>
+                  <a:schemeClr val="bg1"/>
+                </a:solidFill>
+              </a:rPr>
+              <a:t>Visualization</a:t>
+            </a:r>
+          </a:p>
+          <a:p>
+            <a:pPr marL="800100" lvl="1" indent="-342900">
+              <a:buFont typeface="Arial" panose="020B0604020202020204" pitchFamily="34" charset="0"/>
+              <a:buChar char="•"/>
+            </a:pPr>
+            <a:r>
+              <a:rPr lang="en-US" altLang="ko-KR" sz="1600" b="1" dirty="0" err="1">
+                <a:solidFill>
+                  <a:schemeClr val="bg2">
+                    <a:lumMod val="75000"/>
+                  </a:schemeClr>
+                </a:solidFill>
+              </a:rPr>
+              <a:t>WordCount</a:t>
+            </a:r>
+            <a:endParaRPr lang="en-US" altLang="ko-KR" sz="1600" b="1" dirty="0">
+              <a:solidFill>
+                <a:schemeClr val="bg2">
+                  <a:lumMod val="75000"/>
+                </a:schemeClr>
+              </a:solidFill>
+            </a:endParaRPr>
+          </a:p>
+          <a:p>
+            <a:pPr marL="800100" lvl="1" indent="-342900">
+              <a:buFont typeface="Arial" panose="020B0604020202020204" pitchFamily="34" charset="0"/>
+              <a:buChar char="•"/>
+            </a:pPr>
+            <a:r>
+              <a:rPr lang="ko-KR" altLang="en-US" sz="1600" b="1" dirty="0">
+                <a:solidFill>
+                  <a:schemeClr val="bg2">
+                    <a:lumMod val="75000"/>
+                  </a:schemeClr>
+                </a:solidFill>
+              </a:rPr>
+              <a:t>증상 빈도</a:t>
+            </a:r>
+            <a:endParaRPr lang="en-US" altLang="ko-KR" sz="1600" b="1" dirty="0">
+              <a:solidFill>
+                <a:schemeClr val="bg2">
+                  <a:lumMod val="75000"/>
+                </a:schemeClr>
+              </a:solidFill>
+            </a:endParaRPr>
+          </a:p>
+          <a:p>
+            <a:pPr marL="800100" lvl="1" indent="-342900">
+              <a:buFont typeface="Arial" panose="020B0604020202020204" pitchFamily="34" charset="0"/>
+              <a:buChar char="•"/>
+            </a:pPr>
+            <a:r>
+              <a:rPr lang="ko-KR" altLang="en-US" sz="1600" b="1" dirty="0">
+                <a:solidFill>
+                  <a:schemeClr val="bg1"/>
+                </a:solidFill>
+              </a:rPr>
+              <a:t>증상 연관도</a:t>
+            </a:r>
+          </a:p>
+        </p:txBody>
+      </p:sp>
+      <p:sp>
+        <p:nvSpPr>
+          <p:cNvPr id="6" name="슬라이드 번호 개체 틀 5">
+            <a:extLst>
+              <a:ext uri="{FF2B5EF4-FFF2-40B4-BE49-F238E27FC236}">
+                <a16:creationId xmlns:a16="http://schemas.microsoft.com/office/drawing/2014/main" id="{07715230-E573-4CE3-BA61-7C131AF19F7C}"/>
+              </a:ext>
+            </a:extLst>
+          </p:cNvPr>
+          <p:cNvSpPr>
+            <a:spLocks noGrp="1"/>
+          </p:cNvSpPr>
+          <p:nvPr>
+            <p:ph type="sldNum" sz="quarter" idx="4"/>
+          </p:nvPr>
+        </p:nvSpPr>
+        <p:spPr>
+          <a:xfrm>
+            <a:off x="10558300" y="6456916"/>
+            <a:ext cx="1052510" cy="365125"/>
+          </a:xfrm>
+        </p:spPr>
+        <p:txBody>
+          <a:bodyPr/>
+          <a:lstStyle/>
+          <a:p>
+            <a:fld id="{3A98EE3D-8CD1-4C3F-BD1C-C98C9596463C}" type="slidenum">
+              <a:rPr lang="en-US" smtClean="0"/>
+              <a:pPr/>
+              <a:t>21</a:t>
+            </a:fld>
+            <a:endParaRPr lang="en-US" dirty="0"/>
+          </a:p>
+        </p:txBody>
+      </p:sp>
     </p:spTree>
     <p:extLst>
       <p:ext uri="{BB962C8B-B14F-4D97-AF65-F5344CB8AC3E}">
@@ -24235,7 +26317,7 @@
 </p:sld>
 </file>
 
-<file path=ppt/slides/slide21.xml><?xml version="1.0" encoding="utf-8"?>
+<file path=ppt/slides/slide22.xml><?xml version="1.0" encoding="utf-8"?>
 <p:sld xmlns:a="http://schemas.openxmlformats.org/drawingml/2006/main" xmlns:r="http://schemas.openxmlformats.org/officeDocument/2006/relationships" xmlns:p="http://schemas.openxmlformats.org/presentationml/2006/main">
   <p:cSld>
     <p:spTree>
@@ -24332,7 +26414,7 @@
                   </a:schemeClr>
                 </a:solidFill>
               </a:rPr>
-              <a:t>환자 질환 순위</a:t>
+              <a:t>환자 질병 순위</a:t>
             </a:r>
             <a:endParaRPr lang="en-US" altLang="ko-KR" b="1" dirty="0">
               <a:solidFill>
@@ -24498,7 +26580,7 @@
             <a:fld id="{3A98EE3D-8CD1-4C3F-BD1C-C98C9596463C}" type="slidenum">
               <a:rPr lang="en-US" smtClean="0"/>
               <a:pPr/>
-              <a:t>21</a:t>
+              <a:t>22</a:t>
             </a:fld>
             <a:endParaRPr lang="en-US" dirty="0"/>
           </a:p>
@@ -24532,8 +26614,8 @@
         </p:blipFill>
         <p:spPr>
           <a:xfrm>
-            <a:off x="5166360" y="691620"/>
-            <a:ext cx="5574820" cy="5474759"/>
+            <a:off x="4800600" y="601821"/>
+            <a:ext cx="5870448" cy="5765081"/>
           </a:xfrm>
           <a:prstGeom prst="rect">
             <a:avLst/>
@@ -24553,7 +26635,7 @@
 </p:sld>
 </file>
 
-<file path=ppt/slides/slide22.xml><?xml version="1.0" encoding="utf-8"?>
+<file path=ppt/slides/slide23.xml><?xml version="1.0" encoding="utf-8"?>
 <p:sld xmlns:a="http://schemas.openxmlformats.org/drawingml/2006/main" xmlns:r="http://schemas.openxmlformats.org/officeDocument/2006/relationships" xmlns:p="http://schemas.openxmlformats.org/presentationml/2006/main">
   <p:cSld>
     <p:spTree>
@@ -24935,7 +27017,7 @@
     </p:spTree>
     <p:extLst>
       <p:ext uri="{BB962C8B-B14F-4D97-AF65-F5344CB8AC3E}">
-        <p14:creationId xmlns:p14="http://schemas.microsoft.com/office/powerpoint/2010/main" val="234985948"/>
+        <p14:creationId xmlns:p14="http://schemas.microsoft.com/office/powerpoint/2010/main" val="3236465238"/>
       </p:ext>
     </p:extLst>
   </p:cSld>
@@ -25096,7 +27178,7 @@
                   </a:schemeClr>
                 </a:solidFill>
               </a:rPr>
-              <a:t>질환 증상 </a:t>
+              <a:t>질병 증상 </a:t>
             </a:r>
             <a:r>
               <a:rPr lang="en-US" altLang="ko-KR" dirty="0">
@@ -25862,7 +27944,7 @@
                   </a:schemeClr>
                 </a:solidFill>
               </a:rPr>
-              <a:t>질환 증상 </a:t>
+              <a:t>질병 증상 </a:t>
             </a:r>
             <a:r>
               <a:rPr lang="en-US" altLang="ko-KR" dirty="0">
@@ -27313,6 +29395,61 @@
           </a:fontRef>
         </p:style>
       </p:cxnSp>
+      <p:sp>
+        <p:nvSpPr>
+          <p:cNvPr id="3" name="TextBox 2">
+            <a:extLst>
+              <a:ext uri="{FF2B5EF4-FFF2-40B4-BE49-F238E27FC236}">
+                <a16:creationId xmlns:a16="http://schemas.microsoft.com/office/drawing/2014/main" id="{A934AD79-D397-9C45-8049-0D21EBC23EBE}"/>
+              </a:ext>
+            </a:extLst>
+          </p:cNvPr>
+          <p:cNvSpPr txBox="1"/>
+          <p:nvPr/>
+        </p:nvSpPr>
+        <p:spPr>
+          <a:xfrm>
+            <a:off x="8808710" y="3063820"/>
+            <a:ext cx="2634119" cy="461665"/>
+          </a:xfrm>
+          <a:prstGeom prst="rect">
+            <a:avLst/>
+          </a:prstGeom>
+          <a:noFill/>
+        </p:spPr>
+        <p:txBody>
+          <a:bodyPr wrap="none" rtlCol="0">
+            <a:spAutoFit/>
+          </a:bodyPr>
+          <a:lstStyle/>
+          <a:p>
+            <a:r>
+              <a:rPr lang="en-US" altLang="ko-KR" sz="1200" dirty="0">
+                <a:latin typeface="맑은 고딕" panose="020B0503020000020004" pitchFamily="50" charset="-127"/>
+                <a:ea typeface="맑은 고딕" panose="020B0503020000020004" pitchFamily="50" charset="-127"/>
+              </a:rPr>
+              <a:t>Other bacterial intestinal infections</a:t>
+            </a:r>
+          </a:p>
+          <a:p>
+            <a:r>
+              <a:rPr lang="ko-KR" altLang="en-US" sz="1200" dirty="0">
+                <a:latin typeface="맑은 고딕" panose="020B0503020000020004" pitchFamily="50" charset="-127"/>
+                <a:ea typeface="맑은 고딕" panose="020B0503020000020004" pitchFamily="50" charset="-127"/>
+              </a:rPr>
+              <a:t>기타 세균성 </a:t>
+            </a:r>
+            <a:r>
+              <a:rPr lang="ko-KR" altLang="en-US" sz="1200" dirty="0" err="1">
+                <a:latin typeface="맑은 고딕" panose="020B0503020000020004" pitchFamily="50" charset="-127"/>
+                <a:ea typeface="맑은 고딕" panose="020B0503020000020004" pitchFamily="50" charset="-127"/>
+              </a:rPr>
+              <a:t>장감염</a:t>
+            </a:r>
+            <a:endParaRPr kumimoji="1" lang="ko-KR" altLang="en-US" sz="1200" dirty="0"/>
+          </a:p>
+        </p:txBody>
+      </p:sp>
     </p:spTree>
     <p:extLst>
       <p:ext uri="{BB962C8B-B14F-4D97-AF65-F5344CB8AC3E}">
@@ -27462,7 +29599,7 @@
                   </a:schemeClr>
                 </a:solidFill>
               </a:rPr>
-              <a:t>질환 증상 </a:t>
+              <a:t>질병 증상 </a:t>
             </a:r>
             <a:r>
               <a:rPr lang="en-US" altLang="ko-KR" dirty="0">
@@ -27522,36 +29659,6 @@
           </a:p>
         </p:txBody>
       </p:sp>
-      <p:pic>
-        <p:nvPicPr>
-          <p:cNvPr id="14" name="그림 13">
-            <a:extLst>
-              <a:ext uri="{FF2B5EF4-FFF2-40B4-BE49-F238E27FC236}">
-                <a16:creationId xmlns:a16="http://schemas.microsoft.com/office/drawing/2014/main" id="{2AC7F32A-3621-4AD4-9AFF-C2F0CD853697}"/>
-              </a:ext>
-            </a:extLst>
-          </p:cNvPr>
-          <p:cNvPicPr>
-            <a:picLocks noChangeAspect="1"/>
-          </p:cNvPicPr>
-          <p:nvPr/>
-        </p:nvPicPr>
-        <p:blipFill>
-          <a:blip r:embed="rId2"/>
-          <a:stretch>
-            <a:fillRect/>
-          </a:stretch>
-        </p:blipFill>
-        <p:spPr>
-          <a:xfrm>
-            <a:off x="4355069" y="1755428"/>
-            <a:ext cx="4242831" cy="4437866"/>
-          </a:xfrm>
-          <a:prstGeom prst="rect">
-            <a:avLst/>
-          </a:prstGeom>
-        </p:spPr>
-      </p:pic>
       <p:sp>
         <p:nvSpPr>
           <p:cNvPr id="15" name="TextBox 14">
@@ -27688,15 +29795,51 @@
           <p:nvPr/>
         </p:nvPicPr>
         <p:blipFill>
-          <a:blip r:embed="rId3"/>
+          <a:blip r:embed="rId2"/>
           <a:stretch>
             <a:fillRect/>
           </a:stretch>
         </p:blipFill>
         <p:spPr>
           <a:xfrm>
-            <a:off x="8741358" y="1755428"/>
-            <a:ext cx="2583099" cy="3233519"/>
+            <a:off x="8540496" y="1755428"/>
+            <a:ext cx="2783961" cy="4243036"/>
+          </a:xfrm>
+          <a:prstGeom prst="rect">
+            <a:avLst/>
+          </a:prstGeom>
+        </p:spPr>
+      </p:pic>
+      <p:pic>
+        <p:nvPicPr>
+          <p:cNvPr id="3" name="그림 2">
+            <a:extLst>
+              <a:ext uri="{FF2B5EF4-FFF2-40B4-BE49-F238E27FC236}">
+                <a16:creationId xmlns:a16="http://schemas.microsoft.com/office/drawing/2014/main" id="{F92CDFFF-BAD7-3A43-B4CE-9F34F9AA3D00}"/>
+              </a:ext>
+            </a:extLst>
+          </p:cNvPr>
+          <p:cNvPicPr>
+            <a:picLocks noChangeAspect="1"/>
+          </p:cNvPicPr>
+          <p:nvPr/>
+        </p:nvPicPr>
+        <p:blipFill>
+          <a:blip r:embed="rId3">
+            <a:extLst>
+              <a:ext uri="{28A0092B-C50C-407E-A947-70E740481C1C}">
+                <a14:useLocalDpi xmlns:a14="http://schemas.microsoft.com/office/drawing/2010/main" val="0"/>
+              </a:ext>
+            </a:extLst>
+          </a:blip>
+          <a:stretch>
+            <a:fillRect/>
+          </a:stretch>
+        </p:blipFill>
+        <p:spPr>
+          <a:xfrm>
+            <a:off x="4407261" y="1582216"/>
+            <a:ext cx="3985032" cy="4526280"/>
           </a:xfrm>
           <a:prstGeom prst="rect">
             <a:avLst/>
@@ -27852,7 +29995,7 @@
                   </a:schemeClr>
                 </a:solidFill>
               </a:rPr>
-              <a:t>질환 증상 </a:t>
+              <a:t>질병 증상 </a:t>
             </a:r>
             <a:r>
               <a:rPr lang="en-US" altLang="ko-KR" dirty="0">
@@ -28019,110 +30162,12 @@
           </a:prstGeom>
         </p:spPr>
       </p:pic>
-      <p:sp>
-        <p:nvSpPr>
-          <p:cNvPr id="11" name="TextBox 10">
+      <p:pic>
+        <p:nvPicPr>
+          <p:cNvPr id="2" name="그림 1">
             <a:extLst>
               <a:ext uri="{FF2B5EF4-FFF2-40B4-BE49-F238E27FC236}">
-                <a16:creationId xmlns:a16="http://schemas.microsoft.com/office/drawing/2014/main" id="{E8A15F5A-52C2-4503-9E30-3ECE97BA5FF5}"/>
-              </a:ext>
-            </a:extLst>
-          </p:cNvPr>
-          <p:cNvSpPr txBox="1"/>
-          <p:nvPr/>
-        </p:nvSpPr>
-        <p:spPr>
-          <a:xfrm>
-            <a:off x="4355068" y="3688618"/>
-            <a:ext cx="7255741" cy="369332"/>
-          </a:xfrm>
-          <a:prstGeom prst="rect">
-            <a:avLst/>
-          </a:prstGeom>
-          <a:noFill/>
-        </p:spPr>
-        <p:txBody>
-          <a:bodyPr wrap="square" rtlCol="0">
-            <a:spAutoFit/>
-          </a:bodyPr>
-          <a:lstStyle/>
-          <a:p>
-            <a:r>
-              <a:rPr lang="ko-KR" altLang="en-US" dirty="0">
-                <a:latin typeface="맑은 고딕" panose="020B0503020000020004" pitchFamily="50" charset="-127"/>
-                <a:ea typeface="맑은 고딕" panose="020B0503020000020004" pitchFamily="50" charset="-127"/>
-              </a:rPr>
-              <a:t>서울아산병원</a:t>
-            </a:r>
-            <a:r>
-              <a:rPr lang="en-US" altLang="ko-KR" dirty="0">
-                <a:latin typeface="맑은 고딕" panose="020B0503020000020004" pitchFamily="50" charset="-127"/>
-                <a:ea typeface="맑은 고딕" panose="020B0503020000020004" pitchFamily="50" charset="-127"/>
-              </a:rPr>
-              <a:t>(</a:t>
-            </a:r>
-            <a:r>
-              <a:rPr lang="ko-KR" altLang="en-US" dirty="0">
-                <a:latin typeface="맑은 고딕" panose="020B0503020000020004" pitchFamily="50" charset="-127"/>
-                <a:ea typeface="맑은 고딕" panose="020B0503020000020004" pitchFamily="50" charset="-127"/>
-              </a:rPr>
-              <a:t>질환백과</a:t>
-            </a:r>
-            <a:r>
-              <a:rPr lang="en-US" altLang="ko-KR" dirty="0">
-                <a:latin typeface="맑은 고딕" panose="020B0503020000020004" pitchFamily="50" charset="-127"/>
-                <a:ea typeface="맑은 고딕" panose="020B0503020000020004" pitchFamily="50" charset="-127"/>
-              </a:rPr>
-              <a:t>)</a:t>
-            </a:r>
-            <a:r>
-              <a:rPr lang="ko-KR" altLang="en-US" b="1" dirty="0">
-                <a:latin typeface="맑은 고딕" panose="020B0503020000020004" pitchFamily="50" charset="-127"/>
-                <a:ea typeface="맑은 고딕" panose="020B0503020000020004" pitchFamily="50" charset="-127"/>
-              </a:rPr>
-              <a:t> </a:t>
-            </a:r>
-            <a:r>
-              <a:rPr lang="en-US" altLang="ko-KR" b="1" dirty="0">
-                <a:latin typeface="맑은 고딕" panose="020B0503020000020004" pitchFamily="50" charset="-127"/>
-                <a:ea typeface="맑은 고딕" panose="020B0503020000020004" pitchFamily="50" charset="-127"/>
-              </a:rPr>
-              <a:t>–</a:t>
-            </a:r>
-            <a:r>
-              <a:rPr lang="ko-KR" altLang="en-US" b="1" dirty="0">
-                <a:latin typeface="맑은 고딕" panose="020B0503020000020004" pitchFamily="50" charset="-127"/>
-                <a:ea typeface="맑은 고딕" panose="020B0503020000020004" pitchFamily="50" charset="-127"/>
-              </a:rPr>
-              <a:t> </a:t>
-            </a:r>
-            <a:r>
-              <a:rPr lang="ko-KR" altLang="en-US" b="1" dirty="0" err="1">
-                <a:latin typeface="맑은 고딕" panose="020B0503020000020004" pitchFamily="50" charset="-127"/>
-                <a:ea typeface="맑은 고딕" panose="020B0503020000020004" pitchFamily="50" charset="-127"/>
-              </a:rPr>
-              <a:t>질환명</a:t>
-            </a:r>
-            <a:r>
-              <a:rPr lang="ko-KR" altLang="en-US" b="1" dirty="0">
-                <a:latin typeface="맑은 고딕" panose="020B0503020000020004" pitchFamily="50" charset="-127"/>
-                <a:ea typeface="맑은 고딕" panose="020B0503020000020004" pitchFamily="50" charset="-127"/>
-              </a:rPr>
-              <a:t> 기준 증상 수집</a:t>
-            </a:r>
-            <a:endParaRPr lang="en-US" altLang="ko-KR" dirty="0">
-              <a:latin typeface="맑은 고딕" panose="020B0503020000020004" pitchFamily="50" charset="-127"/>
-              <a:ea typeface="맑은 고딕" panose="020B0503020000020004" pitchFamily="50" charset="-127"/>
-            </a:endParaRPr>
-          </a:p>
-        </p:txBody>
-      </p:sp>
-      <p:pic>
-        <p:nvPicPr>
-          <p:cNvPr id="8" name="그림 7">
-            <a:extLst>
-              <a:ext uri="{FF2B5EF4-FFF2-40B4-BE49-F238E27FC236}">
-                <a16:creationId xmlns:a16="http://schemas.microsoft.com/office/drawing/2014/main" id="{EFF936E5-E8BC-4D58-B885-02CD1F0B320A}"/>
+                <a16:creationId xmlns:a16="http://schemas.microsoft.com/office/drawing/2014/main" id="{46233FC4-1F88-7542-B543-E9B6ACDFD9B2}"/>
               </a:ext>
             </a:extLst>
           </p:cNvPr>
@@ -28139,152 +30184,12 @@
         </p:blipFill>
         <p:spPr>
           <a:xfrm>
-            <a:off x="4445000" y="4226253"/>
-            <a:ext cx="4099795" cy="1611793"/>
+            <a:off x="6096000" y="3298483"/>
+            <a:ext cx="1800332" cy="3195589"/>
           </a:xfrm>
           <a:prstGeom prst="rect">
             <a:avLst/>
           </a:prstGeom>
-        </p:spPr>
-      </p:pic>
-      <p:pic>
-        <p:nvPicPr>
-          <p:cNvPr id="9" name="그림 8">
-            <a:extLst>
-              <a:ext uri="{FF2B5EF4-FFF2-40B4-BE49-F238E27FC236}">
-                <a16:creationId xmlns:a16="http://schemas.microsoft.com/office/drawing/2014/main" id="{2CE521E5-F941-4D93-9E45-7435B36AFAC3}"/>
-              </a:ext>
-            </a:extLst>
-          </p:cNvPr>
-          <p:cNvPicPr>
-            <a:picLocks noChangeAspect="1"/>
-          </p:cNvPicPr>
-          <p:nvPr/>
-        </p:nvPicPr>
-        <p:blipFill>
-          <a:blip r:embed="rId4"/>
-          <a:stretch>
-            <a:fillRect/>
-          </a:stretch>
-        </p:blipFill>
-        <p:spPr>
-          <a:xfrm>
-            <a:off x="8112404" y="4240920"/>
-            <a:ext cx="1888260" cy="1024141"/>
-          </a:xfrm>
-          <a:prstGeom prst="rect">
-            <a:avLst/>
-          </a:prstGeom>
-          <a:ln>
-            <a:solidFill>
-              <a:schemeClr val="tx1"/>
-            </a:solidFill>
-          </a:ln>
-        </p:spPr>
-      </p:pic>
-      <p:pic>
-        <p:nvPicPr>
-          <p:cNvPr id="10" name="그림 9">
-            <a:extLst>
-              <a:ext uri="{FF2B5EF4-FFF2-40B4-BE49-F238E27FC236}">
-                <a16:creationId xmlns:a16="http://schemas.microsoft.com/office/drawing/2014/main" id="{603B319B-4BF0-4D1D-8D9C-B531B8035B31}"/>
-              </a:ext>
-            </a:extLst>
-          </p:cNvPr>
-          <p:cNvPicPr>
-            <a:picLocks noChangeAspect="1"/>
-          </p:cNvPicPr>
-          <p:nvPr/>
-        </p:nvPicPr>
-        <p:blipFill>
-          <a:blip r:embed="rId5"/>
-          <a:stretch>
-            <a:fillRect/>
-          </a:stretch>
-        </p:blipFill>
-        <p:spPr>
-          <a:xfrm>
-            <a:off x="7426117" y="5267193"/>
-            <a:ext cx="1800331" cy="1024140"/>
-          </a:xfrm>
-          <a:prstGeom prst="rect">
-            <a:avLst/>
-          </a:prstGeom>
-          <a:ln>
-            <a:solidFill>
-              <a:schemeClr val="tx1"/>
-            </a:solidFill>
-          </a:ln>
-        </p:spPr>
-      </p:pic>
-      <p:pic>
-        <p:nvPicPr>
-          <p:cNvPr id="12" name="그림 11">
-            <a:extLst>
-              <a:ext uri="{FF2B5EF4-FFF2-40B4-BE49-F238E27FC236}">
-                <a16:creationId xmlns:a16="http://schemas.microsoft.com/office/drawing/2014/main" id="{6053F067-721B-40C1-97FE-4FBA8BD3215A}"/>
-              </a:ext>
-            </a:extLst>
-          </p:cNvPr>
-          <p:cNvPicPr>
-            <a:picLocks noChangeAspect="1"/>
-          </p:cNvPicPr>
-          <p:nvPr/>
-        </p:nvPicPr>
-        <p:blipFill>
-          <a:blip r:embed="rId6"/>
-          <a:stretch>
-            <a:fillRect/>
-          </a:stretch>
-        </p:blipFill>
-        <p:spPr>
-          <a:xfrm>
-            <a:off x="9682111" y="3820031"/>
-            <a:ext cx="1800331" cy="1212118"/>
-          </a:xfrm>
-          <a:prstGeom prst="rect">
-            <a:avLst/>
-          </a:prstGeom>
-          <a:ln>
-            <a:solidFill>
-              <a:schemeClr val="tx1"/>
-            </a:solidFill>
-          </a:ln>
-        </p:spPr>
-      </p:pic>
-      <p:pic>
-        <p:nvPicPr>
-          <p:cNvPr id="13" name="그림 12">
-            <a:extLst>
-              <a:ext uri="{FF2B5EF4-FFF2-40B4-BE49-F238E27FC236}">
-                <a16:creationId xmlns:a16="http://schemas.microsoft.com/office/drawing/2014/main" id="{55CD8CDB-08BE-4FC1-B0F3-A066AC2D6D83}"/>
-              </a:ext>
-            </a:extLst>
-          </p:cNvPr>
-          <p:cNvPicPr>
-            <a:picLocks noChangeAspect="1"/>
-          </p:cNvPicPr>
-          <p:nvPr/>
-        </p:nvPicPr>
-        <p:blipFill>
-          <a:blip r:embed="rId7"/>
-          <a:stretch>
-            <a:fillRect/>
-          </a:stretch>
-        </p:blipFill>
-        <p:spPr>
-          <a:xfrm>
-            <a:off x="9226448" y="4707681"/>
-            <a:ext cx="1982926" cy="1480700"/>
-          </a:xfrm>
-          <a:prstGeom prst="rect">
-            <a:avLst/>
-          </a:prstGeom>
-          <a:ln>
-            <a:solidFill>
-              <a:schemeClr val="tx1"/>
-            </a:solidFill>
-          </a:ln>
         </p:spPr>
       </p:pic>
     </p:spTree>
@@ -28415,6 +30320,448 @@
               <a:buAutoNum type="arabicPeriod"/>
             </a:pPr>
             <a:r>
+              <a:rPr lang="en-US" altLang="ko-KR" b="1" dirty="0">
+                <a:solidFill>
+                  <a:schemeClr val="bg1"/>
+                </a:solidFill>
+              </a:rPr>
+              <a:t>ICD &lt;-&gt; KOICD</a:t>
+            </a:r>
+          </a:p>
+          <a:p>
+            <a:pPr marL="342900" indent="-342900">
+              <a:buFont typeface="Wingdings 2" panose="05020102010507070707" pitchFamily="18" charset="2"/>
+              <a:buAutoNum type="arabicPeriod"/>
+            </a:pPr>
+            <a:r>
+              <a:rPr lang="ko-KR" altLang="en-US" dirty="0">
+                <a:solidFill>
+                  <a:schemeClr val="bg2">
+                    <a:lumMod val="75000"/>
+                  </a:schemeClr>
+                </a:solidFill>
+              </a:rPr>
+              <a:t>질병 증상 </a:t>
+            </a:r>
+            <a:r>
+              <a:rPr lang="en-US" altLang="ko-KR" dirty="0">
+                <a:solidFill>
+                  <a:schemeClr val="bg2">
+                    <a:lumMod val="75000"/>
+                  </a:schemeClr>
+                </a:solidFill>
+              </a:rPr>
+              <a:t>Mapping</a:t>
+            </a:r>
+            <a:r>
+              <a:rPr lang="ko-KR" altLang="en-US" dirty="0">
+                <a:solidFill>
+                  <a:schemeClr val="bg2">
+                    <a:lumMod val="75000"/>
+                  </a:schemeClr>
+                </a:solidFill>
+              </a:rPr>
+              <a:t>   </a:t>
+            </a:r>
+          </a:p>
+        </p:txBody>
+      </p:sp>
+      <p:sp>
+        <p:nvSpPr>
+          <p:cNvPr id="11" name="TextBox 10">
+            <a:extLst>
+              <a:ext uri="{FF2B5EF4-FFF2-40B4-BE49-F238E27FC236}">
+                <a16:creationId xmlns:a16="http://schemas.microsoft.com/office/drawing/2014/main" id="{E8A15F5A-52C2-4503-9E30-3ECE97BA5FF5}"/>
+              </a:ext>
+            </a:extLst>
+          </p:cNvPr>
+          <p:cNvSpPr txBox="1"/>
+          <p:nvPr/>
+        </p:nvSpPr>
+        <p:spPr>
+          <a:xfrm>
+            <a:off x="4168402" y="933450"/>
+            <a:ext cx="7255741" cy="369332"/>
+          </a:xfrm>
+          <a:prstGeom prst="rect">
+            <a:avLst/>
+          </a:prstGeom>
+          <a:noFill/>
+        </p:spPr>
+        <p:txBody>
+          <a:bodyPr wrap="square" rtlCol="0">
+            <a:spAutoFit/>
+          </a:bodyPr>
+          <a:lstStyle/>
+          <a:p>
+            <a:r>
+              <a:rPr lang="ko-KR" altLang="en-US" dirty="0">
+                <a:latin typeface="맑은 고딕" panose="020B0503020000020004" pitchFamily="50" charset="-127"/>
+                <a:ea typeface="맑은 고딕" panose="020B0503020000020004" pitchFamily="50" charset="-127"/>
+              </a:rPr>
+              <a:t>서울아산병원</a:t>
+            </a:r>
+            <a:r>
+              <a:rPr lang="en-US" altLang="ko-KR" dirty="0">
+                <a:latin typeface="맑은 고딕" panose="020B0503020000020004" pitchFamily="50" charset="-127"/>
+                <a:ea typeface="맑은 고딕" panose="020B0503020000020004" pitchFamily="50" charset="-127"/>
+              </a:rPr>
+              <a:t>(</a:t>
+            </a:r>
+            <a:r>
+              <a:rPr lang="ko-KR" altLang="en-US" dirty="0">
+                <a:latin typeface="맑은 고딕" panose="020B0503020000020004" pitchFamily="50" charset="-127"/>
+                <a:ea typeface="맑은 고딕" panose="020B0503020000020004" pitchFamily="50" charset="-127"/>
+              </a:rPr>
+              <a:t>질환백과</a:t>
+            </a:r>
+            <a:r>
+              <a:rPr lang="en-US" altLang="ko-KR" dirty="0">
+                <a:latin typeface="맑은 고딕" panose="020B0503020000020004" pitchFamily="50" charset="-127"/>
+                <a:ea typeface="맑은 고딕" panose="020B0503020000020004" pitchFamily="50" charset="-127"/>
+              </a:rPr>
+              <a:t>)</a:t>
+            </a:r>
+            <a:r>
+              <a:rPr lang="ko-KR" altLang="en-US" b="1" dirty="0">
+                <a:latin typeface="맑은 고딕" panose="020B0503020000020004" pitchFamily="50" charset="-127"/>
+                <a:ea typeface="맑은 고딕" panose="020B0503020000020004" pitchFamily="50" charset="-127"/>
+              </a:rPr>
+              <a:t> </a:t>
+            </a:r>
+            <a:r>
+              <a:rPr lang="en-US" altLang="ko-KR" b="1" dirty="0">
+                <a:latin typeface="맑은 고딕" panose="020B0503020000020004" pitchFamily="50" charset="-127"/>
+                <a:ea typeface="맑은 고딕" panose="020B0503020000020004" pitchFamily="50" charset="-127"/>
+              </a:rPr>
+              <a:t>–</a:t>
+            </a:r>
+            <a:r>
+              <a:rPr lang="ko-KR" altLang="en-US" b="1" dirty="0">
+                <a:latin typeface="맑은 고딕" panose="020B0503020000020004" pitchFamily="50" charset="-127"/>
+                <a:ea typeface="맑은 고딕" panose="020B0503020000020004" pitchFamily="50" charset="-127"/>
+              </a:rPr>
+              <a:t> </a:t>
+            </a:r>
+            <a:r>
+              <a:rPr lang="ko-KR" altLang="en-US" b="1" dirty="0" err="1">
+                <a:latin typeface="맑은 고딕" panose="020B0503020000020004" pitchFamily="50" charset="-127"/>
+                <a:ea typeface="맑은 고딕" panose="020B0503020000020004" pitchFamily="50" charset="-127"/>
+              </a:rPr>
+              <a:t>질환명</a:t>
+            </a:r>
+            <a:r>
+              <a:rPr lang="ko-KR" altLang="en-US" b="1" dirty="0">
+                <a:latin typeface="맑은 고딕" panose="020B0503020000020004" pitchFamily="50" charset="-127"/>
+                <a:ea typeface="맑은 고딕" panose="020B0503020000020004" pitchFamily="50" charset="-127"/>
+              </a:rPr>
+              <a:t> 기준 증상 수집</a:t>
+            </a:r>
+            <a:endParaRPr lang="en-US" altLang="ko-KR" dirty="0">
+              <a:latin typeface="맑은 고딕" panose="020B0503020000020004" pitchFamily="50" charset="-127"/>
+              <a:ea typeface="맑은 고딕" panose="020B0503020000020004" pitchFamily="50" charset="-127"/>
+            </a:endParaRPr>
+          </a:p>
+        </p:txBody>
+      </p:sp>
+      <p:pic>
+        <p:nvPicPr>
+          <p:cNvPr id="8" name="그림 7">
+            <a:extLst>
+              <a:ext uri="{FF2B5EF4-FFF2-40B4-BE49-F238E27FC236}">
+                <a16:creationId xmlns:a16="http://schemas.microsoft.com/office/drawing/2014/main" id="{EFF936E5-E8BC-4D58-B885-02CD1F0B320A}"/>
+              </a:ext>
+            </a:extLst>
+          </p:cNvPr>
+          <p:cNvPicPr>
+            <a:picLocks noChangeAspect="1"/>
+          </p:cNvPicPr>
+          <p:nvPr/>
+        </p:nvPicPr>
+        <p:blipFill>
+          <a:blip r:embed="rId2"/>
+          <a:stretch>
+            <a:fillRect/>
+          </a:stretch>
+        </p:blipFill>
+        <p:spPr>
+          <a:xfrm>
+            <a:off x="4258334" y="1471085"/>
+            <a:ext cx="4099795" cy="1611793"/>
+          </a:xfrm>
+          <a:prstGeom prst="rect">
+            <a:avLst/>
+          </a:prstGeom>
+        </p:spPr>
+      </p:pic>
+      <p:pic>
+        <p:nvPicPr>
+          <p:cNvPr id="9" name="그림 8">
+            <a:extLst>
+              <a:ext uri="{FF2B5EF4-FFF2-40B4-BE49-F238E27FC236}">
+                <a16:creationId xmlns:a16="http://schemas.microsoft.com/office/drawing/2014/main" id="{2CE521E5-F941-4D93-9E45-7435B36AFAC3}"/>
+              </a:ext>
+            </a:extLst>
+          </p:cNvPr>
+          <p:cNvPicPr>
+            <a:picLocks noChangeAspect="1"/>
+          </p:cNvPicPr>
+          <p:nvPr/>
+        </p:nvPicPr>
+        <p:blipFill>
+          <a:blip r:embed="rId3"/>
+          <a:stretch>
+            <a:fillRect/>
+          </a:stretch>
+        </p:blipFill>
+        <p:spPr>
+          <a:xfrm>
+            <a:off x="5997160" y="2398403"/>
+            <a:ext cx="2761502" cy="1497764"/>
+          </a:xfrm>
+          <a:prstGeom prst="rect">
+            <a:avLst/>
+          </a:prstGeom>
+          <a:ln>
+            <a:solidFill>
+              <a:schemeClr val="tx1"/>
+            </a:solidFill>
+          </a:ln>
+        </p:spPr>
+      </p:pic>
+      <p:pic>
+        <p:nvPicPr>
+          <p:cNvPr id="10" name="그림 9">
+            <a:extLst>
+              <a:ext uri="{FF2B5EF4-FFF2-40B4-BE49-F238E27FC236}">
+                <a16:creationId xmlns:a16="http://schemas.microsoft.com/office/drawing/2014/main" id="{603B319B-4BF0-4D1D-8D9C-B531B8035B31}"/>
+              </a:ext>
+            </a:extLst>
+          </p:cNvPr>
+          <p:cNvPicPr>
+            <a:picLocks noChangeAspect="1"/>
+          </p:cNvPicPr>
+          <p:nvPr/>
+        </p:nvPicPr>
+        <p:blipFill>
+          <a:blip r:embed="rId4"/>
+          <a:stretch>
+            <a:fillRect/>
+          </a:stretch>
+        </p:blipFill>
+        <p:spPr>
+          <a:xfrm>
+            <a:off x="4462620" y="4029307"/>
+            <a:ext cx="2833364" cy="1611793"/>
+          </a:xfrm>
+          <a:prstGeom prst="rect">
+            <a:avLst/>
+          </a:prstGeom>
+          <a:ln>
+            <a:solidFill>
+              <a:schemeClr val="tx1"/>
+            </a:solidFill>
+          </a:ln>
+        </p:spPr>
+      </p:pic>
+      <p:pic>
+        <p:nvPicPr>
+          <p:cNvPr id="12" name="그림 11">
+            <a:extLst>
+              <a:ext uri="{FF2B5EF4-FFF2-40B4-BE49-F238E27FC236}">
+                <a16:creationId xmlns:a16="http://schemas.microsoft.com/office/drawing/2014/main" id="{6053F067-721B-40C1-97FE-4FBA8BD3215A}"/>
+              </a:ext>
+            </a:extLst>
+          </p:cNvPr>
+          <p:cNvPicPr>
+            <a:picLocks noChangeAspect="1"/>
+          </p:cNvPicPr>
+          <p:nvPr/>
+        </p:nvPicPr>
+        <p:blipFill>
+          <a:blip r:embed="rId5"/>
+          <a:stretch>
+            <a:fillRect/>
+          </a:stretch>
+        </p:blipFill>
+        <p:spPr>
+          <a:xfrm>
+            <a:off x="8870525" y="1700784"/>
+            <a:ext cx="2802685" cy="1886978"/>
+          </a:xfrm>
+          <a:prstGeom prst="rect">
+            <a:avLst/>
+          </a:prstGeom>
+          <a:ln>
+            <a:solidFill>
+              <a:schemeClr val="tx1"/>
+            </a:solidFill>
+          </a:ln>
+        </p:spPr>
+      </p:pic>
+      <p:pic>
+        <p:nvPicPr>
+          <p:cNvPr id="13" name="그림 12">
+            <a:extLst>
+              <a:ext uri="{FF2B5EF4-FFF2-40B4-BE49-F238E27FC236}">
+                <a16:creationId xmlns:a16="http://schemas.microsoft.com/office/drawing/2014/main" id="{55CD8CDB-08BE-4FC1-B0F3-A066AC2D6D83}"/>
+              </a:ext>
+            </a:extLst>
+          </p:cNvPr>
+          <p:cNvPicPr>
+            <a:picLocks noChangeAspect="1"/>
+          </p:cNvPicPr>
+          <p:nvPr/>
+        </p:nvPicPr>
+        <p:blipFill>
+          <a:blip r:embed="rId6"/>
+          <a:stretch>
+            <a:fillRect/>
+          </a:stretch>
+        </p:blipFill>
+        <p:spPr>
+          <a:xfrm>
+            <a:off x="7538270" y="4010196"/>
+            <a:ext cx="3151065" cy="2352978"/>
+          </a:xfrm>
+          <a:prstGeom prst="rect">
+            <a:avLst/>
+          </a:prstGeom>
+          <a:ln>
+            <a:solidFill>
+              <a:schemeClr val="tx1"/>
+            </a:solidFill>
+          </a:ln>
+        </p:spPr>
+      </p:pic>
+    </p:spTree>
+    <p:extLst>
+      <p:ext uri="{BB962C8B-B14F-4D97-AF65-F5344CB8AC3E}">
+        <p14:creationId xmlns:p14="http://schemas.microsoft.com/office/powerpoint/2010/main" val="3013335254"/>
+      </p:ext>
+    </p:extLst>
+  </p:cSld>
+  <p:clrMapOvr>
+    <a:masterClrMapping/>
+  </p:clrMapOvr>
+</p:sld>
+</file>
+
+<file path=ppt/slides/slide8.xml><?xml version="1.0" encoding="utf-8"?>
+<p:sld xmlns:a="http://schemas.openxmlformats.org/drawingml/2006/main" xmlns:r="http://schemas.openxmlformats.org/officeDocument/2006/relationships" xmlns:p="http://schemas.openxmlformats.org/presentationml/2006/main">
+  <p:cSld>
+    <p:spTree>
+      <p:nvGrpSpPr>
+        <p:cNvPr id="1" name=""/>
+        <p:cNvGrpSpPr/>
+        <p:nvPr/>
+      </p:nvGrpSpPr>
+      <p:grpSpPr>
+        <a:xfrm>
+          <a:off x="0" y="0"/>
+          <a:ext cx="0" cy="0"/>
+          <a:chOff x="0" y="0"/>
+          <a:chExt cx="0" cy="0"/>
+        </a:xfrm>
+      </p:grpSpPr>
+      <p:sp>
+        <p:nvSpPr>
+          <p:cNvPr id="5" name="제목 4">
+            <a:extLst>
+              <a:ext uri="{FF2B5EF4-FFF2-40B4-BE49-F238E27FC236}">
+                <a16:creationId xmlns:a16="http://schemas.microsoft.com/office/drawing/2014/main" id="{C90CD5D6-7C79-42E3-85C3-B793DA10ACEA}"/>
+              </a:ext>
+            </a:extLst>
+          </p:cNvPr>
+          <p:cNvSpPr>
+            <a:spLocks noGrp="1"/>
+          </p:cNvSpPr>
+          <p:nvPr>
+            <p:ph type="title"/>
+          </p:nvPr>
+        </p:nvSpPr>
+        <p:spPr/>
+        <p:txBody>
+          <a:bodyPr>
+            <a:normAutofit/>
+          </a:bodyPr>
+          <a:lstStyle/>
+          <a:p>
+            <a:r>
+              <a:rPr lang="ko-KR" altLang="en-US" dirty="0"/>
+              <a:t>데이터 전처리</a:t>
+            </a:r>
+            <a:br>
+              <a:rPr lang="en-US" altLang="ko-KR" dirty="0"/>
+            </a:br>
+            <a:r>
+              <a:rPr lang="en-US" altLang="ko-KR" dirty="0"/>
+              <a:t> </a:t>
+            </a:r>
+            <a:br>
+              <a:rPr lang="en-US" altLang="ko-KR" b="1" dirty="0"/>
+            </a:br>
+            <a:endParaRPr lang="ko-KR" altLang="en-US" dirty="0"/>
+          </a:p>
+        </p:txBody>
+      </p:sp>
+      <p:sp>
+        <p:nvSpPr>
+          <p:cNvPr id="7" name="텍스트 개체 틀 6">
+            <a:extLst>
+              <a:ext uri="{FF2B5EF4-FFF2-40B4-BE49-F238E27FC236}">
+                <a16:creationId xmlns:a16="http://schemas.microsoft.com/office/drawing/2014/main" id="{4396C7AC-FDE3-45F7-B3F0-503F79EC6FA0}"/>
+              </a:ext>
+            </a:extLst>
+          </p:cNvPr>
+          <p:cNvSpPr>
+            <a:spLocks noGrp="1"/>
+          </p:cNvSpPr>
+          <p:nvPr>
+            <p:ph type="body" sz="half" idx="2"/>
+          </p:nvPr>
+        </p:nvSpPr>
+        <p:spPr/>
+        <p:txBody>
+          <a:bodyPr/>
+          <a:lstStyle/>
+          <a:p>
+            <a:pPr marL="342900" indent="-342900">
+              <a:buAutoNum type="arabicPeriod"/>
+            </a:pPr>
+            <a:r>
+              <a:rPr lang="en-US" altLang="ko-KR" dirty="0">
+                <a:solidFill>
+                  <a:schemeClr val="bg2">
+                    <a:lumMod val="75000"/>
+                  </a:schemeClr>
+                </a:solidFill>
+              </a:rPr>
+              <a:t>COVID-19 </a:t>
+            </a:r>
+            <a:r>
+              <a:rPr lang="ko-KR" altLang="en-US" dirty="0">
+                <a:solidFill>
+                  <a:schemeClr val="bg2">
+                    <a:lumMod val="75000"/>
+                  </a:schemeClr>
+                </a:solidFill>
+              </a:rPr>
+              <a:t>진단자료</a:t>
+            </a:r>
+            <a:endParaRPr lang="en-US" altLang="ko-KR" dirty="0">
+              <a:solidFill>
+                <a:schemeClr val="bg2">
+                  <a:lumMod val="75000"/>
+                </a:schemeClr>
+              </a:solidFill>
+            </a:endParaRPr>
+          </a:p>
+          <a:p>
+            <a:pPr marL="342900" indent="-342900">
+              <a:buAutoNum type="arabicPeriod"/>
+            </a:pPr>
+            <a:r>
               <a:rPr lang="en-US" altLang="ko-KR" dirty="0">
                 <a:solidFill>
                   <a:schemeClr val="bg2">
@@ -28436,7 +30783,7 @@
                   <a:schemeClr val="bg1"/>
                 </a:solidFill>
               </a:rPr>
-              <a:t>질환 증상 </a:t>
+              <a:t>질병 증상 </a:t>
             </a:r>
             <a:r>
               <a:rPr lang="en-US" altLang="ko-KR" b="1" dirty="0">
@@ -28486,7 +30833,7 @@
             <a:fld id="{3A98EE3D-8CD1-4C3F-BD1C-C98C9596463C}" type="slidenum">
               <a:rPr lang="en-US" smtClean="0"/>
               <a:pPr/>
-              <a:t>7</a:t>
+              <a:t>8</a:t>
             </a:fld>
             <a:endParaRPr lang="en-US" dirty="0"/>
           </a:p>
@@ -28580,7 +30927,7 @@
           <p:nvPr>
             <p:extLst>
               <p:ext uri="{D42A27DB-BD31-4B8C-83A1-F6EECF244321}">
-                <p14:modId xmlns:p14="http://schemas.microsoft.com/office/powerpoint/2010/main" val="3390806731"/>
+                <p14:modId xmlns:p14="http://schemas.microsoft.com/office/powerpoint/2010/main" val="405290082"/>
               </p:ext>
             </p:extLst>
           </p:nvPr>
@@ -28781,7 +31128,7 @@
                           <a:latin typeface="맑은 고딕" panose="020B0503020000020004" pitchFamily="50" charset="-127"/>
                           <a:ea typeface="맑은 고딕" panose="020B0503020000020004" pitchFamily="50" charset="-127"/>
                         </a:rPr>
-                        <a:t>대분류</a:t>
+                        <a:t>중분류</a:t>
                       </a:r>
                       <a:endParaRPr lang="en-US" sz="1200" b="0" i="0" u="none" strike="noStrike" dirty="0">
                         <a:solidFill>
@@ -28887,14 +31234,22 @@
                     <a:p>
                       <a:pPr algn="l" fontAlgn="ctr"/>
                       <a:r>
-                        <a:rPr lang="ko-KR" altLang="en-US" sz="1200" u="none" strike="noStrike">
+                        <a:rPr lang="ko-KR" altLang="en-US" sz="1200" u="none" strike="noStrike" dirty="0">
                           <a:effectLst/>
                           <a:latin typeface="맑은 고딕" panose="020B0503020000020004" pitchFamily="50" charset="-127"/>
                           <a:ea typeface="맑은 고딕" panose="020B0503020000020004" pitchFamily="50" charset="-127"/>
                         </a:rPr>
-                        <a:t>기타 세균성 장감염</a:t>
-                      </a:r>
-                      <a:endParaRPr lang="ko-KR" altLang="en-US" sz="1200" b="0" i="0" u="none" strike="noStrike">
+                        <a:t>기타 세균성 </a:t>
+                      </a:r>
+                      <a:r>
+                        <a:rPr lang="ko-KR" altLang="en-US" sz="1200" u="none" strike="noStrike" dirty="0" err="1">
+                          <a:effectLst/>
+                          <a:latin typeface="맑은 고딕" panose="020B0503020000020004" pitchFamily="50" charset="-127"/>
+                          <a:ea typeface="맑은 고딕" panose="020B0503020000020004" pitchFamily="50" charset="-127"/>
+                        </a:rPr>
+                        <a:t>장감염</a:t>
+                      </a:r>
+                      <a:endParaRPr lang="ko-KR" altLang="en-US" sz="1200" b="0" i="0" u="none" strike="noStrike" dirty="0">
                         <a:solidFill>
                           <a:srgbClr val="000000"/>
                         </a:solidFill>
@@ -30967,7 +33322,7 @@
 </p:sld>
 </file>
 
-<file path=ppt/slides/slide8.xml><?xml version="1.0" encoding="utf-8"?>
+<file path=ppt/slides/slide9.xml><?xml version="1.0" encoding="utf-8"?>
 <p:sld xmlns:a="http://schemas.openxmlformats.org/drawingml/2006/main" xmlns:r="http://schemas.openxmlformats.org/officeDocument/2006/relationships" xmlns:p="http://schemas.openxmlformats.org/presentationml/2006/main">
   <p:cSld>
     <p:spTree>
@@ -31062,7 +33417,7 @@
                   <a:schemeClr val="bg1"/>
                 </a:solidFill>
               </a:rPr>
-              <a:t>환자 질환 순위</a:t>
+              <a:t>환자 질병 순위</a:t>
             </a:r>
             <a:r>
               <a:rPr lang="en-US" altLang="ko-KR" b="1" dirty="0">
@@ -31246,7 +33601,7 @@
             <a:fld id="{3A98EE3D-8CD1-4C3F-BD1C-C98C9596463C}" type="slidenum">
               <a:rPr lang="en-US" smtClean="0"/>
               <a:pPr/>
-              <a:t>8</a:t>
+              <a:t>9</a:t>
             </a:fld>
             <a:endParaRPr lang="en-US" dirty="0"/>
           </a:p>
@@ -31267,7 +33622,7 @@
           <p:nvPr>
             <p:extLst>
               <p:ext uri="{D42A27DB-BD31-4B8C-83A1-F6EECF244321}">
-                <p14:modId xmlns:p14="http://schemas.microsoft.com/office/powerpoint/2010/main" val="2094743193"/>
+                <p14:modId xmlns:p14="http://schemas.microsoft.com/office/powerpoint/2010/main" val="2256915958"/>
               </p:ext>
             </p:extLst>
           </p:nvPr>
@@ -31360,7 +33715,7 @@
                           <a:latin typeface="맑은 고딕" panose="020B0503020000020004" pitchFamily="50" charset="-127"/>
                           <a:ea typeface="맑은 고딕" panose="020B0503020000020004" pitchFamily="50" charset="-127"/>
                         </a:rPr>
-                        <a:t>대분류 기준</a:t>
+                        <a:t>중분류 기준</a:t>
                       </a:r>
                     </a:p>
                   </a:txBody>
@@ -33243,1958 +35598,6 @@
     <p:extLst>
       <p:ext uri="{BB962C8B-B14F-4D97-AF65-F5344CB8AC3E}">
         <p14:creationId xmlns:p14="http://schemas.microsoft.com/office/powerpoint/2010/main" val="2769676621"/>
-      </p:ext>
-    </p:extLst>
-  </p:cSld>
-  <p:clrMapOvr>
-    <a:masterClrMapping/>
-  </p:clrMapOvr>
-</p:sld>
-</file>
-
-<file path=ppt/slides/slide9.xml><?xml version="1.0" encoding="utf-8"?>
-<p:sld xmlns:a="http://schemas.openxmlformats.org/drawingml/2006/main" xmlns:r="http://schemas.openxmlformats.org/officeDocument/2006/relationships" xmlns:p="http://schemas.openxmlformats.org/presentationml/2006/main">
-  <p:cSld>
-    <p:spTree>
-      <p:nvGrpSpPr>
-        <p:cNvPr id="1" name=""/>
-        <p:cNvGrpSpPr/>
-        <p:nvPr/>
-      </p:nvGrpSpPr>
-      <p:grpSpPr>
-        <a:xfrm>
-          <a:off x="0" y="0"/>
-          <a:ext cx="0" cy="0"/>
-          <a:chOff x="0" y="0"/>
-          <a:chExt cx="0" cy="0"/>
-        </a:xfrm>
-      </p:grpSpPr>
-      <p:sp>
-        <p:nvSpPr>
-          <p:cNvPr id="5" name="제목 4">
-            <a:extLst>
-              <a:ext uri="{FF2B5EF4-FFF2-40B4-BE49-F238E27FC236}">
-                <a16:creationId xmlns:a16="http://schemas.microsoft.com/office/drawing/2014/main" id="{C90CD5D6-7C79-42E3-85C3-B793DA10ACEA}"/>
-              </a:ext>
-            </a:extLst>
-          </p:cNvPr>
-          <p:cNvSpPr>
-            <a:spLocks noGrp="1"/>
-          </p:cNvSpPr>
-          <p:nvPr>
-            <p:ph type="title"/>
-          </p:nvPr>
-        </p:nvSpPr>
-        <p:spPr/>
-        <p:txBody>
-          <a:bodyPr>
-            <a:normAutofit/>
-          </a:bodyPr>
-          <a:lstStyle/>
-          <a:p>
-            <a:r>
-              <a:rPr lang="ko-KR" altLang="en-US" dirty="0"/>
-              <a:t>분석 결과</a:t>
-            </a:r>
-            <a:br>
-              <a:rPr lang="en-US" altLang="ko-KR" dirty="0"/>
-            </a:br>
-            <a:r>
-              <a:rPr lang="en-US" altLang="ko-KR" dirty="0"/>
-              <a:t>Visualization</a:t>
-            </a:r>
-            <a:br>
-              <a:rPr lang="en-US" altLang="ko-KR" dirty="0"/>
-            </a:br>
-            <a:r>
-              <a:rPr lang="en-US" altLang="ko-KR" dirty="0"/>
-              <a:t> </a:t>
-            </a:r>
-            <a:br>
-              <a:rPr lang="en-US" altLang="ko-KR" b="1" dirty="0"/>
-            </a:br>
-            <a:endParaRPr lang="ko-KR" altLang="en-US" dirty="0"/>
-          </a:p>
-        </p:txBody>
-      </p:sp>
-      <p:sp>
-        <p:nvSpPr>
-          <p:cNvPr id="7" name="텍스트 개체 틀 6">
-            <a:extLst>
-              <a:ext uri="{FF2B5EF4-FFF2-40B4-BE49-F238E27FC236}">
-                <a16:creationId xmlns:a16="http://schemas.microsoft.com/office/drawing/2014/main" id="{4396C7AC-FDE3-45F7-B3F0-503F79EC6FA0}"/>
-              </a:ext>
-            </a:extLst>
-          </p:cNvPr>
-          <p:cNvSpPr>
-            <a:spLocks noGrp="1"/>
-          </p:cNvSpPr>
-          <p:nvPr>
-            <p:ph type="body" sz="half" idx="2"/>
-          </p:nvPr>
-        </p:nvSpPr>
-        <p:spPr/>
-        <p:txBody>
-          <a:bodyPr/>
-          <a:lstStyle/>
-          <a:p>
-            <a:pPr marL="342900" indent="-342900">
-              <a:buAutoNum type="arabicPeriod"/>
-            </a:pPr>
-            <a:r>
-              <a:rPr lang="ko-KR" altLang="en-US" b="1" dirty="0">
-                <a:solidFill>
-                  <a:schemeClr val="bg1"/>
-                </a:solidFill>
-              </a:rPr>
-              <a:t>환자 질환 순위 </a:t>
-            </a:r>
-            <a:r>
-              <a:rPr lang="en-US" altLang="ko-KR" b="1" dirty="0">
-                <a:solidFill>
-                  <a:schemeClr val="bg1"/>
-                </a:solidFill>
-              </a:rPr>
-              <a:t>:</a:t>
-            </a:r>
-            <a:r>
-              <a:rPr lang="ko-KR" altLang="en-US" b="1" dirty="0">
-                <a:solidFill>
-                  <a:schemeClr val="bg1"/>
-                </a:solidFill>
-              </a:rPr>
-              <a:t> 프랑스</a:t>
-            </a:r>
-            <a:endParaRPr lang="en-US" altLang="ko-KR" b="1" dirty="0">
-              <a:solidFill>
-                <a:schemeClr val="bg1"/>
-              </a:solidFill>
-            </a:endParaRPr>
-          </a:p>
-          <a:p>
-            <a:pPr marL="342900" indent="-342900">
-              <a:buAutoNum type="arabicPeriod"/>
-            </a:pPr>
-            <a:r>
-              <a:rPr lang="en-US" altLang="ko-KR" b="1" dirty="0">
-                <a:solidFill>
-                  <a:schemeClr val="bg2">
-                    <a:lumMod val="75000"/>
-                  </a:schemeClr>
-                </a:solidFill>
-              </a:rPr>
-              <a:t>COVID</a:t>
-            </a:r>
-            <a:r>
-              <a:rPr lang="ko-KR" altLang="en-US" b="1" dirty="0">
-                <a:solidFill>
-                  <a:schemeClr val="bg2">
-                    <a:lumMod val="75000"/>
-                  </a:schemeClr>
-                </a:solidFill>
-              </a:rPr>
-              <a:t> 증상 </a:t>
-            </a:r>
-            <a:r>
-              <a:rPr lang="en-US" altLang="ko-KR" b="1" dirty="0">
-                <a:solidFill>
-                  <a:schemeClr val="bg2">
-                    <a:lumMod val="75000"/>
-                  </a:schemeClr>
-                </a:solidFill>
-              </a:rPr>
-              <a:t>20</a:t>
-            </a:r>
-            <a:r>
-              <a:rPr lang="ko-KR" altLang="en-US" b="1" dirty="0">
-                <a:solidFill>
-                  <a:schemeClr val="bg2">
-                    <a:lumMod val="75000"/>
-                  </a:schemeClr>
-                </a:solidFill>
-              </a:rPr>
-              <a:t>순위</a:t>
-            </a:r>
-            <a:endParaRPr lang="en-US" altLang="ko-KR" b="1" dirty="0">
-              <a:solidFill>
-                <a:schemeClr val="bg2">
-                  <a:lumMod val="75000"/>
-                </a:schemeClr>
-              </a:solidFill>
-            </a:endParaRPr>
-          </a:p>
-          <a:p>
-            <a:pPr marL="342900" indent="-342900">
-              <a:buAutoNum type="arabicPeriod"/>
-            </a:pPr>
-            <a:r>
-              <a:rPr lang="en-US" altLang="ko-KR" b="1" dirty="0">
-                <a:solidFill>
-                  <a:schemeClr val="bg2">
-                    <a:lumMod val="75000"/>
-                  </a:schemeClr>
-                </a:solidFill>
-              </a:rPr>
-              <a:t>Visualization</a:t>
-            </a:r>
-          </a:p>
-          <a:p>
-            <a:pPr marL="800100" lvl="1" indent="-342900">
-              <a:buFont typeface="Arial" panose="020B0604020202020204" pitchFamily="34" charset="0"/>
-              <a:buChar char="•"/>
-            </a:pPr>
-            <a:r>
-              <a:rPr lang="en-US" altLang="ko-KR" sz="1600" b="1" dirty="0" err="1">
-                <a:solidFill>
-                  <a:schemeClr val="bg2">
-                    <a:lumMod val="75000"/>
-                  </a:schemeClr>
-                </a:solidFill>
-              </a:rPr>
-              <a:t>WordCount</a:t>
-            </a:r>
-            <a:endParaRPr lang="en-US" altLang="ko-KR" sz="1600" b="1" dirty="0">
-              <a:solidFill>
-                <a:schemeClr val="bg2">
-                  <a:lumMod val="75000"/>
-                </a:schemeClr>
-              </a:solidFill>
-            </a:endParaRPr>
-          </a:p>
-          <a:p>
-            <a:pPr marL="800100" lvl="1" indent="-342900">
-              <a:buFont typeface="Arial" panose="020B0604020202020204" pitchFamily="34" charset="0"/>
-              <a:buChar char="•"/>
-            </a:pPr>
-            <a:r>
-              <a:rPr lang="ko-KR" altLang="en-US" sz="1600" b="1" dirty="0">
-                <a:solidFill>
-                  <a:schemeClr val="bg2">
-                    <a:lumMod val="75000"/>
-                  </a:schemeClr>
-                </a:solidFill>
-              </a:rPr>
-              <a:t>증상 빈도</a:t>
-            </a:r>
-            <a:endParaRPr lang="en-US" altLang="ko-KR" sz="1600" b="1" dirty="0">
-              <a:solidFill>
-                <a:schemeClr val="bg2">
-                  <a:lumMod val="75000"/>
-                </a:schemeClr>
-              </a:solidFill>
-            </a:endParaRPr>
-          </a:p>
-          <a:p>
-            <a:pPr marL="800100" lvl="1" indent="-342900">
-              <a:buFont typeface="Arial" panose="020B0604020202020204" pitchFamily="34" charset="0"/>
-              <a:buChar char="•"/>
-            </a:pPr>
-            <a:r>
-              <a:rPr lang="ko-KR" altLang="en-US" sz="1600" b="1" dirty="0">
-                <a:solidFill>
-                  <a:schemeClr val="bg2">
-                    <a:lumMod val="75000"/>
-                  </a:schemeClr>
-                </a:solidFill>
-              </a:rPr>
-              <a:t>증상 연관도</a:t>
-            </a:r>
-          </a:p>
-        </p:txBody>
-      </p:sp>
-      <p:sp>
-        <p:nvSpPr>
-          <p:cNvPr id="6" name="슬라이드 번호 개체 틀 5">
-            <a:extLst>
-              <a:ext uri="{FF2B5EF4-FFF2-40B4-BE49-F238E27FC236}">
-                <a16:creationId xmlns:a16="http://schemas.microsoft.com/office/drawing/2014/main" id="{07715230-E573-4CE3-BA61-7C131AF19F7C}"/>
-              </a:ext>
-            </a:extLst>
-          </p:cNvPr>
-          <p:cNvSpPr>
-            <a:spLocks noGrp="1"/>
-          </p:cNvSpPr>
-          <p:nvPr>
-            <p:ph type="sldNum" sz="quarter" idx="4"/>
-          </p:nvPr>
-        </p:nvSpPr>
-        <p:spPr>
-          <a:xfrm>
-            <a:off x="10558300" y="6456916"/>
-            <a:ext cx="1052510" cy="365125"/>
-          </a:xfrm>
-        </p:spPr>
-        <p:txBody>
-          <a:bodyPr/>
-          <a:lstStyle/>
-          <a:p>
-            <a:fld id="{3A98EE3D-8CD1-4C3F-BD1C-C98C9596463C}" type="slidenum">
-              <a:rPr lang="en-US" smtClean="0"/>
-              <a:pPr/>
-              <a:t>9</a:t>
-            </a:fld>
-            <a:endParaRPr lang="en-US" dirty="0"/>
-          </a:p>
-        </p:txBody>
-      </p:sp>
-      <p:graphicFrame>
-        <p:nvGraphicFramePr>
-          <p:cNvPr id="2" name="표 1">
-            <a:extLst>
-              <a:ext uri="{FF2B5EF4-FFF2-40B4-BE49-F238E27FC236}">
-                <a16:creationId xmlns:a16="http://schemas.microsoft.com/office/drawing/2014/main" id="{0AD9DE5D-B0A2-4EBC-A6CE-B8C1D44ADB97}"/>
-              </a:ext>
-            </a:extLst>
-          </p:cNvPr>
-          <p:cNvGraphicFramePr>
-            <a:graphicFrameLocks noGrp="1"/>
-          </p:cNvGraphicFramePr>
-          <p:nvPr>
-            <p:extLst>
-              <p:ext uri="{D42A27DB-BD31-4B8C-83A1-F6EECF244321}">
-                <p14:modId xmlns:p14="http://schemas.microsoft.com/office/powerpoint/2010/main" val="901113693"/>
-              </p:ext>
-            </p:extLst>
-          </p:nvPr>
-        </p:nvGraphicFramePr>
-        <p:xfrm>
-          <a:off x="4403031" y="1017892"/>
-          <a:ext cx="7298296" cy="4822216"/>
-        </p:xfrm>
-        <a:graphic>
-          <a:graphicData uri="http://schemas.openxmlformats.org/drawingml/2006/table">
-            <a:tbl>
-              <a:tblPr/>
-              <a:tblGrid>
-                <a:gridCol w="3399947">
-                  <a:extLst>
-                    <a:ext uri="{9D8B030D-6E8A-4147-A177-3AD203B41FA5}">
-                      <a16:colId xmlns:a16="http://schemas.microsoft.com/office/drawing/2014/main" val="1308708511"/>
-                    </a:ext>
-                  </a:extLst>
-                </a:gridCol>
-                <a:gridCol w="651641">
-                  <a:extLst>
-                    <a:ext uri="{9D8B030D-6E8A-4147-A177-3AD203B41FA5}">
-                      <a16:colId xmlns:a16="http://schemas.microsoft.com/office/drawing/2014/main" val="1075972581"/>
-                    </a:ext>
-                  </a:extLst>
-                </a:gridCol>
-                <a:gridCol w="3246708">
-                  <a:extLst>
-                    <a:ext uri="{9D8B030D-6E8A-4147-A177-3AD203B41FA5}">
-                      <a16:colId xmlns:a16="http://schemas.microsoft.com/office/drawing/2014/main" val="263711610"/>
-                    </a:ext>
-                  </a:extLst>
-                </a:gridCol>
-              </a:tblGrid>
-              <a:tr h="462646">
-                <a:tc>
-                  <a:txBody>
-                    <a:bodyPr/>
-                    <a:lstStyle/>
-                    <a:p>
-                      <a:pPr marL="0" marR="0" indent="0" algn="just" fontAlgn="base" latinLnBrk="1">
-                        <a:lnSpc>
-                          <a:spcPct val="160000"/>
-                        </a:lnSpc>
-                        <a:spcBef>
-                          <a:spcPts val="0"/>
-                        </a:spcBef>
-                        <a:spcAft>
-                          <a:spcPts val="0"/>
-                        </a:spcAft>
-                      </a:pPr>
-                      <a:r>
-                        <a:rPr lang="en-US" sz="1300" b="1" kern="0" spc="0">
-                          <a:solidFill>
-                            <a:schemeClr val="tx1">
-                              <a:lumMod val="65000"/>
-                              <a:lumOff val="35000"/>
-                            </a:schemeClr>
-                          </a:solidFill>
-                          <a:effectLst/>
-                          <a:latin typeface="맑은 고딕" panose="020B0503020000020004" pitchFamily="50" charset="-127"/>
-                          <a:ea typeface="맑은 고딕" panose="020B0503020000020004" pitchFamily="50" charset="-127"/>
-                        </a:rPr>
-                        <a:t>KoICD </a:t>
-                      </a:r>
-                      <a:r>
-                        <a:rPr lang="ko-KR" altLang="en-US" sz="1300" b="1" kern="0" spc="0">
-                          <a:solidFill>
-                            <a:schemeClr val="tx1">
-                              <a:lumMod val="65000"/>
-                              <a:lumOff val="35000"/>
-                            </a:schemeClr>
-                          </a:solidFill>
-                          <a:effectLst/>
-                          <a:latin typeface="맑은 고딕" panose="020B0503020000020004" pitchFamily="50" charset="-127"/>
-                          <a:ea typeface="맑은 고딕" panose="020B0503020000020004" pitchFamily="50" charset="-127"/>
-                        </a:rPr>
-                        <a:t>대분류 기준</a:t>
-                      </a:r>
-                      <a:endParaRPr lang="ko-KR" altLang="en-US" sz="1300" b="1" kern="0" spc="0" dirty="0">
-                        <a:solidFill>
-                          <a:schemeClr val="tx1">
-                            <a:lumMod val="65000"/>
-                            <a:lumOff val="35000"/>
-                          </a:schemeClr>
-                        </a:solidFill>
-                        <a:effectLst/>
-                        <a:latin typeface="맑은 고딕" panose="020B0503020000020004" pitchFamily="50" charset="-127"/>
-                        <a:ea typeface="맑은 고딕" panose="020B0503020000020004" pitchFamily="50" charset="-127"/>
-                      </a:endParaRPr>
-                    </a:p>
-                  </a:txBody>
-                  <a:tcPr marL="87851" marR="87851" marT="43925" marB="43925" anchor="ctr">
-                    <a:lnL>
-                      <a:noFill/>
-                    </a:lnL>
-                    <a:lnR w="3175" cap="flat" cmpd="sng" algn="ctr">
-                      <a:solidFill>
-                        <a:srgbClr val="000000"/>
-                      </a:solidFill>
-                      <a:prstDash val="solid"/>
-                      <a:round/>
-                      <a:headEnd type="none" w="med" len="med"/>
-                      <a:tailEnd type="none" w="med" len="med"/>
-                    </a:lnR>
-                    <a:lnT w="3175" cap="flat" cmpd="sng" algn="ctr">
-                      <a:solidFill>
-                        <a:srgbClr val="000000"/>
-                      </a:solidFill>
-                      <a:prstDash val="solid"/>
-                      <a:round/>
-                      <a:headEnd type="none" w="med" len="med"/>
-                      <a:tailEnd type="none" w="med" len="med"/>
-                    </a:lnT>
-                    <a:lnB w="3175" cap="flat" cmpd="sng" algn="ctr">
-                      <a:solidFill>
-                        <a:srgbClr val="000000"/>
-                      </a:solidFill>
-                      <a:prstDash val="solid"/>
-                      <a:round/>
-                      <a:headEnd type="none" w="med" len="med"/>
-                      <a:tailEnd type="none" w="med" len="med"/>
-                    </a:lnB>
-                    <a:solidFill>
-                      <a:schemeClr val="accent3">
-                        <a:lumMod val="40000"/>
-                        <a:lumOff val="60000"/>
-                      </a:schemeClr>
-                    </a:solidFill>
-                  </a:tcPr>
-                </a:tc>
-                <a:tc>
-                  <a:txBody>
-                    <a:bodyPr/>
-                    <a:lstStyle/>
-                    <a:p>
-                      <a:pPr marL="0" marR="0" indent="0" algn="just" fontAlgn="base" latinLnBrk="1">
-                        <a:lnSpc>
-                          <a:spcPct val="160000"/>
-                        </a:lnSpc>
-                        <a:spcBef>
-                          <a:spcPts val="0"/>
-                        </a:spcBef>
-                        <a:spcAft>
-                          <a:spcPts val="0"/>
-                        </a:spcAft>
-                      </a:pPr>
-                      <a:r>
-                        <a:rPr lang="ko-KR" altLang="en-US" sz="1000" b="1" kern="0" spc="0" dirty="0">
-                          <a:solidFill>
-                            <a:schemeClr val="tx1">
-                              <a:lumMod val="65000"/>
-                              <a:lumOff val="35000"/>
-                            </a:schemeClr>
-                          </a:solidFill>
-                          <a:effectLst/>
-                          <a:latin typeface="맑은 고딕" panose="020B0503020000020004" pitchFamily="50" charset="-127"/>
-                          <a:ea typeface="맑은 고딕" panose="020B0503020000020004" pitchFamily="50" charset="-127"/>
-                        </a:rPr>
-                        <a:t>인원</a:t>
-                      </a:r>
-                    </a:p>
-                  </a:txBody>
-                  <a:tcPr marL="87851" marR="87851" marT="43925" marB="43925" anchor="ctr">
-                    <a:lnL w="3175" cap="flat" cmpd="sng" algn="ctr">
-                      <a:solidFill>
-                        <a:srgbClr val="000000"/>
-                      </a:solidFill>
-                      <a:prstDash val="solid"/>
-                      <a:round/>
-                      <a:headEnd type="none" w="med" len="med"/>
-                      <a:tailEnd type="none" w="med" len="med"/>
-                    </a:lnL>
-                    <a:lnR w="3175" cap="flat" cmpd="sng" algn="ctr">
-                      <a:solidFill>
-                        <a:srgbClr val="000000"/>
-                      </a:solidFill>
-                      <a:prstDash val="solid"/>
-                      <a:round/>
-                      <a:headEnd type="none" w="med" len="med"/>
-                      <a:tailEnd type="none" w="med" len="med"/>
-                    </a:lnR>
-                    <a:lnT w="3175" cap="flat" cmpd="sng" algn="ctr">
-                      <a:solidFill>
-                        <a:srgbClr val="000000"/>
-                      </a:solidFill>
-                      <a:prstDash val="solid"/>
-                      <a:round/>
-                      <a:headEnd type="none" w="med" len="med"/>
-                      <a:tailEnd type="none" w="med" len="med"/>
-                    </a:lnT>
-                    <a:lnB w="3175" cap="flat" cmpd="sng" algn="ctr">
-                      <a:solidFill>
-                        <a:srgbClr val="000000"/>
-                      </a:solidFill>
-                      <a:prstDash val="solid"/>
-                      <a:round/>
-                      <a:headEnd type="none" w="med" len="med"/>
-                      <a:tailEnd type="none" w="med" len="med"/>
-                    </a:lnB>
-                    <a:solidFill>
-                      <a:schemeClr val="accent3">
-                        <a:lumMod val="40000"/>
-                        <a:lumOff val="60000"/>
-                      </a:schemeClr>
-                    </a:solidFill>
-                  </a:tcPr>
-                </a:tc>
-                <a:tc rowSpan="11">
-                  <a:txBody>
-                    <a:bodyPr/>
-                    <a:lstStyle/>
-                    <a:p>
-                      <a:pPr marL="0" marR="0" indent="0" algn="just" fontAlgn="base" latinLnBrk="1">
-                        <a:lnSpc>
-                          <a:spcPct val="160000"/>
-                        </a:lnSpc>
-                        <a:spcBef>
-                          <a:spcPts val="0"/>
-                        </a:spcBef>
-                        <a:spcAft>
-                          <a:spcPts val="0"/>
-                        </a:spcAft>
-                      </a:pPr>
-                      <a:endParaRPr lang="ko-KR" altLang="en-US" sz="1000" b="1" kern="0" spc="0" dirty="0">
-                        <a:solidFill>
-                          <a:schemeClr val="tx1">
-                            <a:lumMod val="65000"/>
-                            <a:lumOff val="35000"/>
-                          </a:schemeClr>
-                        </a:solidFill>
-                        <a:effectLst/>
-                        <a:latin typeface="맑은 고딕" panose="020B0503020000020004" pitchFamily="50" charset="-127"/>
-                        <a:ea typeface="맑은 고딕" panose="020B0503020000020004" pitchFamily="50" charset="-127"/>
-                      </a:endParaRPr>
-                    </a:p>
-                  </a:txBody>
-                  <a:tcPr marL="87851" marR="87851" marT="43925" marB="43925" anchor="ctr">
-                    <a:lnL w="3175" cap="flat" cmpd="sng" algn="ctr">
-                      <a:solidFill>
-                        <a:srgbClr val="000000"/>
-                      </a:solidFill>
-                      <a:prstDash val="solid"/>
-                      <a:round/>
-                      <a:headEnd type="none" w="med" len="med"/>
-                      <a:tailEnd type="none" w="med" len="med"/>
-                    </a:lnL>
-                    <a:lnR>
-                      <a:noFill/>
-                    </a:lnR>
-                    <a:lnT w="3175" cap="flat" cmpd="sng" algn="ctr">
-                      <a:solidFill>
-                        <a:srgbClr val="000000"/>
-                      </a:solidFill>
-                      <a:prstDash val="solid"/>
-                      <a:round/>
-                      <a:headEnd type="none" w="med" len="med"/>
-                      <a:tailEnd type="none" w="med" len="med"/>
-                    </a:lnT>
-                    <a:lnB w="3175" cap="flat" cmpd="sng" algn="ctr">
-                      <a:solidFill>
-                        <a:srgbClr val="000000"/>
-                      </a:solidFill>
-                      <a:prstDash val="solid"/>
-                      <a:round/>
-                      <a:headEnd type="none" w="med" len="med"/>
-                      <a:tailEnd type="none" w="med" len="med"/>
-                    </a:lnB>
-                  </a:tcPr>
-                </a:tc>
-                <a:extLst>
-                  <a:ext uri="{0D108BD9-81ED-4DB2-BD59-A6C34878D82A}">
-                    <a16:rowId xmlns:a16="http://schemas.microsoft.com/office/drawing/2014/main" val="3095405925"/>
-                  </a:ext>
-                </a:extLst>
-              </a:tr>
-              <a:tr h="323066">
-                <a:tc>
-                  <a:txBody>
-                    <a:bodyPr/>
-                    <a:lstStyle/>
-                    <a:p>
-                      <a:pPr algn="l" fontAlgn="ctr"/>
-                      <a:r>
-                        <a:rPr lang="ko-KR" altLang="en-US" sz="1300" b="1" i="0" u="none" strike="noStrike" dirty="0">
-                          <a:solidFill>
-                            <a:srgbClr val="000000"/>
-                          </a:solidFill>
-                          <a:effectLst/>
-                          <a:latin typeface="Malgun Gothic" panose="020B0503020000020004" pitchFamily="34" charset="-127"/>
-                          <a:ea typeface="Malgun Gothic" panose="020B0503020000020004" pitchFamily="34" charset="-127"/>
-                        </a:rPr>
-                        <a:t>인플루엔자 및 폐렴</a:t>
-                      </a:r>
-                    </a:p>
-                  </a:txBody>
-                  <a:tcPr marL="9525" marR="9525" marT="9525" marB="0" anchor="ctr">
-                    <a:lnL>
-                      <a:noFill/>
-                    </a:lnL>
-                    <a:lnR w="3175" cap="flat" cmpd="sng" algn="ctr">
-                      <a:solidFill>
-                        <a:srgbClr val="000000"/>
-                      </a:solidFill>
-                      <a:prstDash val="solid"/>
-                      <a:round/>
-                      <a:headEnd type="none" w="med" len="med"/>
-                      <a:tailEnd type="none" w="med" len="med"/>
-                    </a:lnR>
-                    <a:lnT w="3175" cap="flat" cmpd="sng" algn="ctr">
-                      <a:solidFill>
-                        <a:srgbClr val="000000"/>
-                      </a:solidFill>
-                      <a:prstDash val="solid"/>
-                      <a:round/>
-                      <a:headEnd type="none" w="med" len="med"/>
-                      <a:tailEnd type="none" w="med" len="med"/>
-                    </a:lnT>
-                    <a:lnB w="3175" cap="flat" cmpd="sng" algn="ctr">
-                      <a:solidFill>
-                        <a:srgbClr val="000000"/>
-                      </a:solidFill>
-                      <a:prstDash val="solid"/>
-                      <a:round/>
-                      <a:headEnd type="none" w="med" len="med"/>
-                      <a:tailEnd type="none" w="med" len="med"/>
-                    </a:lnB>
-                  </a:tcPr>
-                </a:tc>
-                <a:tc>
-                  <a:txBody>
-                    <a:bodyPr/>
-                    <a:lstStyle/>
-                    <a:p>
-                      <a:pPr algn="r" fontAlgn="ctr"/>
-                      <a:r>
-                        <a:rPr lang="en-US" altLang="ko-KR" sz="1300" b="1" i="0" u="none" strike="noStrike">
-                          <a:solidFill>
-                            <a:srgbClr val="000000"/>
-                          </a:solidFill>
-                          <a:effectLst/>
-                          <a:latin typeface="Malgun Gothic" panose="020B0503020000020004" pitchFamily="34" charset="-127"/>
-                          <a:ea typeface="Malgun Gothic" panose="020B0503020000020004" pitchFamily="34" charset="-127"/>
-                        </a:rPr>
-                        <a:t>1742</a:t>
-                      </a:r>
-                    </a:p>
-                  </a:txBody>
-                  <a:tcPr marL="9525" marR="9525" marT="9525" marB="0" anchor="ctr">
-                    <a:lnL w="3175" cap="flat" cmpd="sng" algn="ctr">
-                      <a:solidFill>
-                        <a:srgbClr val="000000"/>
-                      </a:solidFill>
-                      <a:prstDash val="solid"/>
-                      <a:round/>
-                      <a:headEnd type="none" w="med" len="med"/>
-                      <a:tailEnd type="none" w="med" len="med"/>
-                    </a:lnL>
-                    <a:lnR w="3175" cap="flat" cmpd="sng" algn="ctr">
-                      <a:solidFill>
-                        <a:srgbClr val="000000"/>
-                      </a:solidFill>
-                      <a:prstDash val="solid"/>
-                      <a:round/>
-                      <a:headEnd type="none" w="med" len="med"/>
-                      <a:tailEnd type="none" w="med" len="med"/>
-                    </a:lnR>
-                    <a:lnT w="3175" cap="flat" cmpd="sng" algn="ctr">
-                      <a:solidFill>
-                        <a:srgbClr val="000000"/>
-                      </a:solidFill>
-                      <a:prstDash val="solid"/>
-                      <a:round/>
-                      <a:headEnd type="none" w="med" len="med"/>
-                      <a:tailEnd type="none" w="med" len="med"/>
-                    </a:lnT>
-                    <a:lnB w="3175" cap="flat" cmpd="sng" algn="ctr">
-                      <a:solidFill>
-                        <a:srgbClr val="000000"/>
-                      </a:solidFill>
-                      <a:prstDash val="solid"/>
-                      <a:round/>
-                      <a:headEnd type="none" w="med" len="med"/>
-                      <a:tailEnd type="none" w="med" len="med"/>
-                    </a:lnB>
-                  </a:tcPr>
-                </a:tc>
-                <a:tc vMerge="1">
-                  <a:txBody>
-                    <a:bodyPr/>
-                    <a:lstStyle/>
-                    <a:p>
-                      <a:pPr marL="0" marR="0" indent="0" algn="just" fontAlgn="base" latinLnBrk="1">
-                        <a:lnSpc>
-                          <a:spcPct val="160000"/>
-                        </a:lnSpc>
-                        <a:spcBef>
-                          <a:spcPts val="0"/>
-                        </a:spcBef>
-                        <a:spcAft>
-                          <a:spcPts val="0"/>
-                        </a:spcAft>
-                      </a:pPr>
-                      <a:endParaRPr lang="ko-KR" altLang="en-US" sz="1000" kern="0" spc="0" dirty="0">
-                        <a:solidFill>
-                          <a:srgbClr val="000000"/>
-                        </a:solidFill>
-                        <a:effectLst/>
-                        <a:latin typeface="함초롬바탕" panose="02030604000101010101" pitchFamily="18" charset="-127"/>
-                      </a:endParaRPr>
-                    </a:p>
-                  </a:txBody>
-                  <a:tcPr marL="87851" marR="87851" marT="43925" marB="43925" anchor="ctr">
-                    <a:lnL w="3175" cap="flat" cmpd="sng" algn="ctr">
-                      <a:solidFill>
-                        <a:srgbClr val="000000"/>
-                      </a:solidFill>
-                      <a:prstDash val="solid"/>
-                      <a:round/>
-                      <a:headEnd type="none" w="med" len="med"/>
-                      <a:tailEnd type="none" w="med" len="med"/>
-                    </a:lnL>
-                    <a:lnR>
-                      <a:noFill/>
-                    </a:lnR>
-                    <a:lnT w="3175" cap="flat" cmpd="sng" algn="ctr">
-                      <a:solidFill>
-                        <a:srgbClr val="000000"/>
-                      </a:solidFill>
-                      <a:prstDash val="solid"/>
-                      <a:round/>
-                      <a:headEnd type="none" w="med" len="med"/>
-                      <a:tailEnd type="none" w="med" len="med"/>
-                    </a:lnT>
-                    <a:lnB w="3175" cap="flat" cmpd="sng" algn="ctr">
-                      <a:solidFill>
-                        <a:srgbClr val="000000"/>
-                      </a:solidFill>
-                      <a:prstDash val="solid"/>
-                      <a:round/>
-                      <a:headEnd type="none" w="med" len="med"/>
-                      <a:tailEnd type="none" w="med" len="med"/>
-                    </a:lnB>
-                  </a:tcPr>
-                </a:tc>
-                <a:extLst>
-                  <a:ext uri="{0D108BD9-81ED-4DB2-BD59-A6C34878D82A}">
-                    <a16:rowId xmlns:a16="http://schemas.microsoft.com/office/drawing/2014/main" val="4185777644"/>
-                  </a:ext>
-                </a:extLst>
-              </a:tr>
-              <a:tr h="441159">
-                <a:tc>
-                  <a:txBody>
-                    <a:bodyPr/>
-                    <a:lstStyle/>
-                    <a:p>
-                      <a:pPr algn="l" fontAlgn="ctr"/>
-                      <a:r>
-                        <a:rPr lang="ko-KR" altLang="en-US" sz="1300" b="1" i="0" u="none" strike="noStrike">
-                          <a:solidFill>
-                            <a:srgbClr val="000000"/>
-                          </a:solidFill>
-                          <a:effectLst/>
-                          <a:latin typeface="Malgun Gothic" panose="020B0503020000020004" pitchFamily="34" charset="-127"/>
-                          <a:ea typeface="Malgun Gothic" panose="020B0503020000020004" pitchFamily="34" charset="-127"/>
-                        </a:rPr>
-                        <a:t>전염성 질환과 관련되어 잠재적인 건강위험이 있는 사람</a:t>
-                      </a:r>
-                    </a:p>
-                  </a:txBody>
-                  <a:tcPr marL="9525" marR="9525" marT="9525" marB="0" anchor="ctr">
-                    <a:lnL>
-                      <a:noFill/>
-                    </a:lnL>
-                    <a:lnR w="3175" cap="flat" cmpd="sng" algn="ctr">
-                      <a:solidFill>
-                        <a:srgbClr val="000000"/>
-                      </a:solidFill>
-                      <a:prstDash val="solid"/>
-                      <a:round/>
-                      <a:headEnd type="none" w="med" len="med"/>
-                      <a:tailEnd type="none" w="med" len="med"/>
-                    </a:lnR>
-                    <a:lnT w="3175" cap="flat" cmpd="sng" algn="ctr">
-                      <a:solidFill>
-                        <a:srgbClr val="000000"/>
-                      </a:solidFill>
-                      <a:prstDash val="solid"/>
-                      <a:round/>
-                      <a:headEnd type="none" w="med" len="med"/>
-                      <a:tailEnd type="none" w="med" len="med"/>
-                    </a:lnT>
-                    <a:lnB w="3175" cap="flat" cmpd="sng" algn="ctr">
-                      <a:solidFill>
-                        <a:srgbClr val="000000"/>
-                      </a:solidFill>
-                      <a:prstDash val="solid"/>
-                      <a:round/>
-                      <a:headEnd type="none" w="med" len="med"/>
-                      <a:tailEnd type="none" w="med" len="med"/>
-                    </a:lnB>
-                  </a:tcPr>
-                </a:tc>
-                <a:tc>
-                  <a:txBody>
-                    <a:bodyPr/>
-                    <a:lstStyle/>
-                    <a:p>
-                      <a:pPr algn="r" fontAlgn="ctr"/>
-                      <a:r>
-                        <a:rPr lang="en-US" altLang="ko-KR" sz="1300" b="1" i="0" u="none" strike="noStrike">
-                          <a:solidFill>
-                            <a:srgbClr val="000000"/>
-                          </a:solidFill>
-                          <a:effectLst/>
-                          <a:latin typeface="Malgun Gothic" panose="020B0503020000020004" pitchFamily="34" charset="-127"/>
-                          <a:ea typeface="Malgun Gothic" panose="020B0503020000020004" pitchFamily="34" charset="-127"/>
-                        </a:rPr>
-                        <a:t>1282</a:t>
-                      </a:r>
-                    </a:p>
-                  </a:txBody>
-                  <a:tcPr marL="9525" marR="9525" marT="9525" marB="0" anchor="ctr">
-                    <a:lnL w="3175" cap="flat" cmpd="sng" algn="ctr">
-                      <a:solidFill>
-                        <a:srgbClr val="000000"/>
-                      </a:solidFill>
-                      <a:prstDash val="solid"/>
-                      <a:round/>
-                      <a:headEnd type="none" w="med" len="med"/>
-                      <a:tailEnd type="none" w="med" len="med"/>
-                    </a:lnL>
-                    <a:lnR w="3175" cap="flat" cmpd="sng" algn="ctr">
-                      <a:solidFill>
-                        <a:srgbClr val="000000"/>
-                      </a:solidFill>
-                      <a:prstDash val="solid"/>
-                      <a:round/>
-                      <a:headEnd type="none" w="med" len="med"/>
-                      <a:tailEnd type="none" w="med" len="med"/>
-                    </a:lnR>
-                    <a:lnT w="3175" cap="flat" cmpd="sng" algn="ctr">
-                      <a:solidFill>
-                        <a:srgbClr val="000000"/>
-                      </a:solidFill>
-                      <a:prstDash val="solid"/>
-                      <a:round/>
-                      <a:headEnd type="none" w="med" len="med"/>
-                      <a:tailEnd type="none" w="med" len="med"/>
-                    </a:lnT>
-                    <a:lnB w="3175" cap="flat" cmpd="sng" algn="ctr">
-                      <a:solidFill>
-                        <a:srgbClr val="000000"/>
-                      </a:solidFill>
-                      <a:prstDash val="solid"/>
-                      <a:round/>
-                      <a:headEnd type="none" w="med" len="med"/>
-                      <a:tailEnd type="none" w="med" len="med"/>
-                    </a:lnB>
-                  </a:tcPr>
-                </a:tc>
-                <a:tc vMerge="1">
-                  <a:txBody>
-                    <a:bodyPr/>
-                    <a:lstStyle/>
-                    <a:p>
-                      <a:pPr latinLnBrk="1"/>
-                      <a:endParaRPr lang="ko-KR" altLang="en-US"/>
-                    </a:p>
-                  </a:txBody>
-                  <a:tcPr/>
-                </a:tc>
-                <a:extLst>
-                  <a:ext uri="{0D108BD9-81ED-4DB2-BD59-A6C34878D82A}">
-                    <a16:rowId xmlns:a16="http://schemas.microsoft.com/office/drawing/2014/main" val="1415243030"/>
-                  </a:ext>
-                </a:extLst>
-              </a:tr>
-              <a:tr h="323066">
-                <a:tc>
-                  <a:txBody>
-                    <a:bodyPr/>
-                    <a:lstStyle/>
-                    <a:p>
-                      <a:pPr algn="l" fontAlgn="ctr"/>
-                      <a:r>
-                        <a:rPr lang="ko-KR" altLang="en-US" sz="1300" b="1" i="0" u="none" strike="noStrike">
-                          <a:solidFill>
-                            <a:srgbClr val="000000"/>
-                          </a:solidFill>
-                          <a:effectLst/>
-                          <a:latin typeface="Malgun Gothic" panose="020B0503020000020004" pitchFamily="34" charset="-127"/>
-                          <a:ea typeface="Malgun Gothic" panose="020B0503020000020004" pitchFamily="34" charset="-127"/>
-                        </a:rPr>
-                        <a:t>전신증상 및 징후</a:t>
-                      </a:r>
-                    </a:p>
-                  </a:txBody>
-                  <a:tcPr marL="9525" marR="9525" marT="9525" marB="0" anchor="ctr">
-                    <a:lnL>
-                      <a:noFill/>
-                    </a:lnL>
-                    <a:lnR w="3175" cap="flat" cmpd="sng" algn="ctr">
-                      <a:solidFill>
-                        <a:srgbClr val="000000"/>
-                      </a:solidFill>
-                      <a:prstDash val="solid"/>
-                      <a:round/>
-                      <a:headEnd type="none" w="med" len="med"/>
-                      <a:tailEnd type="none" w="med" len="med"/>
-                    </a:lnR>
-                    <a:lnT w="3175" cap="flat" cmpd="sng" algn="ctr">
-                      <a:solidFill>
-                        <a:srgbClr val="000000"/>
-                      </a:solidFill>
-                      <a:prstDash val="solid"/>
-                      <a:round/>
-                      <a:headEnd type="none" w="med" len="med"/>
-                      <a:tailEnd type="none" w="med" len="med"/>
-                    </a:lnT>
-                    <a:lnB w="3175" cap="flat" cmpd="sng" algn="ctr">
-                      <a:solidFill>
-                        <a:srgbClr val="000000"/>
-                      </a:solidFill>
-                      <a:prstDash val="solid"/>
-                      <a:round/>
-                      <a:headEnd type="none" w="med" len="med"/>
-                      <a:tailEnd type="none" w="med" len="med"/>
-                    </a:lnB>
-                  </a:tcPr>
-                </a:tc>
-                <a:tc>
-                  <a:txBody>
-                    <a:bodyPr/>
-                    <a:lstStyle/>
-                    <a:p>
-                      <a:pPr algn="r" fontAlgn="ctr"/>
-                      <a:r>
-                        <a:rPr lang="en-US" altLang="ko-KR" sz="1300" b="1" i="0" u="none" strike="noStrike">
-                          <a:solidFill>
-                            <a:srgbClr val="000000"/>
-                          </a:solidFill>
-                          <a:effectLst/>
-                          <a:latin typeface="Malgun Gothic" panose="020B0503020000020004" pitchFamily="34" charset="-127"/>
-                          <a:ea typeface="Malgun Gothic" panose="020B0503020000020004" pitchFamily="34" charset="-127"/>
-                        </a:rPr>
-                        <a:t>1116</a:t>
-                      </a:r>
-                    </a:p>
-                  </a:txBody>
-                  <a:tcPr marL="9525" marR="9525" marT="9525" marB="0" anchor="ctr">
-                    <a:lnL w="3175" cap="flat" cmpd="sng" algn="ctr">
-                      <a:solidFill>
-                        <a:srgbClr val="000000"/>
-                      </a:solidFill>
-                      <a:prstDash val="solid"/>
-                      <a:round/>
-                      <a:headEnd type="none" w="med" len="med"/>
-                      <a:tailEnd type="none" w="med" len="med"/>
-                    </a:lnL>
-                    <a:lnR w="3175" cap="flat" cmpd="sng" algn="ctr">
-                      <a:solidFill>
-                        <a:srgbClr val="000000"/>
-                      </a:solidFill>
-                      <a:prstDash val="solid"/>
-                      <a:round/>
-                      <a:headEnd type="none" w="med" len="med"/>
-                      <a:tailEnd type="none" w="med" len="med"/>
-                    </a:lnR>
-                    <a:lnT w="3175" cap="flat" cmpd="sng" algn="ctr">
-                      <a:solidFill>
-                        <a:srgbClr val="000000"/>
-                      </a:solidFill>
-                      <a:prstDash val="solid"/>
-                      <a:round/>
-                      <a:headEnd type="none" w="med" len="med"/>
-                      <a:tailEnd type="none" w="med" len="med"/>
-                    </a:lnT>
-                    <a:lnB w="3175" cap="flat" cmpd="sng" algn="ctr">
-                      <a:solidFill>
-                        <a:srgbClr val="000000"/>
-                      </a:solidFill>
-                      <a:prstDash val="solid"/>
-                      <a:round/>
-                      <a:headEnd type="none" w="med" len="med"/>
-                      <a:tailEnd type="none" w="med" len="med"/>
-                    </a:lnB>
-                  </a:tcPr>
-                </a:tc>
-                <a:tc vMerge="1">
-                  <a:txBody>
-                    <a:bodyPr/>
-                    <a:lstStyle/>
-                    <a:p>
-                      <a:pPr latinLnBrk="1"/>
-                      <a:endParaRPr lang="ko-KR" altLang="en-US"/>
-                    </a:p>
-                  </a:txBody>
-                  <a:tcPr/>
-                </a:tc>
-                <a:extLst>
-                  <a:ext uri="{0D108BD9-81ED-4DB2-BD59-A6C34878D82A}">
-                    <a16:rowId xmlns:a16="http://schemas.microsoft.com/office/drawing/2014/main" val="1557844078"/>
-                  </a:ext>
-                </a:extLst>
-              </a:tr>
-              <a:tr h="323066">
-                <a:tc>
-                  <a:txBody>
-                    <a:bodyPr/>
-                    <a:lstStyle/>
-                    <a:p>
-                      <a:pPr algn="l" fontAlgn="ctr"/>
-                      <a:r>
-                        <a:rPr lang="ko-KR" altLang="en-US" sz="1300" b="1" i="0" u="none" strike="noStrike">
-                          <a:solidFill>
-                            <a:srgbClr val="000000"/>
-                          </a:solidFill>
-                          <a:effectLst/>
-                          <a:latin typeface="Malgun Gothic" panose="020B0503020000020004" pitchFamily="34" charset="-127"/>
-                          <a:ea typeface="Malgun Gothic" panose="020B0503020000020004" pitchFamily="34" charset="-127"/>
-                        </a:rPr>
-                        <a:t>순환계통 및 호흡계통의 증상 및 징후</a:t>
-                      </a:r>
-                    </a:p>
-                  </a:txBody>
-                  <a:tcPr marL="9525" marR="9525" marT="9525" marB="0" anchor="ctr">
-                    <a:lnL>
-                      <a:noFill/>
-                    </a:lnL>
-                    <a:lnR w="3175" cap="flat" cmpd="sng" algn="ctr">
-                      <a:solidFill>
-                        <a:srgbClr val="000000"/>
-                      </a:solidFill>
-                      <a:prstDash val="solid"/>
-                      <a:round/>
-                      <a:headEnd type="none" w="med" len="med"/>
-                      <a:tailEnd type="none" w="med" len="med"/>
-                    </a:lnR>
-                    <a:lnT w="3175" cap="flat" cmpd="sng" algn="ctr">
-                      <a:solidFill>
-                        <a:srgbClr val="000000"/>
-                      </a:solidFill>
-                      <a:prstDash val="solid"/>
-                      <a:round/>
-                      <a:headEnd type="none" w="med" len="med"/>
-                      <a:tailEnd type="none" w="med" len="med"/>
-                    </a:lnT>
-                    <a:lnB w="3175" cap="flat" cmpd="sng" algn="ctr">
-                      <a:solidFill>
-                        <a:srgbClr val="000000"/>
-                      </a:solidFill>
-                      <a:prstDash val="solid"/>
-                      <a:round/>
-                      <a:headEnd type="none" w="med" len="med"/>
-                      <a:tailEnd type="none" w="med" len="med"/>
-                    </a:lnB>
-                  </a:tcPr>
-                </a:tc>
-                <a:tc>
-                  <a:txBody>
-                    <a:bodyPr/>
-                    <a:lstStyle/>
-                    <a:p>
-                      <a:pPr algn="r" fontAlgn="ctr"/>
-                      <a:r>
-                        <a:rPr lang="en-US" altLang="ko-KR" sz="1300" b="1" i="0" u="none" strike="noStrike">
-                          <a:solidFill>
-                            <a:srgbClr val="000000"/>
-                          </a:solidFill>
-                          <a:effectLst/>
-                          <a:latin typeface="Malgun Gothic" panose="020B0503020000020004" pitchFamily="34" charset="-127"/>
-                          <a:ea typeface="Malgun Gothic" panose="020B0503020000020004" pitchFamily="34" charset="-127"/>
-                        </a:rPr>
-                        <a:t>648</a:t>
-                      </a:r>
-                    </a:p>
-                  </a:txBody>
-                  <a:tcPr marL="9525" marR="9525" marT="9525" marB="0" anchor="ctr">
-                    <a:lnL w="3175" cap="flat" cmpd="sng" algn="ctr">
-                      <a:solidFill>
-                        <a:srgbClr val="000000"/>
-                      </a:solidFill>
-                      <a:prstDash val="solid"/>
-                      <a:round/>
-                      <a:headEnd type="none" w="med" len="med"/>
-                      <a:tailEnd type="none" w="med" len="med"/>
-                    </a:lnL>
-                    <a:lnR w="3175" cap="flat" cmpd="sng" algn="ctr">
-                      <a:solidFill>
-                        <a:srgbClr val="000000"/>
-                      </a:solidFill>
-                      <a:prstDash val="solid"/>
-                      <a:round/>
-                      <a:headEnd type="none" w="med" len="med"/>
-                      <a:tailEnd type="none" w="med" len="med"/>
-                    </a:lnR>
-                    <a:lnT w="3175" cap="flat" cmpd="sng" algn="ctr">
-                      <a:solidFill>
-                        <a:srgbClr val="000000"/>
-                      </a:solidFill>
-                      <a:prstDash val="solid"/>
-                      <a:round/>
-                      <a:headEnd type="none" w="med" len="med"/>
-                      <a:tailEnd type="none" w="med" len="med"/>
-                    </a:lnT>
-                    <a:lnB w="3175" cap="flat" cmpd="sng" algn="ctr">
-                      <a:solidFill>
-                        <a:srgbClr val="000000"/>
-                      </a:solidFill>
-                      <a:prstDash val="solid"/>
-                      <a:round/>
-                      <a:headEnd type="none" w="med" len="med"/>
-                      <a:tailEnd type="none" w="med" len="med"/>
-                    </a:lnB>
-                  </a:tcPr>
-                </a:tc>
-                <a:tc vMerge="1">
-                  <a:txBody>
-                    <a:bodyPr/>
-                    <a:lstStyle/>
-                    <a:p>
-                      <a:pPr latinLnBrk="1"/>
-                      <a:endParaRPr lang="ko-KR" altLang="en-US"/>
-                    </a:p>
-                  </a:txBody>
-                  <a:tcPr/>
-                </a:tc>
-                <a:extLst>
-                  <a:ext uri="{0D108BD9-81ED-4DB2-BD59-A6C34878D82A}">
-                    <a16:rowId xmlns:a16="http://schemas.microsoft.com/office/drawing/2014/main" val="2351746596"/>
-                  </a:ext>
-                </a:extLst>
-              </a:tr>
-              <a:tr h="587669">
-                <a:tc>
-                  <a:txBody>
-                    <a:bodyPr/>
-                    <a:lstStyle/>
-                    <a:p>
-                      <a:pPr algn="l" fontAlgn="ctr"/>
-                      <a:r>
-                        <a:rPr lang="ko-KR" altLang="en-US" sz="1300" b="1" i="0" u="none" strike="noStrike">
-                          <a:solidFill>
-                            <a:srgbClr val="000000"/>
-                          </a:solidFill>
-                          <a:effectLst/>
-                          <a:latin typeface="Malgun Gothic" panose="020B0503020000020004" pitchFamily="34" charset="-127"/>
-                          <a:ea typeface="Malgun Gothic" panose="020B0503020000020004" pitchFamily="34" charset="-127"/>
-                        </a:rPr>
-                        <a:t>호흡계통의 기타 질환</a:t>
-                      </a:r>
-                    </a:p>
-                  </a:txBody>
-                  <a:tcPr marL="9525" marR="9525" marT="9525" marB="0" anchor="ctr">
-                    <a:lnL>
-                      <a:noFill/>
-                    </a:lnL>
-                    <a:lnR w="3175" cap="flat" cmpd="sng" algn="ctr">
-                      <a:solidFill>
-                        <a:srgbClr val="000000"/>
-                      </a:solidFill>
-                      <a:prstDash val="solid"/>
-                      <a:round/>
-                      <a:headEnd type="none" w="med" len="med"/>
-                      <a:tailEnd type="none" w="med" len="med"/>
-                    </a:lnR>
-                    <a:lnT w="3175" cap="flat" cmpd="sng" algn="ctr">
-                      <a:solidFill>
-                        <a:srgbClr val="000000"/>
-                      </a:solidFill>
-                      <a:prstDash val="solid"/>
-                      <a:round/>
-                      <a:headEnd type="none" w="med" len="med"/>
-                      <a:tailEnd type="none" w="med" len="med"/>
-                    </a:lnT>
-                    <a:lnB w="3175" cap="flat" cmpd="sng" algn="ctr">
-                      <a:solidFill>
-                        <a:srgbClr val="000000"/>
-                      </a:solidFill>
-                      <a:prstDash val="solid"/>
-                      <a:round/>
-                      <a:headEnd type="none" w="med" len="med"/>
-                      <a:tailEnd type="none" w="med" len="med"/>
-                    </a:lnB>
-                  </a:tcPr>
-                </a:tc>
-                <a:tc>
-                  <a:txBody>
-                    <a:bodyPr/>
-                    <a:lstStyle/>
-                    <a:p>
-                      <a:pPr algn="r" fontAlgn="ctr"/>
-                      <a:r>
-                        <a:rPr lang="en-US" altLang="ko-KR" sz="1300" b="1" i="0" u="none" strike="noStrike">
-                          <a:solidFill>
-                            <a:srgbClr val="000000"/>
-                          </a:solidFill>
-                          <a:effectLst/>
-                          <a:latin typeface="Malgun Gothic" panose="020B0503020000020004" pitchFamily="34" charset="-127"/>
-                          <a:ea typeface="Malgun Gothic" panose="020B0503020000020004" pitchFamily="34" charset="-127"/>
-                        </a:rPr>
-                        <a:t>645</a:t>
-                      </a:r>
-                    </a:p>
-                  </a:txBody>
-                  <a:tcPr marL="9525" marR="9525" marT="9525" marB="0" anchor="ctr">
-                    <a:lnL w="3175" cap="flat" cmpd="sng" algn="ctr">
-                      <a:solidFill>
-                        <a:srgbClr val="000000"/>
-                      </a:solidFill>
-                      <a:prstDash val="solid"/>
-                      <a:round/>
-                      <a:headEnd type="none" w="med" len="med"/>
-                      <a:tailEnd type="none" w="med" len="med"/>
-                    </a:lnL>
-                    <a:lnR w="3175" cap="flat" cmpd="sng" algn="ctr">
-                      <a:solidFill>
-                        <a:srgbClr val="000000"/>
-                      </a:solidFill>
-                      <a:prstDash val="solid"/>
-                      <a:round/>
-                      <a:headEnd type="none" w="med" len="med"/>
-                      <a:tailEnd type="none" w="med" len="med"/>
-                    </a:lnR>
-                    <a:lnT w="3175" cap="flat" cmpd="sng" algn="ctr">
-                      <a:solidFill>
-                        <a:srgbClr val="000000"/>
-                      </a:solidFill>
-                      <a:prstDash val="solid"/>
-                      <a:round/>
-                      <a:headEnd type="none" w="med" len="med"/>
-                      <a:tailEnd type="none" w="med" len="med"/>
-                    </a:lnT>
-                    <a:lnB w="3175" cap="flat" cmpd="sng" algn="ctr">
-                      <a:solidFill>
-                        <a:srgbClr val="000000"/>
-                      </a:solidFill>
-                      <a:prstDash val="solid"/>
-                      <a:round/>
-                      <a:headEnd type="none" w="med" len="med"/>
-                      <a:tailEnd type="none" w="med" len="med"/>
-                    </a:lnB>
-                  </a:tcPr>
-                </a:tc>
-                <a:tc vMerge="1">
-                  <a:txBody>
-                    <a:bodyPr/>
-                    <a:lstStyle/>
-                    <a:p>
-                      <a:pPr latinLnBrk="1"/>
-                      <a:endParaRPr lang="ko-KR" altLang="en-US"/>
-                    </a:p>
-                  </a:txBody>
-                  <a:tcPr/>
-                </a:tc>
-                <a:extLst>
-                  <a:ext uri="{0D108BD9-81ED-4DB2-BD59-A6C34878D82A}">
-                    <a16:rowId xmlns:a16="http://schemas.microsoft.com/office/drawing/2014/main" val="1554460467"/>
-                  </a:ext>
-                </a:extLst>
-              </a:tr>
-              <a:tr h="587669">
-                <a:tc>
-                  <a:txBody>
-                    <a:bodyPr/>
-                    <a:lstStyle/>
-                    <a:p>
-                      <a:pPr algn="l" fontAlgn="ctr"/>
-                      <a:r>
-                        <a:rPr lang="ko-KR" altLang="en-US" sz="1300" b="1" i="0" u="none" strike="noStrike">
-                          <a:solidFill>
-                            <a:srgbClr val="000000"/>
-                          </a:solidFill>
-                          <a:effectLst/>
-                          <a:latin typeface="Malgun Gothic" panose="020B0503020000020004" pitchFamily="34" charset="-127"/>
-                          <a:ea typeface="Malgun Gothic" panose="020B0503020000020004" pitchFamily="34" charset="-127"/>
-                        </a:rPr>
-                        <a:t>고혈압성 질환</a:t>
-                      </a:r>
-                    </a:p>
-                  </a:txBody>
-                  <a:tcPr marL="9525" marR="9525" marT="9525" marB="0" anchor="ctr">
-                    <a:lnL>
-                      <a:noFill/>
-                    </a:lnL>
-                    <a:lnR w="3175" cap="flat" cmpd="sng" algn="ctr">
-                      <a:solidFill>
-                        <a:srgbClr val="000000"/>
-                      </a:solidFill>
-                      <a:prstDash val="solid"/>
-                      <a:round/>
-                      <a:headEnd type="none" w="med" len="med"/>
-                      <a:tailEnd type="none" w="med" len="med"/>
-                    </a:lnR>
-                    <a:lnT w="3175" cap="flat" cmpd="sng" algn="ctr">
-                      <a:solidFill>
-                        <a:srgbClr val="000000"/>
-                      </a:solidFill>
-                      <a:prstDash val="solid"/>
-                      <a:round/>
-                      <a:headEnd type="none" w="med" len="med"/>
-                      <a:tailEnd type="none" w="med" len="med"/>
-                    </a:lnT>
-                    <a:lnB w="3175" cap="flat" cmpd="sng" algn="ctr">
-                      <a:solidFill>
-                        <a:srgbClr val="000000"/>
-                      </a:solidFill>
-                      <a:prstDash val="solid"/>
-                      <a:round/>
-                      <a:headEnd type="none" w="med" len="med"/>
-                      <a:tailEnd type="none" w="med" len="med"/>
-                    </a:lnB>
-                  </a:tcPr>
-                </a:tc>
-                <a:tc>
-                  <a:txBody>
-                    <a:bodyPr/>
-                    <a:lstStyle/>
-                    <a:p>
-                      <a:pPr algn="r" fontAlgn="ctr"/>
-                      <a:r>
-                        <a:rPr lang="en-US" altLang="ko-KR" sz="1300" b="1" i="0" u="none" strike="noStrike">
-                          <a:solidFill>
-                            <a:srgbClr val="000000"/>
-                          </a:solidFill>
-                          <a:effectLst/>
-                          <a:latin typeface="Malgun Gothic" panose="020B0503020000020004" pitchFamily="34" charset="-127"/>
-                          <a:ea typeface="Malgun Gothic" panose="020B0503020000020004" pitchFamily="34" charset="-127"/>
-                        </a:rPr>
-                        <a:t>607</a:t>
-                      </a:r>
-                    </a:p>
-                  </a:txBody>
-                  <a:tcPr marL="9525" marR="9525" marT="9525" marB="0" anchor="ctr">
-                    <a:lnL w="3175" cap="flat" cmpd="sng" algn="ctr">
-                      <a:solidFill>
-                        <a:srgbClr val="000000"/>
-                      </a:solidFill>
-                      <a:prstDash val="solid"/>
-                      <a:round/>
-                      <a:headEnd type="none" w="med" len="med"/>
-                      <a:tailEnd type="none" w="med" len="med"/>
-                    </a:lnL>
-                    <a:lnR w="3175" cap="flat" cmpd="sng" algn="ctr">
-                      <a:solidFill>
-                        <a:srgbClr val="000000"/>
-                      </a:solidFill>
-                      <a:prstDash val="solid"/>
-                      <a:round/>
-                      <a:headEnd type="none" w="med" len="med"/>
-                      <a:tailEnd type="none" w="med" len="med"/>
-                    </a:lnR>
-                    <a:lnT w="3175" cap="flat" cmpd="sng" algn="ctr">
-                      <a:solidFill>
-                        <a:srgbClr val="000000"/>
-                      </a:solidFill>
-                      <a:prstDash val="solid"/>
-                      <a:round/>
-                      <a:headEnd type="none" w="med" len="med"/>
-                      <a:tailEnd type="none" w="med" len="med"/>
-                    </a:lnT>
-                    <a:lnB w="3175" cap="flat" cmpd="sng" algn="ctr">
-                      <a:solidFill>
-                        <a:srgbClr val="000000"/>
-                      </a:solidFill>
-                      <a:prstDash val="solid"/>
-                      <a:round/>
-                      <a:headEnd type="none" w="med" len="med"/>
-                      <a:tailEnd type="none" w="med" len="med"/>
-                    </a:lnB>
-                  </a:tcPr>
-                </a:tc>
-                <a:tc vMerge="1">
-                  <a:txBody>
-                    <a:bodyPr/>
-                    <a:lstStyle/>
-                    <a:p>
-                      <a:pPr latinLnBrk="1"/>
-                      <a:endParaRPr lang="ko-KR" altLang="en-US"/>
-                    </a:p>
-                  </a:txBody>
-                  <a:tcPr/>
-                </a:tc>
-                <a:extLst>
-                  <a:ext uri="{0D108BD9-81ED-4DB2-BD59-A6C34878D82A}">
-                    <a16:rowId xmlns:a16="http://schemas.microsoft.com/office/drawing/2014/main" val="288738142"/>
-                  </a:ext>
-                </a:extLst>
-              </a:tr>
-              <a:tr h="323066">
-                <a:tc>
-                  <a:txBody>
-                    <a:bodyPr/>
-                    <a:lstStyle/>
-                    <a:p>
-                      <a:pPr algn="l" fontAlgn="ctr"/>
-                      <a:r>
-                        <a:rPr lang="ko-KR" altLang="en-US" sz="1300" b="1" i="0" u="none" strike="noStrike">
-                          <a:solidFill>
-                            <a:srgbClr val="000000"/>
-                          </a:solidFill>
-                          <a:effectLst/>
-                          <a:latin typeface="Malgun Gothic" panose="020B0503020000020004" pitchFamily="34" charset="-127"/>
-                          <a:ea typeface="Malgun Gothic" panose="020B0503020000020004" pitchFamily="34" charset="-127"/>
-                        </a:rPr>
-                        <a:t>기타 상황에서 보건서비스와 접하고 있는 사람</a:t>
-                      </a:r>
-                    </a:p>
-                  </a:txBody>
-                  <a:tcPr marL="9525" marR="9525" marT="9525" marB="0" anchor="ctr">
-                    <a:lnL>
-                      <a:noFill/>
-                    </a:lnL>
-                    <a:lnR w="3175" cap="flat" cmpd="sng" algn="ctr">
-                      <a:solidFill>
-                        <a:srgbClr val="000000"/>
-                      </a:solidFill>
-                      <a:prstDash val="solid"/>
-                      <a:round/>
-                      <a:headEnd type="none" w="med" len="med"/>
-                      <a:tailEnd type="none" w="med" len="med"/>
-                    </a:lnR>
-                    <a:lnT w="3175" cap="flat" cmpd="sng" algn="ctr">
-                      <a:solidFill>
-                        <a:srgbClr val="000000"/>
-                      </a:solidFill>
-                      <a:prstDash val="solid"/>
-                      <a:round/>
-                      <a:headEnd type="none" w="med" len="med"/>
-                      <a:tailEnd type="none" w="med" len="med"/>
-                    </a:lnT>
-                    <a:lnB w="3175" cap="flat" cmpd="sng" algn="ctr">
-                      <a:solidFill>
-                        <a:srgbClr val="000000"/>
-                      </a:solidFill>
-                      <a:prstDash val="solid"/>
-                      <a:round/>
-                      <a:headEnd type="none" w="med" len="med"/>
-                      <a:tailEnd type="none" w="med" len="med"/>
-                    </a:lnB>
-                  </a:tcPr>
-                </a:tc>
-                <a:tc>
-                  <a:txBody>
-                    <a:bodyPr/>
-                    <a:lstStyle/>
-                    <a:p>
-                      <a:pPr algn="r" fontAlgn="ctr"/>
-                      <a:r>
-                        <a:rPr lang="en-US" altLang="ko-KR" sz="1300" b="1" i="0" u="none" strike="noStrike">
-                          <a:solidFill>
-                            <a:srgbClr val="000000"/>
-                          </a:solidFill>
-                          <a:effectLst/>
-                          <a:latin typeface="Malgun Gothic" panose="020B0503020000020004" pitchFamily="34" charset="-127"/>
-                          <a:ea typeface="Malgun Gothic" panose="020B0503020000020004" pitchFamily="34" charset="-127"/>
-                        </a:rPr>
-                        <a:t>481</a:t>
-                      </a:r>
-                    </a:p>
-                  </a:txBody>
-                  <a:tcPr marL="9525" marR="9525" marT="9525" marB="0" anchor="ctr">
-                    <a:lnL w="3175" cap="flat" cmpd="sng" algn="ctr">
-                      <a:solidFill>
-                        <a:srgbClr val="000000"/>
-                      </a:solidFill>
-                      <a:prstDash val="solid"/>
-                      <a:round/>
-                      <a:headEnd type="none" w="med" len="med"/>
-                      <a:tailEnd type="none" w="med" len="med"/>
-                    </a:lnL>
-                    <a:lnR w="3175" cap="flat" cmpd="sng" algn="ctr">
-                      <a:solidFill>
-                        <a:srgbClr val="000000"/>
-                      </a:solidFill>
-                      <a:prstDash val="solid"/>
-                      <a:round/>
-                      <a:headEnd type="none" w="med" len="med"/>
-                      <a:tailEnd type="none" w="med" len="med"/>
-                    </a:lnR>
-                    <a:lnT w="3175" cap="flat" cmpd="sng" algn="ctr">
-                      <a:solidFill>
-                        <a:srgbClr val="000000"/>
-                      </a:solidFill>
-                      <a:prstDash val="solid"/>
-                      <a:round/>
-                      <a:headEnd type="none" w="med" len="med"/>
-                      <a:tailEnd type="none" w="med" len="med"/>
-                    </a:lnT>
-                    <a:lnB w="3175" cap="flat" cmpd="sng" algn="ctr">
-                      <a:solidFill>
-                        <a:srgbClr val="000000"/>
-                      </a:solidFill>
-                      <a:prstDash val="solid"/>
-                      <a:round/>
-                      <a:headEnd type="none" w="med" len="med"/>
-                      <a:tailEnd type="none" w="med" len="med"/>
-                    </a:lnB>
-                  </a:tcPr>
-                </a:tc>
-                <a:tc vMerge="1">
-                  <a:txBody>
-                    <a:bodyPr/>
-                    <a:lstStyle/>
-                    <a:p>
-                      <a:pPr latinLnBrk="1"/>
-                      <a:endParaRPr lang="ko-KR" altLang="en-US"/>
-                    </a:p>
-                  </a:txBody>
-                  <a:tcPr/>
-                </a:tc>
-                <a:extLst>
-                  <a:ext uri="{0D108BD9-81ED-4DB2-BD59-A6C34878D82A}">
-                    <a16:rowId xmlns:a16="http://schemas.microsoft.com/office/drawing/2014/main" val="2782222298"/>
-                  </a:ext>
-                </a:extLst>
-              </a:tr>
-              <a:tr h="323066">
-                <a:tc>
-                  <a:txBody>
-                    <a:bodyPr/>
-                    <a:lstStyle/>
-                    <a:p>
-                      <a:pPr algn="l" fontAlgn="ctr"/>
-                      <a:r>
-                        <a:rPr lang="ko-KR" altLang="en-US" sz="1300" b="1" i="0" u="none" strike="noStrike">
-                          <a:solidFill>
-                            <a:srgbClr val="000000"/>
-                          </a:solidFill>
-                          <a:effectLst/>
-                          <a:latin typeface="Malgun Gothic" panose="020B0503020000020004" pitchFamily="34" charset="-127"/>
-                          <a:ea typeface="Malgun Gothic" panose="020B0503020000020004" pitchFamily="34" charset="-127"/>
-                        </a:rPr>
-                        <a:t>당뇨병</a:t>
-                      </a:r>
-                    </a:p>
-                  </a:txBody>
-                  <a:tcPr marL="9525" marR="9525" marT="9525" marB="0" anchor="ctr">
-                    <a:lnL>
-                      <a:noFill/>
-                    </a:lnL>
-                    <a:lnR w="3175" cap="flat" cmpd="sng" algn="ctr">
-                      <a:solidFill>
-                        <a:srgbClr val="000000"/>
-                      </a:solidFill>
-                      <a:prstDash val="solid"/>
-                      <a:round/>
-                      <a:headEnd type="none" w="med" len="med"/>
-                      <a:tailEnd type="none" w="med" len="med"/>
-                    </a:lnR>
-                    <a:lnT w="3175" cap="flat" cmpd="sng" algn="ctr">
-                      <a:solidFill>
-                        <a:srgbClr val="000000"/>
-                      </a:solidFill>
-                      <a:prstDash val="solid"/>
-                      <a:round/>
-                      <a:headEnd type="none" w="med" len="med"/>
-                      <a:tailEnd type="none" w="med" len="med"/>
-                    </a:lnT>
-                    <a:lnB w="3175" cap="flat" cmpd="sng" algn="ctr">
-                      <a:solidFill>
-                        <a:srgbClr val="000000"/>
-                      </a:solidFill>
-                      <a:prstDash val="solid"/>
-                      <a:round/>
-                      <a:headEnd type="none" w="med" len="med"/>
-                      <a:tailEnd type="none" w="med" len="med"/>
-                    </a:lnB>
-                  </a:tcPr>
-                </a:tc>
-                <a:tc>
-                  <a:txBody>
-                    <a:bodyPr/>
-                    <a:lstStyle/>
-                    <a:p>
-                      <a:pPr algn="r" fontAlgn="ctr"/>
-                      <a:r>
-                        <a:rPr lang="en-US" altLang="ko-KR" sz="1300" b="1" i="0" u="none" strike="noStrike">
-                          <a:solidFill>
-                            <a:srgbClr val="000000"/>
-                          </a:solidFill>
-                          <a:effectLst/>
-                          <a:latin typeface="Malgun Gothic" panose="020B0503020000020004" pitchFamily="34" charset="-127"/>
-                          <a:ea typeface="Malgun Gothic" panose="020B0503020000020004" pitchFamily="34" charset="-127"/>
-                        </a:rPr>
-                        <a:t>472</a:t>
-                      </a:r>
-                    </a:p>
-                  </a:txBody>
-                  <a:tcPr marL="9525" marR="9525" marT="9525" marB="0" anchor="ctr">
-                    <a:lnL w="3175" cap="flat" cmpd="sng" algn="ctr">
-                      <a:solidFill>
-                        <a:srgbClr val="000000"/>
-                      </a:solidFill>
-                      <a:prstDash val="solid"/>
-                      <a:round/>
-                      <a:headEnd type="none" w="med" len="med"/>
-                      <a:tailEnd type="none" w="med" len="med"/>
-                    </a:lnL>
-                    <a:lnR w="3175" cap="flat" cmpd="sng" algn="ctr">
-                      <a:solidFill>
-                        <a:srgbClr val="000000"/>
-                      </a:solidFill>
-                      <a:prstDash val="solid"/>
-                      <a:round/>
-                      <a:headEnd type="none" w="med" len="med"/>
-                      <a:tailEnd type="none" w="med" len="med"/>
-                    </a:lnR>
-                    <a:lnT w="3175" cap="flat" cmpd="sng" algn="ctr">
-                      <a:solidFill>
-                        <a:srgbClr val="000000"/>
-                      </a:solidFill>
-                      <a:prstDash val="solid"/>
-                      <a:round/>
-                      <a:headEnd type="none" w="med" len="med"/>
-                      <a:tailEnd type="none" w="med" len="med"/>
-                    </a:lnT>
-                    <a:lnB w="3175" cap="flat" cmpd="sng" algn="ctr">
-                      <a:solidFill>
-                        <a:srgbClr val="000000"/>
-                      </a:solidFill>
-                      <a:prstDash val="solid"/>
-                      <a:round/>
-                      <a:headEnd type="none" w="med" len="med"/>
-                      <a:tailEnd type="none" w="med" len="med"/>
-                    </a:lnB>
-                  </a:tcPr>
-                </a:tc>
-                <a:tc vMerge="1">
-                  <a:txBody>
-                    <a:bodyPr/>
-                    <a:lstStyle/>
-                    <a:p>
-                      <a:pPr latinLnBrk="1"/>
-                      <a:endParaRPr lang="ko-KR" altLang="en-US"/>
-                    </a:p>
-                  </a:txBody>
-                  <a:tcPr/>
-                </a:tc>
-                <a:extLst>
-                  <a:ext uri="{0D108BD9-81ED-4DB2-BD59-A6C34878D82A}">
-                    <a16:rowId xmlns:a16="http://schemas.microsoft.com/office/drawing/2014/main" val="2742559538"/>
-                  </a:ext>
-                </a:extLst>
-              </a:tr>
-              <a:tr h="441159">
-                <a:tc>
-                  <a:txBody>
-                    <a:bodyPr/>
-                    <a:lstStyle/>
-                    <a:p>
-                      <a:pPr algn="l" fontAlgn="ctr"/>
-                      <a:r>
-                        <a:rPr lang="ko-KR" altLang="en-US" sz="1300" b="1" i="0" u="none" strike="noStrike">
-                          <a:solidFill>
-                            <a:srgbClr val="000000"/>
-                          </a:solidFill>
-                          <a:effectLst/>
-                          <a:latin typeface="Malgun Gothic" panose="020B0503020000020004" pitchFamily="34" charset="-127"/>
-                          <a:ea typeface="Malgun Gothic" panose="020B0503020000020004" pitchFamily="34" charset="-127"/>
-                        </a:rPr>
-                        <a:t>특정 처치 및 건강관리를 위하여 보건서비스와 접하고 있는 사람</a:t>
-                      </a:r>
-                    </a:p>
-                  </a:txBody>
-                  <a:tcPr marL="9525" marR="9525" marT="9525" marB="0" anchor="ctr">
-                    <a:lnL>
-                      <a:noFill/>
-                    </a:lnL>
-                    <a:lnR w="3175" cap="flat" cmpd="sng" algn="ctr">
-                      <a:solidFill>
-                        <a:srgbClr val="000000"/>
-                      </a:solidFill>
-                      <a:prstDash val="solid"/>
-                      <a:round/>
-                      <a:headEnd type="none" w="med" len="med"/>
-                      <a:tailEnd type="none" w="med" len="med"/>
-                    </a:lnR>
-                    <a:lnT w="3175" cap="flat" cmpd="sng" algn="ctr">
-                      <a:solidFill>
-                        <a:srgbClr val="000000"/>
-                      </a:solidFill>
-                      <a:prstDash val="solid"/>
-                      <a:round/>
-                      <a:headEnd type="none" w="med" len="med"/>
-                      <a:tailEnd type="none" w="med" len="med"/>
-                    </a:lnT>
-                    <a:lnB w="3175" cap="flat" cmpd="sng" algn="ctr">
-                      <a:solidFill>
-                        <a:srgbClr val="000000"/>
-                      </a:solidFill>
-                      <a:prstDash val="solid"/>
-                      <a:round/>
-                      <a:headEnd type="none" w="med" len="med"/>
-                      <a:tailEnd type="none" w="med" len="med"/>
-                    </a:lnB>
-                  </a:tcPr>
-                </a:tc>
-                <a:tc>
-                  <a:txBody>
-                    <a:bodyPr/>
-                    <a:lstStyle/>
-                    <a:p>
-                      <a:pPr algn="r" fontAlgn="ctr"/>
-                      <a:r>
-                        <a:rPr lang="en-US" altLang="ko-KR" sz="1300" b="1" i="0" u="none" strike="noStrike">
-                          <a:solidFill>
-                            <a:srgbClr val="000000"/>
-                          </a:solidFill>
-                          <a:effectLst/>
-                          <a:latin typeface="Malgun Gothic" panose="020B0503020000020004" pitchFamily="34" charset="-127"/>
-                          <a:ea typeface="Malgun Gothic" panose="020B0503020000020004" pitchFamily="34" charset="-127"/>
-                        </a:rPr>
-                        <a:t>450</a:t>
-                      </a:r>
-                    </a:p>
-                  </a:txBody>
-                  <a:tcPr marL="9525" marR="9525" marT="9525" marB="0" anchor="ctr">
-                    <a:lnL w="3175" cap="flat" cmpd="sng" algn="ctr">
-                      <a:solidFill>
-                        <a:srgbClr val="000000"/>
-                      </a:solidFill>
-                      <a:prstDash val="solid"/>
-                      <a:round/>
-                      <a:headEnd type="none" w="med" len="med"/>
-                      <a:tailEnd type="none" w="med" len="med"/>
-                    </a:lnL>
-                    <a:lnR w="3175" cap="flat" cmpd="sng" algn="ctr">
-                      <a:solidFill>
-                        <a:srgbClr val="000000"/>
-                      </a:solidFill>
-                      <a:prstDash val="solid"/>
-                      <a:round/>
-                      <a:headEnd type="none" w="med" len="med"/>
-                      <a:tailEnd type="none" w="med" len="med"/>
-                    </a:lnR>
-                    <a:lnT w="3175" cap="flat" cmpd="sng" algn="ctr">
-                      <a:solidFill>
-                        <a:srgbClr val="000000"/>
-                      </a:solidFill>
-                      <a:prstDash val="solid"/>
-                      <a:round/>
-                      <a:headEnd type="none" w="med" len="med"/>
-                      <a:tailEnd type="none" w="med" len="med"/>
-                    </a:lnT>
-                    <a:lnB w="3175" cap="flat" cmpd="sng" algn="ctr">
-                      <a:solidFill>
-                        <a:srgbClr val="000000"/>
-                      </a:solidFill>
-                      <a:prstDash val="solid"/>
-                      <a:round/>
-                      <a:headEnd type="none" w="med" len="med"/>
-                      <a:tailEnd type="none" w="med" len="med"/>
-                    </a:lnB>
-                  </a:tcPr>
-                </a:tc>
-                <a:tc vMerge="1">
-                  <a:txBody>
-                    <a:bodyPr/>
-                    <a:lstStyle/>
-                    <a:p>
-                      <a:pPr latinLnBrk="1"/>
-                      <a:endParaRPr lang="ko-KR" altLang="en-US"/>
-                    </a:p>
-                  </a:txBody>
-                  <a:tcPr/>
-                </a:tc>
-                <a:extLst>
-                  <a:ext uri="{0D108BD9-81ED-4DB2-BD59-A6C34878D82A}">
-                    <a16:rowId xmlns:a16="http://schemas.microsoft.com/office/drawing/2014/main" val="2071500485"/>
-                  </a:ext>
-                </a:extLst>
-              </a:tr>
-              <a:tr h="441159">
-                <a:tc>
-                  <a:txBody>
-                    <a:bodyPr/>
-                    <a:lstStyle/>
-                    <a:p>
-                      <a:pPr algn="l" fontAlgn="ctr"/>
-                      <a:r>
-                        <a:rPr lang="ko-KR" altLang="en-US" sz="1300" b="1" i="0" u="none" strike="noStrike">
-                          <a:solidFill>
-                            <a:srgbClr val="000000"/>
-                          </a:solidFill>
-                          <a:effectLst/>
-                          <a:latin typeface="Malgun Gothic" panose="020B0503020000020004" pitchFamily="34" charset="-127"/>
-                          <a:ea typeface="Malgun Gothic" panose="020B0503020000020004" pitchFamily="34" charset="-127"/>
-                        </a:rPr>
-                        <a:t>가족 및 개인 기왕력과 건강상태에 영향을 주는 특정 병태에 관련된 잠재적 건강위험을 가진 사람</a:t>
-                      </a:r>
-                    </a:p>
-                  </a:txBody>
-                  <a:tcPr marL="9525" marR="9525" marT="9525" marB="0" anchor="ctr">
-                    <a:lnL>
-                      <a:noFill/>
-                    </a:lnL>
-                    <a:lnR w="3175" cap="flat" cmpd="sng" algn="ctr">
-                      <a:solidFill>
-                        <a:srgbClr val="000000"/>
-                      </a:solidFill>
-                      <a:prstDash val="solid"/>
-                      <a:round/>
-                      <a:headEnd type="none" w="med" len="med"/>
-                      <a:tailEnd type="none" w="med" len="med"/>
-                    </a:lnR>
-                    <a:lnT w="3175" cap="flat" cmpd="sng" algn="ctr">
-                      <a:solidFill>
-                        <a:srgbClr val="000000"/>
-                      </a:solidFill>
-                      <a:prstDash val="solid"/>
-                      <a:round/>
-                      <a:headEnd type="none" w="med" len="med"/>
-                      <a:tailEnd type="none" w="med" len="med"/>
-                    </a:lnT>
-                    <a:lnB w="3175" cap="flat" cmpd="sng" algn="ctr">
-                      <a:solidFill>
-                        <a:srgbClr val="000000"/>
-                      </a:solidFill>
-                      <a:prstDash val="solid"/>
-                      <a:round/>
-                      <a:headEnd type="none" w="med" len="med"/>
-                      <a:tailEnd type="none" w="med" len="med"/>
-                    </a:lnB>
-                  </a:tcPr>
-                </a:tc>
-                <a:tc>
-                  <a:txBody>
-                    <a:bodyPr/>
-                    <a:lstStyle/>
-                    <a:p>
-                      <a:pPr algn="r" fontAlgn="ctr"/>
-                      <a:r>
-                        <a:rPr lang="en-US" altLang="ko-KR" sz="1300" b="1" i="0" u="none" strike="noStrike" dirty="0">
-                          <a:solidFill>
-                            <a:srgbClr val="000000"/>
-                          </a:solidFill>
-                          <a:effectLst/>
-                          <a:latin typeface="Malgun Gothic" panose="020B0503020000020004" pitchFamily="34" charset="-127"/>
-                          <a:ea typeface="Malgun Gothic" panose="020B0503020000020004" pitchFamily="34" charset="-127"/>
-                        </a:rPr>
-                        <a:t>415</a:t>
-                      </a:r>
-                    </a:p>
-                  </a:txBody>
-                  <a:tcPr marL="9525" marR="9525" marT="9525" marB="0" anchor="ctr">
-                    <a:lnL w="3175" cap="flat" cmpd="sng" algn="ctr">
-                      <a:solidFill>
-                        <a:srgbClr val="000000"/>
-                      </a:solidFill>
-                      <a:prstDash val="solid"/>
-                      <a:round/>
-                      <a:headEnd type="none" w="med" len="med"/>
-                      <a:tailEnd type="none" w="med" len="med"/>
-                    </a:lnL>
-                    <a:lnR w="3175" cap="flat" cmpd="sng" algn="ctr">
-                      <a:solidFill>
-                        <a:srgbClr val="000000"/>
-                      </a:solidFill>
-                      <a:prstDash val="solid"/>
-                      <a:round/>
-                      <a:headEnd type="none" w="med" len="med"/>
-                      <a:tailEnd type="none" w="med" len="med"/>
-                    </a:lnR>
-                    <a:lnT w="3175" cap="flat" cmpd="sng" algn="ctr">
-                      <a:solidFill>
-                        <a:srgbClr val="000000"/>
-                      </a:solidFill>
-                      <a:prstDash val="solid"/>
-                      <a:round/>
-                      <a:headEnd type="none" w="med" len="med"/>
-                      <a:tailEnd type="none" w="med" len="med"/>
-                    </a:lnT>
-                    <a:lnB w="3175" cap="flat" cmpd="sng" algn="ctr">
-                      <a:solidFill>
-                        <a:srgbClr val="000000"/>
-                      </a:solidFill>
-                      <a:prstDash val="solid"/>
-                      <a:round/>
-                      <a:headEnd type="none" w="med" len="med"/>
-                      <a:tailEnd type="none" w="med" len="med"/>
-                    </a:lnB>
-                  </a:tcPr>
-                </a:tc>
-                <a:tc vMerge="1">
-                  <a:txBody>
-                    <a:bodyPr/>
-                    <a:lstStyle/>
-                    <a:p>
-                      <a:pPr latinLnBrk="1"/>
-                      <a:endParaRPr lang="ko-KR" altLang="en-US"/>
-                    </a:p>
-                  </a:txBody>
-                  <a:tcPr/>
-                </a:tc>
-                <a:extLst>
-                  <a:ext uri="{0D108BD9-81ED-4DB2-BD59-A6C34878D82A}">
-                    <a16:rowId xmlns:a16="http://schemas.microsoft.com/office/drawing/2014/main" val="3135143391"/>
-                  </a:ext>
-                </a:extLst>
-              </a:tr>
-            </a:tbl>
-          </a:graphicData>
-        </a:graphic>
-      </p:graphicFrame>
-      <p:graphicFrame>
-        <p:nvGraphicFramePr>
-          <p:cNvPr id="9" name="차트 8">
-            <a:extLst>
-              <a:ext uri="{FF2B5EF4-FFF2-40B4-BE49-F238E27FC236}">
-                <a16:creationId xmlns:a16="http://schemas.microsoft.com/office/drawing/2014/main" id="{00000000-0008-0000-0000-000002000000}"/>
-              </a:ext>
-            </a:extLst>
-          </p:cNvPr>
-          <p:cNvGraphicFramePr>
-            <a:graphicFrameLocks/>
-          </p:cNvGraphicFramePr>
-          <p:nvPr>
-            <p:extLst>
-              <p:ext uri="{D42A27DB-BD31-4B8C-83A1-F6EECF244321}">
-                <p14:modId xmlns:p14="http://schemas.microsoft.com/office/powerpoint/2010/main" val="832822300"/>
-              </p:ext>
-            </p:extLst>
-          </p:nvPr>
-        </p:nvGraphicFramePr>
-        <p:xfrm>
-          <a:off x="8577469" y="941652"/>
-          <a:ext cx="3332645" cy="4822216"/>
-        </p:xfrm>
-        <a:graphic>
-          <a:graphicData uri="http://schemas.openxmlformats.org/drawingml/2006/chart">
-            <c:chart xmlns:c="http://schemas.openxmlformats.org/drawingml/2006/chart" xmlns:r="http://schemas.openxmlformats.org/officeDocument/2006/relationships" r:id="rId2"/>
-          </a:graphicData>
-        </a:graphic>
-      </p:graphicFrame>
-    </p:spTree>
-    <p:extLst>
-      <p:ext uri="{BB962C8B-B14F-4D97-AF65-F5344CB8AC3E}">
-        <p14:creationId xmlns:p14="http://schemas.microsoft.com/office/powerpoint/2010/main" val="32217074"/>
       </p:ext>
     </p:extLst>
   </p:cSld>
